--- a/Twitter gender predict.pptx
+++ b/Twitter gender predict.pptx
@@ -4,19 +4,27 @@
   <p:sldMasterIdLst>
     <p:sldMasterId id="2147483648" r:id="rId1"/>
   </p:sldMasterIdLst>
+  <p:notesMasterIdLst>
+    <p:notesMasterId r:id="rId19"/>
+  </p:notesMasterIdLst>
   <p:sldIdLst>
     <p:sldId id="256" r:id="rId2"/>
     <p:sldId id="259" r:id="rId3"/>
     <p:sldId id="257" r:id="rId4"/>
     <p:sldId id="260" r:id="rId5"/>
-    <p:sldId id="261" r:id="rId6"/>
-    <p:sldId id="267" r:id="rId7"/>
-    <p:sldId id="263" r:id="rId8"/>
-    <p:sldId id="262" r:id="rId9"/>
-    <p:sldId id="266" r:id="rId10"/>
-    <p:sldId id="268" r:id="rId11"/>
-    <p:sldId id="269" r:id="rId12"/>
-    <p:sldId id="265" r:id="rId13"/>
+    <p:sldId id="270" r:id="rId6"/>
+    <p:sldId id="271" r:id="rId7"/>
+    <p:sldId id="261" r:id="rId8"/>
+    <p:sldId id="272" r:id="rId9"/>
+    <p:sldId id="273" r:id="rId10"/>
+    <p:sldId id="274" r:id="rId11"/>
+    <p:sldId id="267" r:id="rId12"/>
+    <p:sldId id="263" r:id="rId13"/>
+    <p:sldId id="262" r:id="rId14"/>
+    <p:sldId id="268" r:id="rId15"/>
+    <p:sldId id="266" r:id="rId16"/>
+    <p:sldId id="269" r:id="rId17"/>
+    <p:sldId id="265" r:id="rId18"/>
   </p:sldIdLst>
   <p:sldSz cx="12192000" cy="6858000"/>
   <p:notesSz cx="6858000" cy="9144000"/>
@@ -123,6 +131,843 @@
 </p:presentation>
 </file>
 
+<file path=ppt/notesMasters/notesMaster1.xml><?xml version="1.0" encoding="utf-8"?>
+<p:notesMaster xmlns:a="http://schemas.openxmlformats.org/drawingml/2006/main" xmlns:r="http://schemas.openxmlformats.org/officeDocument/2006/relationships" xmlns:p="http://schemas.openxmlformats.org/presentationml/2006/main">
+  <p:cSld>
+    <p:bg>
+      <p:bgRef idx="1001">
+        <a:schemeClr val="bg1"/>
+      </p:bgRef>
+    </p:bg>
+    <p:spTree>
+      <p:nvGrpSpPr>
+        <p:cNvPr id="1" name=""/>
+        <p:cNvGrpSpPr/>
+        <p:nvPr/>
+      </p:nvGrpSpPr>
+      <p:grpSpPr>
+        <a:xfrm>
+          <a:off x="0" y="0"/>
+          <a:ext cx="0" cy="0"/>
+          <a:chOff x="0" y="0"/>
+          <a:chExt cx="0" cy="0"/>
+        </a:xfrm>
+      </p:grpSpPr>
+      <p:sp>
+        <p:nvSpPr>
+          <p:cNvPr id="2" name="Header Placeholder 1"/>
+          <p:cNvSpPr>
+            <a:spLocks noGrp="1"/>
+          </p:cNvSpPr>
+          <p:nvPr>
+            <p:ph type="hdr" sz="quarter"/>
+          </p:nvPr>
+        </p:nvSpPr>
+        <p:spPr>
+          <a:xfrm>
+            <a:off x="0" y="0"/>
+            <a:ext cx="2971800" cy="458788"/>
+          </a:xfrm>
+          <a:prstGeom prst="rect">
+            <a:avLst/>
+          </a:prstGeom>
+        </p:spPr>
+        <p:txBody>
+          <a:bodyPr vert="horz" lIns="91440" tIns="45720" rIns="91440" bIns="45720" rtlCol="0"/>
+          <a:lstStyle>
+            <a:lvl1pPr algn="l">
+              <a:defRPr sz="1200"/>
+            </a:lvl1pPr>
+          </a:lstStyle>
+          <a:p>
+            <a:endParaRPr lang="en-US"/>
+          </a:p>
+        </p:txBody>
+      </p:sp>
+      <p:sp>
+        <p:nvSpPr>
+          <p:cNvPr id="3" name="Date Placeholder 2"/>
+          <p:cNvSpPr>
+            <a:spLocks noGrp="1"/>
+          </p:cNvSpPr>
+          <p:nvPr>
+            <p:ph type="dt" idx="1"/>
+          </p:nvPr>
+        </p:nvSpPr>
+        <p:spPr>
+          <a:xfrm>
+            <a:off x="3884613" y="0"/>
+            <a:ext cx="2971800" cy="458788"/>
+          </a:xfrm>
+          <a:prstGeom prst="rect">
+            <a:avLst/>
+          </a:prstGeom>
+        </p:spPr>
+        <p:txBody>
+          <a:bodyPr vert="horz" lIns="91440" tIns="45720" rIns="91440" bIns="45720" rtlCol="0"/>
+          <a:lstStyle>
+            <a:lvl1pPr algn="r">
+              <a:defRPr sz="1200"/>
+            </a:lvl1pPr>
+          </a:lstStyle>
+          <a:p>
+            <a:fld id="{7D882D79-1427-4EFC-B8BF-2361BA1C1388}" type="datetimeFigureOut">
+              <a:rPr lang="en-US" smtClean="0"/>
+              <a:t>1/13/2019</a:t>
+            </a:fld>
+            <a:endParaRPr lang="en-US"/>
+          </a:p>
+        </p:txBody>
+      </p:sp>
+      <p:sp>
+        <p:nvSpPr>
+          <p:cNvPr id="4" name="Slide Image Placeholder 3"/>
+          <p:cNvSpPr>
+            <a:spLocks noGrp="1" noRot="1" noChangeAspect="1"/>
+          </p:cNvSpPr>
+          <p:nvPr>
+            <p:ph type="sldImg" idx="2"/>
+          </p:nvPr>
+        </p:nvSpPr>
+        <p:spPr>
+          <a:xfrm>
+            <a:off x="685800" y="1143000"/>
+            <a:ext cx="5486400" cy="3086100"/>
+          </a:xfrm>
+          <a:prstGeom prst="rect">
+            <a:avLst/>
+          </a:prstGeom>
+          <a:noFill/>
+          <a:ln w="12700">
+            <a:solidFill>
+              <a:prstClr val="black"/>
+            </a:solidFill>
+          </a:ln>
+        </p:spPr>
+        <p:txBody>
+          <a:bodyPr vert="horz" lIns="91440" tIns="45720" rIns="91440" bIns="45720" rtlCol="0" anchor="ctr"/>
+          <a:lstStyle/>
+          <a:p>
+            <a:endParaRPr lang="en-US"/>
+          </a:p>
+        </p:txBody>
+      </p:sp>
+      <p:sp>
+        <p:nvSpPr>
+          <p:cNvPr id="5" name="Notes Placeholder 4"/>
+          <p:cNvSpPr>
+            <a:spLocks noGrp="1"/>
+          </p:cNvSpPr>
+          <p:nvPr>
+            <p:ph type="body" sz="quarter" idx="3"/>
+          </p:nvPr>
+        </p:nvSpPr>
+        <p:spPr>
+          <a:xfrm>
+            <a:off x="685800" y="4400550"/>
+            <a:ext cx="5486400" cy="3600450"/>
+          </a:xfrm>
+          <a:prstGeom prst="rect">
+            <a:avLst/>
+          </a:prstGeom>
+        </p:spPr>
+        <p:txBody>
+          <a:bodyPr vert="horz" lIns="91440" tIns="45720" rIns="91440" bIns="45720" rtlCol="0"/>
+          <a:lstStyle/>
+          <a:p>
+            <a:pPr lvl="0"/>
+            <a:r>
+              <a:rPr lang="en-US"/>
+              <a:t>Edit Master text styles</a:t>
+            </a:r>
+          </a:p>
+          <a:p>
+            <a:pPr lvl="1"/>
+            <a:r>
+              <a:rPr lang="en-US"/>
+              <a:t>Second level</a:t>
+            </a:r>
+          </a:p>
+          <a:p>
+            <a:pPr lvl="2"/>
+            <a:r>
+              <a:rPr lang="en-US"/>
+              <a:t>Third level</a:t>
+            </a:r>
+          </a:p>
+          <a:p>
+            <a:pPr lvl="3"/>
+            <a:r>
+              <a:rPr lang="en-US"/>
+              <a:t>Fourth level</a:t>
+            </a:r>
+          </a:p>
+          <a:p>
+            <a:pPr lvl="4"/>
+            <a:r>
+              <a:rPr lang="en-US"/>
+              <a:t>Fifth level</a:t>
+            </a:r>
+          </a:p>
+        </p:txBody>
+      </p:sp>
+      <p:sp>
+        <p:nvSpPr>
+          <p:cNvPr id="6" name="Footer Placeholder 5"/>
+          <p:cNvSpPr>
+            <a:spLocks noGrp="1"/>
+          </p:cNvSpPr>
+          <p:nvPr>
+            <p:ph type="ftr" sz="quarter" idx="4"/>
+          </p:nvPr>
+        </p:nvSpPr>
+        <p:spPr>
+          <a:xfrm>
+            <a:off x="0" y="8685213"/>
+            <a:ext cx="2971800" cy="458787"/>
+          </a:xfrm>
+          <a:prstGeom prst="rect">
+            <a:avLst/>
+          </a:prstGeom>
+        </p:spPr>
+        <p:txBody>
+          <a:bodyPr vert="horz" lIns="91440" tIns="45720" rIns="91440" bIns="45720" rtlCol="0" anchor="b"/>
+          <a:lstStyle>
+            <a:lvl1pPr algn="l">
+              <a:defRPr sz="1200"/>
+            </a:lvl1pPr>
+          </a:lstStyle>
+          <a:p>
+            <a:endParaRPr lang="en-US"/>
+          </a:p>
+        </p:txBody>
+      </p:sp>
+      <p:sp>
+        <p:nvSpPr>
+          <p:cNvPr id="7" name="Slide Number Placeholder 6"/>
+          <p:cNvSpPr>
+            <a:spLocks noGrp="1"/>
+          </p:cNvSpPr>
+          <p:nvPr>
+            <p:ph type="sldNum" sz="quarter" idx="5"/>
+          </p:nvPr>
+        </p:nvSpPr>
+        <p:spPr>
+          <a:xfrm>
+            <a:off x="3884613" y="8685213"/>
+            <a:ext cx="2971800" cy="458787"/>
+          </a:xfrm>
+          <a:prstGeom prst="rect">
+            <a:avLst/>
+          </a:prstGeom>
+        </p:spPr>
+        <p:txBody>
+          <a:bodyPr vert="horz" lIns="91440" tIns="45720" rIns="91440" bIns="45720" rtlCol="0" anchor="b"/>
+          <a:lstStyle>
+            <a:lvl1pPr algn="r">
+              <a:defRPr sz="1200"/>
+            </a:lvl1pPr>
+          </a:lstStyle>
+          <a:p>
+            <a:fld id="{73FC7E91-D024-4395-BCA2-BA6C9F198620}" type="slidenum">
+              <a:rPr lang="en-US" smtClean="0"/>
+              <a:t>‹#›</a:t>
+            </a:fld>
+            <a:endParaRPr lang="en-US"/>
+          </a:p>
+        </p:txBody>
+      </p:sp>
+    </p:spTree>
+    <p:extLst>
+      <p:ext uri="{BB962C8B-B14F-4D97-AF65-F5344CB8AC3E}">
+        <p14:creationId xmlns:p14="http://schemas.microsoft.com/office/powerpoint/2010/main" val="2908953383"/>
+      </p:ext>
+    </p:extLst>
+  </p:cSld>
+  <p:clrMap bg1="lt1" tx1="dk1" bg2="lt2" tx2="dk2" accent1="accent1" accent2="accent2" accent3="accent3" accent4="accent4" accent5="accent5" accent6="accent6" hlink="hlink" folHlink="folHlink"/>
+  <p:notesStyle>
+    <a:lvl1pPr marL="0" algn="l" defTabSz="914400" rtl="0" eaLnBrk="1" latinLnBrk="0" hangingPunct="1">
+      <a:defRPr sz="1200" kern="1200">
+        <a:solidFill>
+          <a:schemeClr val="tx1"/>
+        </a:solidFill>
+        <a:latin typeface="+mn-lt"/>
+        <a:ea typeface="+mn-ea"/>
+        <a:cs typeface="+mn-cs"/>
+      </a:defRPr>
+    </a:lvl1pPr>
+    <a:lvl2pPr marL="457200" algn="l" defTabSz="914400" rtl="0" eaLnBrk="1" latinLnBrk="0" hangingPunct="1">
+      <a:defRPr sz="1200" kern="1200">
+        <a:solidFill>
+          <a:schemeClr val="tx1"/>
+        </a:solidFill>
+        <a:latin typeface="+mn-lt"/>
+        <a:ea typeface="+mn-ea"/>
+        <a:cs typeface="+mn-cs"/>
+      </a:defRPr>
+    </a:lvl2pPr>
+    <a:lvl3pPr marL="914400" algn="l" defTabSz="914400" rtl="0" eaLnBrk="1" latinLnBrk="0" hangingPunct="1">
+      <a:defRPr sz="1200" kern="1200">
+        <a:solidFill>
+          <a:schemeClr val="tx1"/>
+        </a:solidFill>
+        <a:latin typeface="+mn-lt"/>
+        <a:ea typeface="+mn-ea"/>
+        <a:cs typeface="+mn-cs"/>
+      </a:defRPr>
+    </a:lvl3pPr>
+    <a:lvl4pPr marL="1371600" algn="l" defTabSz="914400" rtl="0" eaLnBrk="1" latinLnBrk="0" hangingPunct="1">
+      <a:defRPr sz="1200" kern="1200">
+        <a:solidFill>
+          <a:schemeClr val="tx1"/>
+        </a:solidFill>
+        <a:latin typeface="+mn-lt"/>
+        <a:ea typeface="+mn-ea"/>
+        <a:cs typeface="+mn-cs"/>
+      </a:defRPr>
+    </a:lvl4pPr>
+    <a:lvl5pPr marL="1828800" algn="l" defTabSz="914400" rtl="0" eaLnBrk="1" latinLnBrk="0" hangingPunct="1">
+      <a:defRPr sz="1200" kern="1200">
+        <a:solidFill>
+          <a:schemeClr val="tx1"/>
+        </a:solidFill>
+        <a:latin typeface="+mn-lt"/>
+        <a:ea typeface="+mn-ea"/>
+        <a:cs typeface="+mn-cs"/>
+      </a:defRPr>
+    </a:lvl5pPr>
+    <a:lvl6pPr marL="2286000" algn="l" defTabSz="914400" rtl="0" eaLnBrk="1" latinLnBrk="0" hangingPunct="1">
+      <a:defRPr sz="1200" kern="1200">
+        <a:solidFill>
+          <a:schemeClr val="tx1"/>
+        </a:solidFill>
+        <a:latin typeface="+mn-lt"/>
+        <a:ea typeface="+mn-ea"/>
+        <a:cs typeface="+mn-cs"/>
+      </a:defRPr>
+    </a:lvl6pPr>
+    <a:lvl7pPr marL="2743200" algn="l" defTabSz="914400" rtl="0" eaLnBrk="1" latinLnBrk="0" hangingPunct="1">
+      <a:defRPr sz="1200" kern="1200">
+        <a:solidFill>
+          <a:schemeClr val="tx1"/>
+        </a:solidFill>
+        <a:latin typeface="+mn-lt"/>
+        <a:ea typeface="+mn-ea"/>
+        <a:cs typeface="+mn-cs"/>
+      </a:defRPr>
+    </a:lvl7pPr>
+    <a:lvl8pPr marL="3200400" algn="l" defTabSz="914400" rtl="0" eaLnBrk="1" latinLnBrk="0" hangingPunct="1">
+      <a:defRPr sz="1200" kern="1200">
+        <a:solidFill>
+          <a:schemeClr val="tx1"/>
+        </a:solidFill>
+        <a:latin typeface="+mn-lt"/>
+        <a:ea typeface="+mn-ea"/>
+        <a:cs typeface="+mn-cs"/>
+      </a:defRPr>
+    </a:lvl8pPr>
+    <a:lvl9pPr marL="3657600" algn="l" defTabSz="914400" rtl="0" eaLnBrk="1" latinLnBrk="0" hangingPunct="1">
+      <a:defRPr sz="1200" kern="1200">
+        <a:solidFill>
+          <a:schemeClr val="tx1"/>
+        </a:solidFill>
+        <a:latin typeface="+mn-lt"/>
+        <a:ea typeface="+mn-ea"/>
+        <a:cs typeface="+mn-cs"/>
+      </a:defRPr>
+    </a:lvl9pPr>
+  </p:notesStyle>
+</p:notesMaster>
+</file>
+
+<file path=ppt/notesSlides/notesSlide1.xml><?xml version="1.0" encoding="utf-8"?>
+<p:notes xmlns:a="http://schemas.openxmlformats.org/drawingml/2006/main" xmlns:r="http://schemas.openxmlformats.org/officeDocument/2006/relationships" xmlns:p="http://schemas.openxmlformats.org/presentationml/2006/main">
+  <p:cSld>
+    <p:spTree>
+      <p:nvGrpSpPr>
+        <p:cNvPr id="1" name=""/>
+        <p:cNvGrpSpPr/>
+        <p:nvPr/>
+      </p:nvGrpSpPr>
+      <p:grpSpPr>
+        <a:xfrm>
+          <a:off x="0" y="0"/>
+          <a:ext cx="0" cy="0"/>
+          <a:chOff x="0" y="0"/>
+          <a:chExt cx="0" cy="0"/>
+        </a:xfrm>
+      </p:grpSpPr>
+      <p:sp>
+        <p:nvSpPr>
+          <p:cNvPr id="2" name="Slide Image Placeholder 1"/>
+          <p:cNvSpPr>
+            <a:spLocks noGrp="1" noRot="1" noChangeAspect="1"/>
+          </p:cNvSpPr>
+          <p:nvPr>
+            <p:ph type="sldImg"/>
+          </p:nvPr>
+        </p:nvSpPr>
+        <p:spPr/>
+      </p:sp>
+      <p:sp>
+        <p:nvSpPr>
+          <p:cNvPr id="3" name="Notes Placeholder 2"/>
+          <p:cNvSpPr>
+            <a:spLocks noGrp="1"/>
+          </p:cNvSpPr>
+          <p:nvPr>
+            <p:ph type="body" idx="1"/>
+          </p:nvPr>
+        </p:nvSpPr>
+        <p:spPr/>
+        <p:txBody>
+          <a:bodyPr/>
+          <a:lstStyle/>
+          <a:p>
+            <a:r>
+              <a:rPr lang="he-IL" dirty="0"/>
+              <a:t>לשאול שאלה</a:t>
+            </a:r>
+          </a:p>
+          <a:p>
+            <a:r>
+              <a:rPr lang="he-IL" dirty="0"/>
+              <a:t>הוקטור לא נותן משקל ליחס בן המסמכים ולאורך המסמך עצמו</a:t>
+            </a:r>
+          </a:p>
+          <a:p>
+            <a:r>
+              <a:rPr lang="he-IL" dirty="0"/>
+              <a:t>למשל המילות </a:t>
+            </a:r>
+            <a:r>
+              <a:rPr lang="en-US" dirty="0"/>
+              <a:t>The, And, Etc.</a:t>
+            </a:r>
+          </a:p>
+        </p:txBody>
+      </p:sp>
+      <p:sp>
+        <p:nvSpPr>
+          <p:cNvPr id="4" name="Slide Number Placeholder 3"/>
+          <p:cNvSpPr>
+            <a:spLocks noGrp="1"/>
+          </p:cNvSpPr>
+          <p:nvPr>
+            <p:ph type="sldNum" sz="quarter" idx="5"/>
+          </p:nvPr>
+        </p:nvSpPr>
+        <p:spPr/>
+        <p:txBody>
+          <a:bodyPr/>
+          <a:lstStyle/>
+          <a:p>
+            <a:fld id="{73FC7E91-D024-4395-BCA2-BA6C9F198620}" type="slidenum">
+              <a:rPr lang="en-US" smtClean="0"/>
+              <a:t>6</a:t>
+            </a:fld>
+            <a:endParaRPr lang="en-US"/>
+          </a:p>
+        </p:txBody>
+      </p:sp>
+    </p:spTree>
+    <p:extLst>
+      <p:ext uri="{BB962C8B-B14F-4D97-AF65-F5344CB8AC3E}">
+        <p14:creationId xmlns:p14="http://schemas.microsoft.com/office/powerpoint/2010/main" val="3319728860"/>
+      </p:ext>
+    </p:extLst>
+  </p:cSld>
+  <p:clrMapOvr>
+    <a:masterClrMapping/>
+  </p:clrMapOvr>
+</p:notes>
+</file>
+
+<file path=ppt/notesSlides/notesSlide2.xml><?xml version="1.0" encoding="utf-8"?>
+<p:notes xmlns:a="http://schemas.openxmlformats.org/drawingml/2006/main" xmlns:r="http://schemas.openxmlformats.org/officeDocument/2006/relationships" xmlns:p="http://schemas.openxmlformats.org/presentationml/2006/main">
+  <p:cSld>
+    <p:spTree>
+      <p:nvGrpSpPr>
+        <p:cNvPr id="1" name=""/>
+        <p:cNvGrpSpPr/>
+        <p:nvPr/>
+      </p:nvGrpSpPr>
+      <p:grpSpPr>
+        <a:xfrm>
+          <a:off x="0" y="0"/>
+          <a:ext cx="0" cy="0"/>
+          <a:chOff x="0" y="0"/>
+          <a:chExt cx="0" cy="0"/>
+        </a:xfrm>
+      </p:grpSpPr>
+      <p:sp>
+        <p:nvSpPr>
+          <p:cNvPr id="2" name="Slide Image Placeholder 1"/>
+          <p:cNvSpPr>
+            <a:spLocks noGrp="1" noRot="1" noChangeAspect="1"/>
+          </p:cNvSpPr>
+          <p:nvPr>
+            <p:ph type="sldImg"/>
+          </p:nvPr>
+        </p:nvSpPr>
+        <p:spPr/>
+      </p:sp>
+      <p:sp>
+        <p:nvSpPr>
+          <p:cNvPr id="3" name="Notes Placeholder 2"/>
+          <p:cNvSpPr>
+            <a:spLocks noGrp="1"/>
+          </p:cNvSpPr>
+          <p:nvPr>
+            <p:ph type="body" idx="1"/>
+          </p:nvPr>
+        </p:nvSpPr>
+        <p:spPr/>
+        <p:txBody>
+          <a:bodyPr/>
+          <a:lstStyle/>
+          <a:p>
+            <a:r>
+              <a:rPr lang="he-IL" dirty="0"/>
+              <a:t>האם כן פתרנו את הבעיה</a:t>
+            </a:r>
+            <a:endParaRPr lang="en-US" dirty="0"/>
+          </a:p>
+        </p:txBody>
+      </p:sp>
+      <p:sp>
+        <p:nvSpPr>
+          <p:cNvPr id="4" name="Slide Number Placeholder 3"/>
+          <p:cNvSpPr>
+            <a:spLocks noGrp="1"/>
+          </p:cNvSpPr>
+          <p:nvPr>
+            <p:ph type="sldNum" sz="quarter" idx="5"/>
+          </p:nvPr>
+        </p:nvSpPr>
+        <p:spPr/>
+        <p:txBody>
+          <a:bodyPr/>
+          <a:lstStyle/>
+          <a:p>
+            <a:fld id="{73FC7E91-D024-4395-BCA2-BA6C9F198620}" type="slidenum">
+              <a:rPr lang="en-US" smtClean="0"/>
+              <a:t>7</a:t>
+            </a:fld>
+            <a:endParaRPr lang="en-US"/>
+          </a:p>
+        </p:txBody>
+      </p:sp>
+    </p:spTree>
+    <p:extLst>
+      <p:ext uri="{BB962C8B-B14F-4D97-AF65-F5344CB8AC3E}">
+        <p14:creationId xmlns:p14="http://schemas.microsoft.com/office/powerpoint/2010/main" val="418185837"/>
+      </p:ext>
+    </p:extLst>
+  </p:cSld>
+  <p:clrMapOvr>
+    <a:masterClrMapping/>
+  </p:clrMapOvr>
+</p:notes>
+</file>
+
+<file path=ppt/notesSlides/notesSlide3.xml><?xml version="1.0" encoding="utf-8"?>
+<p:notes xmlns:a="http://schemas.openxmlformats.org/drawingml/2006/main" xmlns:r="http://schemas.openxmlformats.org/officeDocument/2006/relationships" xmlns:p="http://schemas.openxmlformats.org/presentationml/2006/main">
+  <p:cSld>
+    <p:spTree>
+      <p:nvGrpSpPr>
+        <p:cNvPr id="1" name=""/>
+        <p:cNvGrpSpPr/>
+        <p:nvPr/>
+      </p:nvGrpSpPr>
+      <p:grpSpPr>
+        <a:xfrm>
+          <a:off x="0" y="0"/>
+          <a:ext cx="0" cy="0"/>
+          <a:chOff x="0" y="0"/>
+          <a:chExt cx="0" cy="0"/>
+        </a:xfrm>
+      </p:grpSpPr>
+      <p:sp>
+        <p:nvSpPr>
+          <p:cNvPr id="2" name="Slide Image Placeholder 1"/>
+          <p:cNvSpPr>
+            <a:spLocks noGrp="1" noRot="1" noChangeAspect="1"/>
+          </p:cNvSpPr>
+          <p:nvPr>
+            <p:ph type="sldImg"/>
+          </p:nvPr>
+        </p:nvSpPr>
+        <p:spPr/>
+      </p:sp>
+      <p:sp>
+        <p:nvSpPr>
+          <p:cNvPr id="3" name="Notes Placeholder 2"/>
+          <p:cNvSpPr>
+            <a:spLocks noGrp="1"/>
+          </p:cNvSpPr>
+          <p:nvPr>
+            <p:ph type="body" idx="1"/>
+          </p:nvPr>
+        </p:nvSpPr>
+        <p:spPr/>
+        <p:txBody>
+          <a:bodyPr/>
+          <a:lstStyle/>
+          <a:p>
+            <a:r>
+              <a:rPr lang="he-IL" dirty="0"/>
+              <a:t>בגלל שאין תלות אין הפיצ'רים אז יש רק פאי של </a:t>
+            </a:r>
+            <a:r>
+              <a:rPr lang="en-US" dirty="0"/>
+              <a:t>P(Ai | </a:t>
+            </a:r>
+            <a:r>
+              <a:rPr lang="en-US" dirty="0" err="1"/>
+              <a:t>Cj</a:t>
+            </a:r>
+            <a:r>
+              <a:rPr lang="en-US" dirty="0"/>
+              <a:t>)</a:t>
+            </a:r>
+          </a:p>
+        </p:txBody>
+      </p:sp>
+      <p:sp>
+        <p:nvSpPr>
+          <p:cNvPr id="4" name="Slide Number Placeholder 3"/>
+          <p:cNvSpPr>
+            <a:spLocks noGrp="1"/>
+          </p:cNvSpPr>
+          <p:nvPr>
+            <p:ph type="sldNum" sz="quarter" idx="5"/>
+          </p:nvPr>
+        </p:nvSpPr>
+        <p:spPr/>
+        <p:txBody>
+          <a:bodyPr/>
+          <a:lstStyle/>
+          <a:p>
+            <a:fld id="{73FC7E91-D024-4395-BCA2-BA6C9F198620}" type="slidenum">
+              <a:rPr lang="en-US" smtClean="0"/>
+              <a:t>8</a:t>
+            </a:fld>
+            <a:endParaRPr lang="en-US"/>
+          </a:p>
+        </p:txBody>
+      </p:sp>
+    </p:spTree>
+    <p:extLst>
+      <p:ext uri="{BB962C8B-B14F-4D97-AF65-F5344CB8AC3E}">
+        <p14:creationId xmlns:p14="http://schemas.microsoft.com/office/powerpoint/2010/main" val="860667925"/>
+      </p:ext>
+    </p:extLst>
+  </p:cSld>
+  <p:clrMapOvr>
+    <a:masterClrMapping/>
+  </p:clrMapOvr>
+</p:notes>
+</file>
+
+<file path=ppt/notesSlides/notesSlide4.xml><?xml version="1.0" encoding="utf-8"?>
+<p:notes xmlns:a="http://schemas.openxmlformats.org/drawingml/2006/main" xmlns:r="http://schemas.openxmlformats.org/officeDocument/2006/relationships" xmlns:p="http://schemas.openxmlformats.org/presentationml/2006/main">
+  <p:cSld>
+    <p:spTree>
+      <p:nvGrpSpPr>
+        <p:cNvPr id="1" name=""/>
+        <p:cNvGrpSpPr/>
+        <p:nvPr/>
+      </p:nvGrpSpPr>
+      <p:grpSpPr>
+        <a:xfrm>
+          <a:off x="0" y="0"/>
+          <a:ext cx="0" cy="0"/>
+          <a:chOff x="0" y="0"/>
+          <a:chExt cx="0" cy="0"/>
+        </a:xfrm>
+      </p:grpSpPr>
+      <p:sp>
+        <p:nvSpPr>
+          <p:cNvPr id="2" name="Slide Image Placeholder 1"/>
+          <p:cNvSpPr>
+            <a:spLocks noGrp="1" noRot="1" noChangeAspect="1"/>
+          </p:cNvSpPr>
+          <p:nvPr>
+            <p:ph type="sldImg"/>
+          </p:nvPr>
+        </p:nvSpPr>
+        <p:spPr/>
+      </p:sp>
+      <p:sp>
+        <p:nvSpPr>
+          <p:cNvPr id="3" name="Notes Placeholder 2"/>
+          <p:cNvSpPr>
+            <a:spLocks noGrp="1"/>
+          </p:cNvSpPr>
+          <p:nvPr>
+            <p:ph type="body" idx="1"/>
+          </p:nvPr>
+        </p:nvSpPr>
+        <p:spPr/>
+        <p:txBody>
+          <a:bodyPr/>
+          <a:lstStyle/>
+          <a:p>
+            <a:r>
+              <a:rPr lang="he-IL" dirty="0"/>
+              <a:t>בגלל שאין תלות אין הפיצ'רים אז יש רק פאי של </a:t>
+            </a:r>
+            <a:r>
+              <a:rPr lang="en-US" dirty="0"/>
+              <a:t>P(Ai | </a:t>
+            </a:r>
+            <a:r>
+              <a:rPr lang="en-US" dirty="0" err="1"/>
+              <a:t>Cj</a:t>
+            </a:r>
+            <a:r>
+              <a:rPr lang="en-US" dirty="0"/>
+              <a:t>)</a:t>
+            </a:r>
+          </a:p>
+        </p:txBody>
+      </p:sp>
+      <p:sp>
+        <p:nvSpPr>
+          <p:cNvPr id="4" name="Slide Number Placeholder 3"/>
+          <p:cNvSpPr>
+            <a:spLocks noGrp="1"/>
+          </p:cNvSpPr>
+          <p:nvPr>
+            <p:ph type="sldNum" sz="quarter" idx="5"/>
+          </p:nvPr>
+        </p:nvSpPr>
+        <p:spPr/>
+        <p:txBody>
+          <a:bodyPr/>
+          <a:lstStyle/>
+          <a:p>
+            <a:fld id="{73FC7E91-D024-4395-BCA2-BA6C9F198620}" type="slidenum">
+              <a:rPr lang="en-US" smtClean="0"/>
+              <a:t>9</a:t>
+            </a:fld>
+            <a:endParaRPr lang="en-US"/>
+          </a:p>
+        </p:txBody>
+      </p:sp>
+    </p:spTree>
+    <p:extLst>
+      <p:ext uri="{BB962C8B-B14F-4D97-AF65-F5344CB8AC3E}">
+        <p14:creationId xmlns:p14="http://schemas.microsoft.com/office/powerpoint/2010/main" val="762946582"/>
+      </p:ext>
+    </p:extLst>
+  </p:cSld>
+  <p:clrMapOvr>
+    <a:masterClrMapping/>
+  </p:clrMapOvr>
+</p:notes>
+</file>
+
+<file path=ppt/notesSlides/notesSlide5.xml><?xml version="1.0" encoding="utf-8"?>
+<p:notes xmlns:a="http://schemas.openxmlformats.org/drawingml/2006/main" xmlns:r="http://schemas.openxmlformats.org/officeDocument/2006/relationships" xmlns:p="http://schemas.openxmlformats.org/presentationml/2006/main">
+  <p:cSld>
+    <p:spTree>
+      <p:nvGrpSpPr>
+        <p:cNvPr id="1" name=""/>
+        <p:cNvGrpSpPr/>
+        <p:nvPr/>
+      </p:nvGrpSpPr>
+      <p:grpSpPr>
+        <a:xfrm>
+          <a:off x="0" y="0"/>
+          <a:ext cx="0" cy="0"/>
+          <a:chOff x="0" y="0"/>
+          <a:chExt cx="0" cy="0"/>
+        </a:xfrm>
+      </p:grpSpPr>
+      <p:sp>
+        <p:nvSpPr>
+          <p:cNvPr id="2" name="Slide Image Placeholder 1"/>
+          <p:cNvSpPr>
+            <a:spLocks noGrp="1" noRot="1" noChangeAspect="1"/>
+          </p:cNvSpPr>
+          <p:nvPr>
+            <p:ph type="sldImg"/>
+          </p:nvPr>
+        </p:nvSpPr>
+        <p:spPr/>
+      </p:sp>
+      <p:sp>
+        <p:nvSpPr>
+          <p:cNvPr id="3" name="Notes Placeholder 2"/>
+          <p:cNvSpPr>
+            <a:spLocks noGrp="1"/>
+          </p:cNvSpPr>
+          <p:nvPr>
+            <p:ph type="body" idx="1"/>
+          </p:nvPr>
+        </p:nvSpPr>
+        <p:spPr/>
+        <p:txBody>
+          <a:bodyPr/>
+          <a:lstStyle/>
+          <a:p>
+            <a:r>
+              <a:rPr lang="he-IL" dirty="0"/>
+              <a:t>בגלל שאין תלות אין הפיצ'רים אז יש רק פאי של </a:t>
+            </a:r>
+            <a:r>
+              <a:rPr lang="en-US" dirty="0"/>
+              <a:t>P(Ai | </a:t>
+            </a:r>
+            <a:r>
+              <a:rPr lang="en-US" dirty="0" err="1"/>
+              <a:t>Cj</a:t>
+            </a:r>
+            <a:r>
+              <a:rPr lang="en-US" dirty="0"/>
+              <a:t>)</a:t>
+            </a:r>
+          </a:p>
+        </p:txBody>
+      </p:sp>
+      <p:sp>
+        <p:nvSpPr>
+          <p:cNvPr id="4" name="Slide Number Placeholder 3"/>
+          <p:cNvSpPr>
+            <a:spLocks noGrp="1"/>
+          </p:cNvSpPr>
+          <p:nvPr>
+            <p:ph type="sldNum" sz="quarter" idx="5"/>
+          </p:nvPr>
+        </p:nvSpPr>
+        <p:spPr/>
+        <p:txBody>
+          <a:bodyPr/>
+          <a:lstStyle/>
+          <a:p>
+            <a:fld id="{73FC7E91-D024-4395-BCA2-BA6C9F198620}" type="slidenum">
+              <a:rPr lang="en-US" smtClean="0"/>
+              <a:t>10</a:t>
+            </a:fld>
+            <a:endParaRPr lang="en-US"/>
+          </a:p>
+        </p:txBody>
+      </p:sp>
+    </p:spTree>
+    <p:extLst>
+      <p:ext uri="{BB962C8B-B14F-4D97-AF65-F5344CB8AC3E}">
+        <p14:creationId xmlns:p14="http://schemas.microsoft.com/office/powerpoint/2010/main" val="409949873"/>
+      </p:ext>
+    </p:extLst>
+  </p:cSld>
+  <p:clrMapOvr>
+    <a:masterClrMapping/>
+  </p:clrMapOvr>
+</p:notes>
+</file>
+
 <file path=ppt/slideLayouts/slideLayout1.xml><?xml version="1.0" encoding="utf-8"?>
 <p:sldLayout xmlns:a="http://schemas.openxmlformats.org/drawingml/2006/main" xmlns:r="http://schemas.openxmlformats.org/officeDocument/2006/relationships" xmlns:p="http://schemas.openxmlformats.org/presentationml/2006/main" type="title" preserve="1">
   <p:cSld name="Title Slide">
@@ -270,7 +1115,7 @@
           <a:p>
             <a:fld id="{14218A8B-6EF0-44A5-8799-85347D91FF45}" type="datetimeFigureOut">
               <a:rPr lang="en-US" smtClean="0"/>
-              <a:t>1/12/2019</a:t>
+              <a:t>1/13/2019</a:t>
             </a:fld>
             <a:endParaRPr lang="en-US"/>
           </a:p>
@@ -568,7 +1413,7 @@
           <a:p>
             <a:fld id="{14218A8B-6EF0-44A5-8799-85347D91FF45}" type="datetimeFigureOut">
               <a:rPr lang="en-US" smtClean="0"/>
-              <a:t>1/12/2019</a:t>
+              <a:t>1/13/2019</a:t>
             </a:fld>
             <a:endParaRPr lang="en-US"/>
           </a:p>
@@ -776,7 +1621,7 @@
           <a:p>
             <a:fld id="{14218A8B-6EF0-44A5-8799-85347D91FF45}" type="datetimeFigureOut">
               <a:rPr lang="en-US" smtClean="0"/>
-              <a:t>1/12/2019</a:t>
+              <a:t>1/13/2019</a:t>
             </a:fld>
             <a:endParaRPr lang="en-US"/>
           </a:p>
@@ -974,7 +1819,7 @@
           <a:p>
             <a:fld id="{14218A8B-6EF0-44A5-8799-85347D91FF45}" type="datetimeFigureOut">
               <a:rPr lang="en-US" smtClean="0"/>
-              <a:t>1/12/2019</a:t>
+              <a:t>1/13/2019</a:t>
             </a:fld>
             <a:endParaRPr lang="en-US"/>
           </a:p>
@@ -1249,7 +2094,7 @@
           <a:p>
             <a:fld id="{14218A8B-6EF0-44A5-8799-85347D91FF45}" type="datetimeFigureOut">
               <a:rPr lang="en-US" smtClean="0"/>
-              <a:t>1/12/2019</a:t>
+              <a:t>1/13/2019</a:t>
             </a:fld>
             <a:endParaRPr lang="en-US"/>
           </a:p>
@@ -1514,7 +2359,7 @@
           <a:p>
             <a:fld id="{14218A8B-6EF0-44A5-8799-85347D91FF45}" type="datetimeFigureOut">
               <a:rPr lang="en-US" smtClean="0"/>
-              <a:t>1/12/2019</a:t>
+              <a:t>1/13/2019</a:t>
             </a:fld>
             <a:endParaRPr lang="en-US"/>
           </a:p>
@@ -1926,7 +2771,7 @@
           <a:p>
             <a:fld id="{14218A8B-6EF0-44A5-8799-85347D91FF45}" type="datetimeFigureOut">
               <a:rPr lang="en-US" smtClean="0"/>
-              <a:t>1/12/2019</a:t>
+              <a:t>1/13/2019</a:t>
             </a:fld>
             <a:endParaRPr lang="en-US"/>
           </a:p>
@@ -2067,7 +2912,7 @@
           <a:p>
             <a:fld id="{14218A8B-6EF0-44A5-8799-85347D91FF45}" type="datetimeFigureOut">
               <a:rPr lang="en-US" smtClean="0"/>
-              <a:t>1/12/2019</a:t>
+              <a:t>1/13/2019</a:t>
             </a:fld>
             <a:endParaRPr lang="en-US"/>
           </a:p>
@@ -2180,7 +3025,7 @@
           <a:p>
             <a:fld id="{14218A8B-6EF0-44A5-8799-85347D91FF45}" type="datetimeFigureOut">
               <a:rPr lang="en-US" smtClean="0"/>
-              <a:t>1/12/2019</a:t>
+              <a:t>1/13/2019</a:t>
             </a:fld>
             <a:endParaRPr lang="en-US"/>
           </a:p>
@@ -2491,7 +3336,7 @@
           <a:p>
             <a:fld id="{14218A8B-6EF0-44A5-8799-85347D91FF45}" type="datetimeFigureOut">
               <a:rPr lang="en-US" smtClean="0"/>
-              <a:t>1/12/2019</a:t>
+              <a:t>1/13/2019</a:t>
             </a:fld>
             <a:endParaRPr lang="en-US"/>
           </a:p>
@@ -2779,7 +3624,7 @@
           <a:p>
             <a:fld id="{14218A8B-6EF0-44A5-8799-85347D91FF45}" type="datetimeFigureOut">
               <a:rPr lang="en-US" smtClean="0"/>
-              <a:t>1/12/2019</a:t>
+              <a:t>1/13/2019</a:t>
             </a:fld>
             <a:endParaRPr lang="en-US"/>
           </a:p>
@@ -3020,7 +3865,7 @@
           <a:p>
             <a:fld id="{14218A8B-6EF0-44A5-8799-85347D91FF45}" type="datetimeFigureOut">
               <a:rPr lang="en-US" smtClean="0"/>
-              <a:t>1/12/2019</a:t>
+              <a:t>1/13/2019</a:t>
             </a:fld>
             <a:endParaRPr lang="en-US"/>
           </a:p>
@@ -3745,7 +4590,7 @@
           <p:cNvPr id="2" name="Title 1">
             <a:extLst>
               <a:ext uri="{FF2B5EF4-FFF2-40B4-BE49-F238E27FC236}">
-                <a16:creationId xmlns:a16="http://schemas.microsoft.com/office/drawing/2014/main" id="{A4E5F78B-3C7F-40F7-9FB5-E9B5F341CC13}"/>
+                <a16:creationId xmlns:a16="http://schemas.microsoft.com/office/drawing/2014/main" id="{11C5C169-670D-445E-AB0B-D708E26A5499}"/>
               </a:ext>
             </a:extLst>
           </p:cNvPr>
@@ -3758,29 +4603,34 @@
         </p:nvSpPr>
         <p:spPr>
           <a:xfrm>
-            <a:off x="1955800" y="602568"/>
-            <a:ext cx="9144000" cy="922337"/>
+            <a:off x="417689" y="638749"/>
+            <a:ext cx="10826367" cy="849976"/>
           </a:xfrm>
         </p:spPr>
         <p:txBody>
-          <a:bodyPr/>
+          <a:bodyPr>
+            <a:normAutofit fontScale="90000"/>
+          </a:bodyPr>
           <a:lstStyle/>
           <a:p>
             <a:pPr algn="r" rtl="1"/>
             <a:r>
               <a:rPr lang="he-IL" dirty="0"/>
-              <a:t>תוצאות בצורה גרפית</a:t>
-            </a:r>
-            <a:endParaRPr lang="en-US" dirty="0"/>
-          </a:p>
-        </p:txBody>
-      </p:sp>
-      <p:sp>
-        <p:nvSpPr>
-          <p:cNvPr id="4" name="Isosceles Triangle 3">
-            <a:extLst>
-              <a:ext uri="{FF2B5EF4-FFF2-40B4-BE49-F238E27FC236}">
-                <a16:creationId xmlns:a16="http://schemas.microsoft.com/office/drawing/2014/main" id="{2BF0BEC7-7921-4EFE-AA13-5D834EE4538A}"/>
+              <a:t>מודלים – </a:t>
+            </a:r>
+            <a:r>
+              <a:rPr lang="en-US" dirty="0"/>
+              <a:t>Random Forest Classifier</a:t>
+            </a:r>
+          </a:p>
+        </p:txBody>
+      </p:sp>
+      <p:sp>
+        <p:nvSpPr>
+          <p:cNvPr id="25" name="Isosceles Triangle 24">
+            <a:extLst>
+              <a:ext uri="{FF2B5EF4-FFF2-40B4-BE49-F238E27FC236}">
+                <a16:creationId xmlns:a16="http://schemas.microsoft.com/office/drawing/2014/main" id="{691631EC-2689-4600-AA5F-66705E2B881B}"/>
               </a:ext>
             </a:extLst>
           </p:cNvPr>
@@ -3827,94 +4677,57 @@
           </a:p>
         </p:txBody>
       </p:sp>
-      <p:sp>
-        <p:nvSpPr>
-          <p:cNvPr id="6" name="Subtitle 5">
-            <a:extLst>
-              <a:ext uri="{FF2B5EF4-FFF2-40B4-BE49-F238E27FC236}">
-                <a16:creationId xmlns:a16="http://schemas.microsoft.com/office/drawing/2014/main" id="{989BF6EE-2087-4A05-B971-268375A12987}"/>
-              </a:ext>
-            </a:extLst>
-          </p:cNvPr>
-          <p:cNvSpPr>
-            <a:spLocks noGrp="1"/>
-          </p:cNvSpPr>
-          <p:nvPr>
-            <p:ph type="subTitle" idx="1"/>
-          </p:nvPr>
-        </p:nvSpPr>
-        <p:spPr>
-          <a:xfrm>
-            <a:off x="0" y="2601119"/>
-            <a:ext cx="5768381" cy="1655762"/>
-          </a:xfrm>
-        </p:spPr>
-        <p:txBody>
-          <a:bodyPr/>
-          <a:lstStyle/>
-          <a:p>
-            <a:r>
-              <a:rPr lang="en-US" dirty="0" err="1"/>
-              <a:t>GaussianNB</a:t>
-            </a:r>
-            <a:endParaRPr lang="en-US" dirty="0"/>
-          </a:p>
-          <a:p>
-            <a:r>
-              <a:rPr lang="en-US" dirty="0"/>
-              <a:t>  Count vector </a:t>
-            </a:r>
-            <a:r>
-              <a:rPr lang="en-US" b="1" dirty="0"/>
-              <a:t>without</a:t>
-            </a:r>
-            <a:r>
-              <a:rPr lang="en-US" dirty="0"/>
-              <a:t> English stop words</a:t>
-            </a:r>
-          </a:p>
-        </p:txBody>
-      </p:sp>
       <p:pic>
         <p:nvPicPr>
-          <p:cNvPr id="5" name="Picture 4">
-            <a:extLst>
-              <a:ext uri="{FF2B5EF4-FFF2-40B4-BE49-F238E27FC236}">
-                <a16:creationId xmlns:a16="http://schemas.microsoft.com/office/drawing/2014/main" id="{BD5E09FF-3106-477F-8696-339F513F9C38}"/>
+          <p:cNvPr id="5" name="Picture 4" descr="×ª××¦××ª ×ª××× × ×¢×××¨ âªRandom Forest Classifierâ¬â">
+            <a:extLst>
+              <a:ext uri="{FF2B5EF4-FFF2-40B4-BE49-F238E27FC236}">
+                <a16:creationId xmlns:a16="http://schemas.microsoft.com/office/drawing/2014/main" id="{D4035F47-CF24-4009-A04E-54DDF32A10BC}"/>
               </a:ext>
             </a:extLst>
           </p:cNvPr>
           <p:cNvPicPr>
-            <a:picLocks noChangeAspect="1"/>
+            <a:picLocks noChangeAspect="1" noChangeArrowheads="1"/>
           </p:cNvPicPr>
           <p:nvPr/>
         </p:nvPicPr>
         <p:blipFill>
-          <a:blip r:embed="rId2">
+          <a:blip r:embed="rId3">
             <a:extLst>
               <a:ext uri="{28A0092B-C50C-407E-A947-70E740481C1C}">
                 <a14:useLocalDpi xmlns:a14="http://schemas.microsoft.com/office/drawing/2010/main" val="0"/>
               </a:ext>
             </a:extLst>
           </a:blip>
+          <a:srcRect/>
           <a:stretch>
             <a:fillRect/>
           </a:stretch>
         </p:blipFill>
-        <p:spPr>
+        <p:spPr bwMode="auto">
           <a:xfrm>
-            <a:off x="5769389" y="1340615"/>
-            <a:ext cx="6096851" cy="4572638"/>
+            <a:off x="2321472" y="1580445"/>
+            <a:ext cx="7742145" cy="4393833"/>
           </a:xfrm>
           <a:prstGeom prst="rect">
             <a:avLst/>
           </a:prstGeom>
+          <a:noFill/>
+          <a:extLst>
+            <a:ext uri="{909E8E84-426E-40DD-AFC4-6F175D3DCCD1}">
+              <a14:hiddenFill xmlns:a14="http://schemas.microsoft.com/office/drawing/2010/main">
+                <a:solidFill>
+                  <a:srgbClr val="FFFFFF"/>
+                </a:solidFill>
+              </a14:hiddenFill>
+            </a:ext>
+          </a:extLst>
         </p:spPr>
       </p:pic>
     </p:spTree>
     <p:extLst>
       <p:ext uri="{BB962C8B-B14F-4D97-AF65-F5344CB8AC3E}">
-        <p14:creationId xmlns:p14="http://schemas.microsoft.com/office/powerpoint/2010/main" val="4229063369"/>
+        <p14:creationId xmlns:p14="http://schemas.microsoft.com/office/powerpoint/2010/main" val="3581117782"/>
       </p:ext>
     </p:extLst>
   </p:cSld>
@@ -3946,7 +4759,7 @@
           <p:cNvPr id="2" name="Title 1">
             <a:extLst>
               <a:ext uri="{FF2B5EF4-FFF2-40B4-BE49-F238E27FC236}">
-                <a16:creationId xmlns:a16="http://schemas.microsoft.com/office/drawing/2014/main" id="{A4E5F78B-3C7F-40F7-9FB5-E9B5F341CC13}"/>
+                <a16:creationId xmlns:a16="http://schemas.microsoft.com/office/drawing/2014/main" id="{11C5C169-670D-445E-AB0B-D708E26A5499}"/>
               </a:ext>
             </a:extLst>
           </p:cNvPr>
@@ -3959,29 +4772,30 @@
         </p:nvSpPr>
         <p:spPr>
           <a:xfrm>
-            <a:off x="1955800" y="602568"/>
-            <a:ext cx="9144000" cy="922337"/>
+            <a:off x="2100056" y="638749"/>
+            <a:ext cx="9144000" cy="849976"/>
           </a:xfrm>
         </p:spPr>
         <p:txBody>
-          <a:bodyPr/>
+          <a:bodyPr>
+            <a:normAutofit fontScale="90000"/>
+          </a:bodyPr>
           <a:lstStyle/>
           <a:p>
             <a:pPr algn="r" rtl="1"/>
             <a:r>
-              <a:rPr lang="he-IL" dirty="0"/>
-              <a:t>תוצאות בצורה גרפית</a:t>
-            </a:r>
-            <a:endParaRPr lang="en-US" dirty="0"/>
-          </a:p>
-        </p:txBody>
-      </p:sp>
-      <p:sp>
-        <p:nvSpPr>
-          <p:cNvPr id="4" name="Isosceles Triangle 3">
-            <a:extLst>
-              <a:ext uri="{FF2B5EF4-FFF2-40B4-BE49-F238E27FC236}">
-                <a16:creationId xmlns:a16="http://schemas.microsoft.com/office/drawing/2014/main" id="{2BF0BEC7-7921-4EFE-AA13-5D834EE4538A}"/>
+              <a:rPr lang="en-US" dirty="0"/>
+              <a:t>Feature</a:t>
+            </a:r>
+          </a:p>
+        </p:txBody>
+      </p:sp>
+      <p:sp>
+        <p:nvSpPr>
+          <p:cNvPr id="25" name="Isosceles Triangle 24">
+            <a:extLst>
+              <a:ext uri="{FF2B5EF4-FFF2-40B4-BE49-F238E27FC236}">
+                <a16:creationId xmlns:a16="http://schemas.microsoft.com/office/drawing/2014/main" id="{691631EC-2689-4600-AA5F-66705E2B881B}"/>
               </a:ext>
             </a:extLst>
           </p:cNvPr>
@@ -4030,10 +4844,10 @@
       </p:sp>
       <p:sp>
         <p:nvSpPr>
-          <p:cNvPr id="6" name="Subtitle 5">
-            <a:extLst>
-              <a:ext uri="{FF2B5EF4-FFF2-40B4-BE49-F238E27FC236}">
-                <a16:creationId xmlns:a16="http://schemas.microsoft.com/office/drawing/2014/main" id="{989BF6EE-2087-4A05-B971-268375A12987}"/>
+          <p:cNvPr id="26" name="Content Placeholder 2">
+            <a:extLst>
+              <a:ext uri="{FF2B5EF4-FFF2-40B4-BE49-F238E27FC236}">
+                <a16:creationId xmlns:a16="http://schemas.microsoft.com/office/drawing/2014/main" id="{8CD2477F-4E8F-4D33-9D36-C3A4C7DC558C}"/>
               </a:ext>
             </a:extLst>
           </p:cNvPr>
@@ -4046,75 +4860,71 @@
         </p:nvSpPr>
         <p:spPr>
           <a:xfrm>
-            <a:off x="148856" y="2824402"/>
-            <a:ext cx="5768381" cy="1655762"/>
+            <a:off x="555262" y="1587500"/>
+            <a:ext cx="10668000" cy="4579032"/>
           </a:xfrm>
         </p:spPr>
         <p:txBody>
-          <a:bodyPr/>
-          <a:lstStyle/>
-          <a:p>
+          <a:bodyPr>
+            <a:normAutofit/>
+          </a:bodyPr>
+          <a:lstStyle/>
+          <a:p>
+            <a:pPr algn="r" rtl="1"/>
+            <a:r>
+              <a:rPr lang="he-IL" sz="2400" dirty="0"/>
+              <a:t>החיזוי הקלסי הינה רק באמצאות המילים השכיחות בציוצים בן גברים לנשים</a:t>
+            </a:r>
+          </a:p>
+          <a:p>
+            <a:pPr algn="r" rtl="1"/>
+            <a:r>
+              <a:rPr lang="he-IL" dirty="0"/>
+              <a:t>אנחנו הוספנו עוד</a:t>
+            </a:r>
             <a:r>
               <a:rPr lang="en-US" dirty="0"/>
-              <a:t>Random Forest Classifier</a:t>
-            </a:r>
-          </a:p>
-          <a:p>
-            <a:r>
-              <a:rPr lang="en-US" dirty="0"/>
-              <a:t>FT-IDF vector </a:t>
-            </a:r>
-            <a:r>
-              <a:rPr lang="en-US" b="1" dirty="0"/>
-              <a:t>without</a:t>
-            </a:r>
-            <a:r>
-              <a:rPr lang="en-US" dirty="0"/>
-              <a:t> English stop words</a:t>
-            </a:r>
-          </a:p>
-        </p:txBody>
-      </p:sp>
-      <p:pic>
-        <p:nvPicPr>
-          <p:cNvPr id="7" name="Picture 6">
-            <a:extLst>
-              <a:ext uri="{FF2B5EF4-FFF2-40B4-BE49-F238E27FC236}">
-                <a16:creationId xmlns:a16="http://schemas.microsoft.com/office/drawing/2014/main" id="{8AD0088F-FF88-496D-A9EE-B29F6BF04FA6}"/>
-              </a:ext>
-            </a:extLst>
-          </p:cNvPr>
-          <p:cNvPicPr>
-            <a:picLocks noChangeAspect="1"/>
-          </p:cNvPicPr>
-          <p:nvPr/>
-        </p:nvPicPr>
-        <p:blipFill>
-          <a:blip r:embed="rId2">
-            <a:extLst>
-              <a:ext uri="{28A0092B-C50C-407E-A947-70E740481C1C}">
-                <a14:useLocalDpi xmlns:a14="http://schemas.microsoft.com/office/drawing/2010/main" val="0"/>
-              </a:ext>
-            </a:extLst>
-          </a:blip>
-          <a:stretch>
-            <a:fillRect/>
-          </a:stretch>
-        </p:blipFill>
-        <p:spPr>
-          <a:xfrm>
-            <a:off x="6423621" y="1742162"/>
-            <a:ext cx="4858428" cy="3543795"/>
-          </a:xfrm>
-          <a:prstGeom prst="rect">
-            <a:avLst/>
-          </a:prstGeom>
-        </p:spPr>
-      </p:pic>
+              <a:t> </a:t>
+            </a:r>
+            <a:r>
+              <a:rPr lang="he-IL" dirty="0"/>
+              <a:t>שני פיצ'רים כדי לנסות להגדיל את אחוזי ההצלחה של החיזוי.</a:t>
+            </a:r>
+          </a:p>
+          <a:p>
+            <a:pPr marL="457200" indent="-457200" algn="r" rtl="1">
+              <a:buFont typeface="+mj-lt"/>
+              <a:buAutoNum type="arabicPeriod"/>
+            </a:pPr>
+            <a:r>
+              <a:rPr lang="he-IL" sz="2400" dirty="0"/>
+              <a:t>כמות מילים בציוץ </a:t>
+            </a:r>
+          </a:p>
+          <a:p>
+            <a:pPr marL="457200" indent="-457200" algn="r" rtl="1">
+              <a:buFont typeface="+mj-lt"/>
+              <a:buAutoNum type="arabicPeriod"/>
+            </a:pPr>
+            <a:r>
+              <a:rPr lang="he-IL" sz="2400" dirty="0"/>
+              <a:t>כמות תווים בציוץ</a:t>
+            </a:r>
+          </a:p>
+          <a:p>
+            <a:pPr algn="r" rtl="1"/>
+            <a:r>
+              <a:rPr lang="he-IL" dirty="0"/>
+              <a:t>הפיצ'רים שהוספנו הגדילו את אחוז ההצלחה ב-3%</a:t>
+            </a:r>
+            <a:endParaRPr lang="en-US" sz="2400" dirty="0"/>
+          </a:p>
+        </p:txBody>
+      </p:sp>
     </p:spTree>
     <p:extLst>
       <p:ext uri="{BB962C8B-B14F-4D97-AF65-F5344CB8AC3E}">
-        <p14:creationId xmlns:p14="http://schemas.microsoft.com/office/powerpoint/2010/main" val="3984546195"/>
+        <p14:creationId xmlns:p14="http://schemas.microsoft.com/office/powerpoint/2010/main" val="1192525231"/>
       </p:ext>
     </p:extLst>
   </p:cSld>
@@ -4143,10 +4953,10 @@
       </p:grpSpPr>
       <p:sp>
         <p:nvSpPr>
-          <p:cNvPr id="3" name="Content Placeholder 2">
-            <a:extLst>
-              <a:ext uri="{FF2B5EF4-FFF2-40B4-BE49-F238E27FC236}">
-                <a16:creationId xmlns:a16="http://schemas.microsoft.com/office/drawing/2014/main" id="{12E8990C-D496-49B9-BBFA-2F058023F217}"/>
+          <p:cNvPr id="2" name="Title 1">
+            <a:extLst>
+              <a:ext uri="{FF2B5EF4-FFF2-40B4-BE49-F238E27FC236}">
+                <a16:creationId xmlns:a16="http://schemas.microsoft.com/office/drawing/2014/main" id="{71F1B526-AA51-4AE6-85E2-A5A9ACCF2C95}"/>
               </a:ext>
             </a:extLst>
           </p:cNvPr>
@@ -4154,68 +4964,36 @@
             <a:spLocks noGrp="1"/>
           </p:cNvSpPr>
           <p:nvPr>
-            <p:ph type="subTitle" idx="1"/>
+            <p:ph type="ctrTitle"/>
           </p:nvPr>
         </p:nvSpPr>
         <p:spPr>
           <a:xfrm>
-            <a:off x="1524000" y="2446338"/>
-            <a:ext cx="9144000" cy="1655762"/>
+            <a:off x="1371600" y="640668"/>
+            <a:ext cx="9832588" cy="846137"/>
           </a:xfrm>
         </p:spPr>
         <p:txBody>
           <a:bodyPr>
-            <a:normAutofit lnSpcReduction="10000"/>
+            <a:normAutofit fontScale="90000"/>
           </a:bodyPr>
           <a:lstStyle/>
           <a:p>
-            <a:pPr marL="0" indent="0" algn="ctr">
-              <a:buNone/>
-            </a:pPr>
-            <a:r>
-              <a:rPr lang="he-IL" sz="11500" dirty="0"/>
-              <a:t>שאלות?!</a:t>
-            </a:r>
-            <a:endParaRPr lang="en-US" sz="11500" dirty="0"/>
-          </a:p>
-        </p:txBody>
-      </p:sp>
-    </p:spTree>
-    <p:extLst>
-      <p:ext uri="{BB962C8B-B14F-4D97-AF65-F5344CB8AC3E}">
-        <p14:creationId xmlns:p14="http://schemas.microsoft.com/office/powerpoint/2010/main" val="475730705"/>
-      </p:ext>
-    </p:extLst>
-  </p:cSld>
-  <p:clrMapOvr>
-    <a:masterClrMapping/>
-  </p:clrMapOvr>
-</p:sld>
-</file>
-
-<file path=ppt/slides/slide2.xml><?xml version="1.0" encoding="utf-8"?>
-<p:sld xmlns:a="http://schemas.openxmlformats.org/drawingml/2006/main" xmlns:r="http://schemas.openxmlformats.org/officeDocument/2006/relationships" xmlns:p="http://schemas.openxmlformats.org/presentationml/2006/main">
-  <p:cSld>
-    <p:spTree>
-      <p:nvGrpSpPr>
-        <p:cNvPr id="1" name=""/>
-        <p:cNvGrpSpPr/>
-        <p:nvPr/>
-      </p:nvGrpSpPr>
-      <p:grpSpPr>
-        <a:xfrm>
-          <a:off x="0" y="0"/>
-          <a:ext cx="0" cy="0"/>
-          <a:chOff x="0" y="0"/>
-          <a:chExt cx="0" cy="0"/>
-        </a:xfrm>
-      </p:grpSpPr>
-      <p:sp>
-        <p:nvSpPr>
-          <p:cNvPr id="2" name="Title 1">
-            <a:extLst>
-              <a:ext uri="{FF2B5EF4-FFF2-40B4-BE49-F238E27FC236}">
-                <a16:creationId xmlns:a16="http://schemas.microsoft.com/office/drawing/2014/main" id="{04F292F6-AA53-4EC9-9788-32382FBBFE0B}"/>
+            <a:pPr algn="r" rtl="1"/>
+            <a:r>
+              <a:rPr lang="he-IL" dirty="0"/>
+              <a:t>חלוקת המטרציה ללמידה וחיזוי</a:t>
+            </a:r>
+            <a:endParaRPr lang="en-US" dirty="0"/>
+          </a:p>
+        </p:txBody>
+      </p:sp>
+      <p:sp>
+        <p:nvSpPr>
+          <p:cNvPr id="3" name="Content Placeholder 2">
+            <a:extLst>
+              <a:ext uri="{FF2B5EF4-FFF2-40B4-BE49-F238E27FC236}">
+                <a16:creationId xmlns:a16="http://schemas.microsoft.com/office/drawing/2014/main" id="{AF8AC81A-0F76-4FC3-B913-73E85B52E960}"/>
               </a:ext>
             </a:extLst>
           </p:cNvPr>
@@ -4223,13 +5001,13 @@
             <a:spLocks noGrp="1"/>
           </p:cNvSpPr>
           <p:nvPr>
-            <p:ph type="ctrTitle"/>
+            <p:ph type="subTitle" idx="1"/>
           </p:nvPr>
         </p:nvSpPr>
         <p:spPr>
           <a:xfrm>
-            <a:off x="2841337" y="603477"/>
-            <a:ext cx="8312727" cy="920523"/>
+            <a:off x="608206" y="1714500"/>
+            <a:ext cx="10975588" cy="4356640"/>
           </a:xfrm>
         </p:spPr>
         <p:txBody>
@@ -4241,59 +5019,63 @@
             <a:pPr algn="r" rtl="1"/>
             <a:r>
               <a:rPr lang="he-IL" dirty="0"/>
-              <a:t>מוטיבציה	</a:t>
-            </a:r>
-            <a:endParaRPr lang="en-US" dirty="0"/>
-          </a:p>
-        </p:txBody>
-      </p:sp>
-      <p:sp>
-        <p:nvSpPr>
-          <p:cNvPr id="3" name="Content Placeholder 2">
-            <a:extLst>
-              <a:ext uri="{FF2B5EF4-FFF2-40B4-BE49-F238E27FC236}">
-                <a16:creationId xmlns:a16="http://schemas.microsoft.com/office/drawing/2014/main" id="{846FD80B-978E-4E88-91BC-3F8596B71F12}"/>
-              </a:ext>
-            </a:extLst>
-          </p:cNvPr>
-          <p:cNvSpPr>
-            <a:spLocks noGrp="1"/>
-          </p:cNvSpPr>
-          <p:nvPr>
-            <p:ph type="subTitle" idx="1"/>
-          </p:nvPr>
-        </p:nvSpPr>
-        <p:spPr>
-          <a:xfrm>
-            <a:off x="2010064" y="2070100"/>
-            <a:ext cx="9144000" cy="3378200"/>
-          </a:xfrm>
-        </p:spPr>
-        <p:txBody>
-          <a:bodyPr>
-            <a:normAutofit/>
-          </a:bodyPr>
-          <a:lstStyle/>
+              <a:t>המודל צריך לקבל שני סטים של מטריצות:</a:t>
+            </a:r>
+          </a:p>
+          <a:p>
+            <a:pPr marL="457200" indent="-457200" algn="r" rtl="1">
+              <a:buFont typeface="+mj-lt"/>
+              <a:buAutoNum type="arabicPeriod"/>
+            </a:pPr>
+            <a:r>
+              <a:rPr lang="he-IL" dirty="0"/>
+              <a:t>לטובת אימון המודל</a:t>
+            </a:r>
+          </a:p>
+          <a:p>
+            <a:pPr marL="457200" indent="-457200" algn="r" rtl="1">
+              <a:buFont typeface="+mj-lt"/>
+              <a:buAutoNum type="arabicPeriod"/>
+            </a:pPr>
+            <a:r>
+              <a:rPr lang="he-IL" dirty="0"/>
+              <a:t>לטובת בחינת המודל</a:t>
+            </a:r>
+          </a:p>
           <a:p>
             <a:pPr algn="r" rtl="1"/>
             <a:r>
-              <a:rPr lang="he-IL" sz="2800" dirty="0"/>
-              <a:t>לסווג ציוצים לפי המשתמש שכתב אותם (גבר או אישה) רק לפי הציוץ עצמו.</a:t>
-            </a:r>
-            <a:endParaRPr lang="en-US" sz="2800" dirty="0"/>
+              <a:rPr lang="he-IL" dirty="0"/>
+              <a:t>כמות הציוצים שהיו לנו לאחר הסינונים לא גדול (11500) לכן התוצאות לא היו "מדהימות", אנחנו חילקנו את המטרציה בצורה הבאה: </a:t>
+            </a:r>
           </a:p>
           <a:p>
             <a:pPr algn="r" rtl="1"/>
-            <a:endParaRPr lang="en-US" sz="2800" dirty="0"/>
-          </a:p>
-        </p:txBody>
-      </p:sp>
-      <p:sp>
-        <p:nvSpPr>
-          <p:cNvPr id="6" name="Isosceles Triangle 5">
-            <a:extLst>
-              <a:ext uri="{FF2B5EF4-FFF2-40B4-BE49-F238E27FC236}">
-                <a16:creationId xmlns:a16="http://schemas.microsoft.com/office/drawing/2014/main" id="{EBC4F5D8-55AF-4226-B35C-B128E229BAAA}"/>
+            <a:r>
+              <a:rPr lang="en-US" dirty="0"/>
+              <a:t>0.85</a:t>
+            </a:r>
+            <a:r>
+              <a:rPr lang="he-IL" dirty="0"/>
+              <a:t> לטובת האימון ו-0.15</a:t>
+            </a:r>
+            <a:r>
+              <a:rPr lang="en-US" dirty="0"/>
+              <a:t> </a:t>
+            </a:r>
+            <a:r>
+              <a:rPr lang="he-IL" dirty="0"/>
+              <a:t>לטובת החיזוי.</a:t>
+            </a:r>
+          </a:p>
+        </p:txBody>
+      </p:sp>
+      <p:sp>
+        <p:nvSpPr>
+          <p:cNvPr id="4" name="Isosceles Triangle 3">
+            <a:extLst>
+              <a:ext uri="{FF2B5EF4-FFF2-40B4-BE49-F238E27FC236}">
+                <a16:creationId xmlns:a16="http://schemas.microsoft.com/office/drawing/2014/main" id="{50579CEC-2731-490C-BD3A-A2EA5D08A3E5}"/>
               </a:ext>
             </a:extLst>
           </p:cNvPr>
@@ -4343,7 +5125,7 @@
     </p:spTree>
     <p:extLst>
       <p:ext uri="{BB962C8B-B14F-4D97-AF65-F5344CB8AC3E}">
-        <p14:creationId xmlns:p14="http://schemas.microsoft.com/office/powerpoint/2010/main" val="1305967712"/>
+        <p14:creationId xmlns:p14="http://schemas.microsoft.com/office/powerpoint/2010/main" val="286603767"/>
       </p:ext>
     </p:extLst>
   </p:cSld>
@@ -4353,7 +5135,7 @@
 </p:sld>
 </file>
 
-<file path=ppt/slides/slide3.xml><?xml version="1.0" encoding="utf-8"?>
+<file path=ppt/slides/slide13.xml><?xml version="1.0" encoding="utf-8"?>
 <p:sld xmlns:a="http://schemas.openxmlformats.org/drawingml/2006/main" xmlns:r="http://schemas.openxmlformats.org/officeDocument/2006/relationships" xmlns:p="http://schemas.openxmlformats.org/presentationml/2006/main">
   <p:cSld>
     <p:spTree>
@@ -4375,7 +5157,7 @@
           <p:cNvPr id="2" name="Title 1">
             <a:extLst>
               <a:ext uri="{FF2B5EF4-FFF2-40B4-BE49-F238E27FC236}">
-                <a16:creationId xmlns:a16="http://schemas.microsoft.com/office/drawing/2014/main" id="{60BA2537-A5DB-4072-B819-94BC4FB88150}"/>
+                <a16:creationId xmlns:a16="http://schemas.microsoft.com/office/drawing/2014/main" id="{59A6CF95-9614-40D4-91F9-C762BB356970}"/>
               </a:ext>
             </a:extLst>
           </p:cNvPr>
@@ -4388,8 +5170,8 @@
         </p:nvSpPr>
         <p:spPr>
           <a:xfrm>
-            <a:off x="6771888" y="1063737"/>
-            <a:ext cx="4432300" cy="376237"/>
+            <a:off x="2060188" y="634318"/>
+            <a:ext cx="9144000" cy="858837"/>
           </a:xfrm>
         </p:spPr>
         <p:txBody>
@@ -4401,7 +5183,7 @@
             <a:pPr algn="r" rtl="1"/>
             <a:r>
               <a:rPr lang="he-IL" dirty="0"/>
-              <a:t>נתונים יבשים</a:t>
+              <a:t>אימון המודלים ותוצאות</a:t>
             </a:r>
             <a:endParaRPr lang="en-US" dirty="0"/>
           </a:p>
@@ -4412,7 +5194,7 @@
           <p:cNvPr id="3" name="Content Placeholder 2">
             <a:extLst>
               <a:ext uri="{FF2B5EF4-FFF2-40B4-BE49-F238E27FC236}">
-                <a16:creationId xmlns:a16="http://schemas.microsoft.com/office/drawing/2014/main" id="{2F3E203E-8BDD-4215-99AD-6BB98D238134}"/>
+                <a16:creationId xmlns:a16="http://schemas.microsoft.com/office/drawing/2014/main" id="{AA4BF1FE-500A-4244-BE86-A923A2C84E4E}"/>
               </a:ext>
             </a:extLst>
           </p:cNvPr>
@@ -4425,112 +5207,126 @@
         </p:nvSpPr>
         <p:spPr>
           <a:xfrm>
-            <a:off x="1528566" y="1617492"/>
-            <a:ext cx="9621375" cy="4176771"/>
+            <a:off x="215900" y="1790700"/>
+            <a:ext cx="10988288" cy="4597400"/>
           </a:xfrm>
         </p:spPr>
         <p:txBody>
           <a:bodyPr>
-            <a:normAutofit fontScale="92500" lnSpcReduction="10000"/>
+            <a:normAutofit lnSpcReduction="10000"/>
           </a:bodyPr>
           <a:lstStyle/>
           <a:p>
-            <a:pPr algn="r" rtl="1"/>
-            <a:r>
-              <a:rPr lang="en-US" sz="2800" b="1" u="sng" dirty="0" err="1"/>
-              <a:t>DataSet</a:t>
-            </a:r>
-            <a:endParaRPr lang="he-IL" sz="2800" b="1" u="sng" dirty="0"/>
-          </a:p>
-          <a:p>
-            <a:pPr marL="457200" indent="-457200" algn="r" rtl="1">
+            <a:pPr marL="457200" lvl="1" indent="0" algn="r" rtl="1">
+              <a:buNone/>
+            </a:pPr>
+            <a:r>
+              <a:rPr lang="he-IL" sz="2400" dirty="0"/>
+              <a:t>בצענו את האימונים בכמה אופנים של המידע:</a:t>
+            </a:r>
+          </a:p>
+          <a:p>
+            <a:pPr marL="800100" lvl="1" indent="-342900" algn="r" rtl="1">
               <a:buFont typeface="Arial" panose="020B0604020202020204" pitchFamily="34" charset="0"/>
               <a:buChar char="•"/>
             </a:pPr>
             <a:r>
-              <a:rPr lang="en-US" sz="2800" dirty="0"/>
-              <a:t>Tweet description</a:t>
-            </a:r>
-            <a:r>
-              <a:rPr lang="he-IL" sz="2800" dirty="0"/>
-              <a:t> – הטקסט שהמתמש צייץ</a:t>
-            </a:r>
-          </a:p>
-          <a:p>
-            <a:pPr marL="457200" indent="-457200" algn="r" rtl="1">
+              <a:rPr lang="he-IL" sz="2400" dirty="0"/>
+              <a:t>שינוי היחסים של אימון וחיזוי</a:t>
+            </a:r>
+          </a:p>
+          <a:p>
+            <a:pPr marL="800100" lvl="1" indent="-342900" algn="r" rtl="1">
               <a:buFont typeface="Arial" panose="020B0604020202020204" pitchFamily="34" charset="0"/>
               <a:buChar char="•"/>
             </a:pPr>
             <a:r>
-              <a:rPr lang="en-US" sz="2800" dirty="0"/>
-              <a:t>Gender</a:t>
-            </a:r>
-            <a:r>
-              <a:rPr lang="he-IL" sz="2800" dirty="0"/>
-              <a:t> – האם גבר או אישה כתבו את הציוץ</a:t>
-            </a:r>
-          </a:p>
-          <a:p>
-            <a:pPr algn="r" rtl="1"/>
-            <a:r>
-              <a:rPr lang="he-IL" sz="2800" b="1" u="sng" dirty="0"/>
-              <a:t>מודלים</a:t>
-            </a:r>
-          </a:p>
-          <a:p>
-            <a:pPr marL="457200" indent="-457200" algn="r" rtl="1">
+              <a:rPr lang="he-IL" sz="2400" dirty="0"/>
+              <a:t>שינוי אורך המקסימלי של ה-</a:t>
+            </a:r>
+            <a:r>
+              <a:rPr lang="en-US" sz="2400" dirty="0"/>
+              <a:t>Vector</a:t>
+            </a:r>
+            <a:r>
+              <a:rPr lang="he-IL" sz="2400" dirty="0"/>
+              <a:t> (מספר המילים הכי נפוצות)</a:t>
+            </a:r>
+          </a:p>
+          <a:p>
+            <a:pPr marL="800100" lvl="1" indent="-342900" algn="r" rtl="1">
               <a:buFont typeface="Arial" panose="020B0604020202020204" pitchFamily="34" charset="0"/>
               <a:buChar char="•"/>
             </a:pPr>
             <a:r>
-              <a:rPr lang="en-US" sz="2800" dirty="0"/>
-              <a:t>Gaussian Naive Bayes</a:t>
-            </a:r>
-            <a:endParaRPr lang="he-IL" sz="2800" dirty="0"/>
-          </a:p>
-          <a:p>
-            <a:pPr marL="457200" indent="-457200" algn="r" rtl="1">
-              <a:buFont typeface="Arial" panose="020B0604020202020204" pitchFamily="34" charset="0"/>
-              <a:buChar char="•"/>
-            </a:pPr>
-            <a:r>
-              <a:rPr lang="en-US" sz="2800" dirty="0"/>
-              <a:t>A random forest classifier</a:t>
-            </a:r>
-          </a:p>
-          <a:p>
-            <a:pPr algn="r" rtl="1"/>
-            <a:r>
-              <a:rPr lang="he-IL" sz="2800" b="1" u="sng" dirty="0"/>
-              <a:t>סיווג מידע (מודל וקטור)</a:t>
-            </a:r>
-          </a:p>
-          <a:p>
-            <a:pPr marL="457200" indent="-457200" algn="r" rtl="1">
-              <a:buFont typeface="Arial" panose="020B0604020202020204" pitchFamily="34" charset="0"/>
-              <a:buChar char="•"/>
-            </a:pPr>
-            <a:r>
-              <a:rPr lang="en-US" sz="2800" dirty="0"/>
-              <a:t>Count Vector</a:t>
-            </a:r>
-          </a:p>
-          <a:p>
-            <a:pPr marL="457200" indent="-457200" algn="r" rtl="1">
-              <a:buFont typeface="Arial" panose="020B0604020202020204" pitchFamily="34" charset="0"/>
-              <a:buChar char="•"/>
-            </a:pPr>
-            <a:r>
-              <a:rPr lang="en-US" sz="2800" dirty="0"/>
-              <a:t>FT-IDF</a:t>
-            </a:r>
-          </a:p>
-          <a:p>
-            <a:pPr marL="457200" indent="-457200" algn="r" rtl="1">
-              <a:buFont typeface="Arial" panose="020B0604020202020204" pitchFamily="34" charset="0"/>
-              <a:buChar char="•"/>
-            </a:pPr>
-            <a:endParaRPr lang="en-US" sz="2800" dirty="0"/>
+              <a:rPr lang="he-IL" sz="2400" dirty="0"/>
+              <a:t>שינוי מספר העצים במודל של </a:t>
+            </a:r>
+            <a:r>
+              <a:rPr lang="en-US" sz="2400" dirty="0"/>
+              <a:t>Random Forest Classifier</a:t>
+            </a:r>
+            <a:endParaRPr lang="he-IL" sz="2400" dirty="0"/>
+          </a:p>
+          <a:p>
+            <a:pPr lvl="1" algn="r" rtl="1"/>
+            <a:r>
+              <a:rPr lang="he-IL" sz="2400" dirty="0"/>
+              <a:t>לכן תיעוד הצלחנו להגיע לתוצאות הטובות ביותר עם המודל שנקרא </a:t>
+            </a:r>
+            <a:r>
+              <a:rPr lang="en-US" sz="2400" b="1" u="sng" dirty="0" err="1"/>
+              <a:t>RandomForestClassifier</a:t>
+            </a:r>
+            <a:r>
+              <a:rPr lang="he-IL" sz="2400" dirty="0"/>
+              <a:t> </a:t>
+            </a:r>
+          </a:p>
+          <a:p>
+            <a:pPr lvl="1" algn="r" rtl="1"/>
+            <a:r>
+              <a:rPr lang="en-US" sz="2400" dirty="0"/>
+              <a:t>accuracy for train :  0.9461845701072105</a:t>
+            </a:r>
+          </a:p>
+          <a:p>
+            <a:pPr lvl="1" algn="r" rtl="1"/>
+            <a:r>
+              <a:rPr lang="en-US" sz="2400" dirty="0"/>
+              <a:t>accuracy for test  :  0.6488095238095238</a:t>
+            </a:r>
+            <a:endParaRPr lang="he-IL" sz="2400" dirty="0"/>
+          </a:p>
+          <a:p>
+            <a:pPr lvl="1" algn="r" rtl="1"/>
+            <a:r>
+              <a:rPr lang="he-IL" sz="2400" dirty="0"/>
+              <a:t>מול התוצאות של המודל השני</a:t>
+            </a:r>
+            <a:endParaRPr lang="en-US" sz="2400" dirty="0"/>
+          </a:p>
+          <a:p>
+            <a:pPr lvl="1" algn="r" rtl="1"/>
+            <a:r>
+              <a:rPr lang="en-US" sz="2400" b="1" u="sng" dirty="0" err="1"/>
+              <a:t>GaussianNB</a:t>
+            </a:r>
+            <a:endParaRPr lang="he-IL" sz="2400" b="1" u="sng" dirty="0"/>
+          </a:p>
+          <a:p>
+            <a:pPr lvl="1" algn="r" rtl="1"/>
+            <a:r>
+              <a:rPr lang="en-US" sz="2400" dirty="0"/>
+              <a:t>accuracy for train :  0.6743746058440193</a:t>
+            </a:r>
+          </a:p>
+          <a:p>
+            <a:pPr lvl="1" algn="r" rtl="1"/>
+            <a:r>
+              <a:rPr lang="en-US" sz="2400" dirty="0"/>
+              <a:t>accuracy for test  :  0.6392857142857142</a:t>
+            </a:r>
           </a:p>
         </p:txBody>
       </p:sp>
@@ -4539,7 +5335,7 @@
           <p:cNvPr id="4" name="Isosceles Triangle 3">
             <a:extLst>
               <a:ext uri="{FF2B5EF4-FFF2-40B4-BE49-F238E27FC236}">
-                <a16:creationId xmlns:a16="http://schemas.microsoft.com/office/drawing/2014/main" id="{94FE6FA2-86F6-4F02-BDB7-0047077F2A51}"/>
+                <a16:creationId xmlns:a16="http://schemas.microsoft.com/office/drawing/2014/main" id="{5528F9BC-DCF0-4F30-BF11-D378E2DB5D37}"/>
               </a:ext>
             </a:extLst>
           </p:cNvPr>
@@ -4589,7 +5385,7 @@
     </p:spTree>
     <p:extLst>
       <p:ext uri="{BB962C8B-B14F-4D97-AF65-F5344CB8AC3E}">
-        <p14:creationId xmlns:p14="http://schemas.microsoft.com/office/powerpoint/2010/main" val="2124090642"/>
+        <p14:creationId xmlns:p14="http://schemas.microsoft.com/office/powerpoint/2010/main" val="1635083115"/>
       </p:ext>
     </p:extLst>
   </p:cSld>
@@ -4599,7 +5395,7 @@
 </p:sld>
 </file>
 
-<file path=ppt/slides/slide4.xml><?xml version="1.0" encoding="utf-8"?>
+<file path=ppt/slides/slide14.xml><?xml version="1.0" encoding="utf-8"?>
 <p:sld xmlns:a="http://schemas.openxmlformats.org/drawingml/2006/main" xmlns:r="http://schemas.openxmlformats.org/officeDocument/2006/relationships" xmlns:p="http://schemas.openxmlformats.org/presentationml/2006/main">
   <p:cSld>
     <p:spTree>
@@ -4621,7 +5417,7 @@
           <p:cNvPr id="2" name="Title 1">
             <a:extLst>
               <a:ext uri="{FF2B5EF4-FFF2-40B4-BE49-F238E27FC236}">
-                <a16:creationId xmlns:a16="http://schemas.microsoft.com/office/drawing/2014/main" id="{BD0CD058-5770-47A0-9C44-8A848D2E3061}"/>
+                <a16:creationId xmlns:a16="http://schemas.microsoft.com/office/drawing/2014/main" id="{A4E5F78B-3C7F-40F7-9FB5-E9B5F341CC13}"/>
               </a:ext>
             </a:extLst>
           </p:cNvPr>
@@ -4634,20 +5430,18 @@
         </p:nvSpPr>
         <p:spPr>
           <a:xfrm>
-            <a:off x="4720856" y="691468"/>
-            <a:ext cx="6353544" cy="744537"/>
+            <a:off x="1955800" y="602568"/>
+            <a:ext cx="9144000" cy="922337"/>
           </a:xfrm>
         </p:spPr>
         <p:txBody>
-          <a:bodyPr>
-            <a:normAutofit fontScale="90000"/>
-          </a:bodyPr>
+          <a:bodyPr/>
           <a:lstStyle/>
           <a:p>
             <a:pPr algn="r" rtl="1"/>
             <a:r>
               <a:rPr lang="he-IL" dirty="0"/>
-              <a:t>סינון וניקוי המידע</a:t>
+              <a:t>תוצאות בצורה גרפית</a:t>
             </a:r>
             <a:endParaRPr lang="en-US" dirty="0"/>
           </a:p>
@@ -4655,253 +5449,10 @@
       </p:sp>
       <p:sp>
         <p:nvSpPr>
-          <p:cNvPr id="3" name="Content Placeholder 2">
-            <a:extLst>
-              <a:ext uri="{FF2B5EF4-FFF2-40B4-BE49-F238E27FC236}">
-                <a16:creationId xmlns:a16="http://schemas.microsoft.com/office/drawing/2014/main" id="{0F63B046-EA19-4112-AAFE-3C01A001ADA0}"/>
-              </a:ext>
-            </a:extLst>
-          </p:cNvPr>
-          <p:cNvSpPr>
-            <a:spLocks noGrp="1"/>
-          </p:cNvSpPr>
-          <p:nvPr>
-            <p:ph type="subTitle" idx="1"/>
-          </p:nvPr>
-        </p:nvSpPr>
-        <p:spPr>
-          <a:xfrm>
-            <a:off x="406400" y="1587500"/>
-            <a:ext cx="10668000" cy="4579032"/>
-          </a:xfrm>
-        </p:spPr>
-        <p:txBody>
-          <a:bodyPr>
-            <a:normAutofit/>
-          </a:bodyPr>
-          <a:lstStyle/>
-          <a:p>
-            <a:pPr marL="342900" indent="-342900" algn="r" rtl="1">
-              <a:buFont typeface="Arial" panose="020B0604020202020204" pitchFamily="34" charset="0"/>
-              <a:buChar char="•"/>
-            </a:pPr>
-            <a:r>
-              <a:rPr lang="he-IL" sz="2400" dirty="0"/>
-              <a:t>ה-</a:t>
-            </a:r>
-            <a:r>
-              <a:rPr lang="en-US" sz="2400" dirty="0" err="1"/>
-              <a:t>DataSet</a:t>
-            </a:r>
-            <a:r>
-              <a:rPr lang="he-IL" sz="2400" dirty="0"/>
-              <a:t> הכיל המון מידע, אנו השתמשנו רק בשני שדות (</a:t>
-            </a:r>
-            <a:r>
-              <a:rPr lang="en-US" dirty="0"/>
-              <a:t>Gender, Description</a:t>
-            </a:r>
-            <a:r>
-              <a:rPr lang="he-IL" dirty="0"/>
-              <a:t>)</a:t>
-            </a:r>
-          </a:p>
-          <a:p>
-            <a:pPr marL="342900" indent="-342900" algn="r" rtl="1">
-              <a:buFont typeface="Arial" panose="020B0604020202020204" pitchFamily="34" charset="0"/>
-              <a:buChar char="•"/>
-            </a:pPr>
-            <a:r>
-              <a:rPr lang="he-IL" dirty="0"/>
-              <a:t>קטגורה של </a:t>
-            </a:r>
-            <a:r>
-              <a:rPr lang="en-US" dirty="0"/>
-              <a:t>Gender</a:t>
-            </a:r>
-            <a:r>
-              <a:rPr lang="he-IL" dirty="0"/>
-              <a:t> היו קיימים הערכים (</a:t>
-            </a:r>
-            <a:r>
-              <a:rPr lang="en-US" dirty="0"/>
-              <a:t>Male, Female, Brand, Unknow, Blank</a:t>
-            </a:r>
-            <a:r>
-              <a:rPr lang="he-IL" dirty="0"/>
-              <a:t>)</a:t>
-            </a:r>
-          </a:p>
-          <a:p>
-            <a:pPr marL="800100" lvl="1" indent="-342900" algn="r" rtl="1">
-              <a:buFont typeface="Arial" panose="020B0604020202020204" pitchFamily="34" charset="0"/>
-              <a:buChar char="•"/>
-            </a:pPr>
-            <a:r>
-              <a:rPr lang="he-IL" dirty="0"/>
-              <a:t>שלפנו רק את הציוצים שהיו של </a:t>
-            </a:r>
-            <a:r>
-              <a:rPr lang="en-US" dirty="0"/>
-              <a:t>Male</a:t>
-            </a:r>
-            <a:r>
-              <a:rPr lang="he-IL" dirty="0"/>
-              <a:t> ו-</a:t>
-            </a:r>
-            <a:r>
-              <a:rPr lang="en-US" dirty="0"/>
-              <a:t>Female</a:t>
-            </a:r>
-          </a:p>
-          <a:p>
-            <a:pPr marL="800100" lvl="1" indent="-342900" algn="r" rtl="1">
-              <a:buFont typeface="Arial" panose="020B0604020202020204" pitchFamily="34" charset="0"/>
-              <a:buChar char="•"/>
-            </a:pPr>
-            <a:r>
-              <a:rPr lang="he-IL" dirty="0"/>
-              <a:t>הפכנו את </a:t>
-            </a:r>
-            <a:r>
-              <a:rPr lang="en-US" dirty="0"/>
-              <a:t>Male</a:t>
-            </a:r>
-            <a:r>
-              <a:rPr lang="he-IL" dirty="0"/>
-              <a:t> ל-0 ו-</a:t>
-            </a:r>
-            <a:r>
-              <a:rPr lang="en-US" dirty="0"/>
-              <a:t>Female</a:t>
-            </a:r>
-            <a:r>
-              <a:rPr lang="he-IL" dirty="0"/>
-              <a:t> ל-1 כי יותר קל להשוות 0 ו-1 מאשר מחרוזת (שיקולי זמן ריצה)</a:t>
-            </a:r>
-            <a:endParaRPr lang="en-US" dirty="0"/>
-          </a:p>
-          <a:p>
-            <a:pPr marL="342900" indent="-342900" algn="r" rtl="1">
-              <a:buFont typeface="Arial" panose="020B0604020202020204" pitchFamily="34" charset="0"/>
-              <a:buChar char="•"/>
-            </a:pPr>
-            <a:r>
-              <a:rPr lang="he-IL" dirty="0"/>
-              <a:t>קטגוריה של </a:t>
-            </a:r>
-            <a:r>
-              <a:rPr lang="en-US" dirty="0"/>
-              <a:t>Description</a:t>
-            </a:r>
-          </a:p>
-          <a:p>
-            <a:pPr marL="800100" lvl="1" indent="-342900" algn="r" rtl="1">
-              <a:buFont typeface="Arial" panose="020B0604020202020204" pitchFamily="34" charset="0"/>
-              <a:buChar char="•"/>
-            </a:pPr>
-            <a:r>
-              <a:rPr lang="he-IL" dirty="0"/>
-              <a:t>סוננו פוסטים שלא היו כתובים באנגלית</a:t>
-            </a:r>
-          </a:p>
-          <a:p>
-            <a:pPr marL="800100" lvl="1" indent="-342900" algn="r" rtl="1">
-              <a:buFont typeface="Arial" panose="020B0604020202020204" pitchFamily="34" charset="0"/>
-              <a:buChar char="•"/>
-            </a:pPr>
-            <a:r>
-              <a:rPr lang="he-IL" dirty="0"/>
-              <a:t>סוננו סימני פיסוק כמו </a:t>
-            </a:r>
-            <a:r>
-              <a:rPr lang="en-US" dirty="0"/>
-              <a:t>, ! . ? “ ( )</a:t>
-            </a:r>
-            <a:r>
-              <a:rPr lang="he-IL" dirty="0"/>
-              <a:t> וכו.</a:t>
-            </a:r>
-          </a:p>
-          <a:p>
-            <a:pPr marL="800100" lvl="1" indent="-342900" algn="r" rtl="1">
-              <a:buFont typeface="Arial" panose="020B0604020202020204" pitchFamily="34" charset="0"/>
-              <a:buChar char="•"/>
-            </a:pPr>
-            <a:r>
-              <a:rPr lang="he-IL" dirty="0"/>
-              <a:t>כל הטקסט שונה לאותיות קטנות (</a:t>
-            </a:r>
-            <a:r>
-              <a:rPr lang="en-US" dirty="0"/>
-              <a:t>Like != like</a:t>
-            </a:r>
-            <a:r>
-              <a:rPr lang="he-IL" dirty="0"/>
-              <a:t>)</a:t>
-            </a:r>
-          </a:p>
-          <a:p>
-            <a:pPr marL="800100" lvl="1" indent="-342900" algn="r" rtl="1">
-              <a:buFont typeface="Arial" panose="020B0604020202020204" pitchFamily="34" charset="0"/>
-              <a:buChar char="•"/>
-            </a:pPr>
-            <a:r>
-              <a:rPr lang="he-IL" dirty="0"/>
-              <a:t>כל המילות פועל שונו לזמן הווה (</a:t>
-            </a:r>
-            <a:r>
-              <a:rPr lang="en-US" dirty="0"/>
-              <a:t>Went, going -&gt; go</a:t>
-            </a:r>
-            <a:r>
-              <a:rPr lang="he-IL" dirty="0"/>
-              <a:t>)</a:t>
-            </a:r>
-          </a:p>
-          <a:p>
-            <a:pPr marL="800100" lvl="1" indent="-342900" algn="r" rtl="1">
-              <a:buFont typeface="Arial" panose="020B0604020202020204" pitchFamily="34" charset="0"/>
-              <a:buChar char="•"/>
-            </a:pPr>
-            <a:r>
-              <a:rPr lang="he-IL" dirty="0"/>
-              <a:t>סוננו כל ה-</a:t>
-            </a:r>
-            <a:r>
-              <a:rPr lang="en-US" dirty="0"/>
-              <a:t>Stop Words</a:t>
-            </a:r>
-            <a:r>
-              <a:rPr lang="he-IL" dirty="0"/>
-              <a:t> (מילות קישור כמו </a:t>
-            </a:r>
-            <a:r>
-              <a:rPr lang="en-US" dirty="0"/>
-              <a:t>and, that, is</a:t>
-            </a:r>
-            <a:r>
-              <a:rPr lang="he-IL" dirty="0"/>
-              <a:t>)</a:t>
-            </a:r>
-            <a:endParaRPr lang="en-US" dirty="0"/>
-          </a:p>
-          <a:p>
-            <a:pPr lvl="1" algn="r" rtl="1"/>
-            <a:endParaRPr lang="he-IL" dirty="0"/>
-          </a:p>
-          <a:p>
-            <a:pPr algn="r" rtl="1"/>
-            <a:endParaRPr lang="en-US" sz="2400" dirty="0"/>
-          </a:p>
-        </p:txBody>
-      </p:sp>
-      <p:sp>
-        <p:nvSpPr>
           <p:cNvPr id="4" name="Isosceles Triangle 3">
             <a:extLst>
               <a:ext uri="{FF2B5EF4-FFF2-40B4-BE49-F238E27FC236}">
-                <a16:creationId xmlns:a16="http://schemas.microsoft.com/office/drawing/2014/main" id="{84C37AD1-9C5A-4554-BF3A-D4C80053C593}"/>
+                <a16:creationId xmlns:a16="http://schemas.microsoft.com/office/drawing/2014/main" id="{2BF0BEC7-7921-4EFE-AA13-5D834EE4538A}"/>
               </a:ext>
             </a:extLst>
           </p:cNvPr>
@@ -4948,10 +5499,703 @@
           </a:p>
         </p:txBody>
       </p:sp>
+      <p:sp>
+        <p:nvSpPr>
+          <p:cNvPr id="6" name="Subtitle 5">
+            <a:extLst>
+              <a:ext uri="{FF2B5EF4-FFF2-40B4-BE49-F238E27FC236}">
+                <a16:creationId xmlns:a16="http://schemas.microsoft.com/office/drawing/2014/main" id="{989BF6EE-2087-4A05-B971-268375A12987}"/>
+              </a:ext>
+            </a:extLst>
+          </p:cNvPr>
+          <p:cNvSpPr>
+            <a:spLocks noGrp="1"/>
+          </p:cNvSpPr>
+          <p:nvPr>
+            <p:ph type="subTitle" idx="1"/>
+          </p:nvPr>
+        </p:nvSpPr>
+        <p:spPr>
+          <a:xfrm>
+            <a:off x="0" y="2601119"/>
+            <a:ext cx="5768381" cy="1655762"/>
+          </a:xfrm>
+        </p:spPr>
+        <p:txBody>
+          <a:bodyPr/>
+          <a:lstStyle/>
+          <a:p>
+            <a:r>
+              <a:rPr lang="en-US" dirty="0" err="1"/>
+              <a:t>GaussianNB</a:t>
+            </a:r>
+            <a:endParaRPr lang="en-US" dirty="0"/>
+          </a:p>
+          <a:p>
+            <a:r>
+              <a:rPr lang="en-US" dirty="0"/>
+              <a:t>  Count vector </a:t>
+            </a:r>
+            <a:r>
+              <a:rPr lang="en-US" b="1" dirty="0"/>
+              <a:t>without</a:t>
+            </a:r>
+            <a:r>
+              <a:rPr lang="en-US" dirty="0"/>
+              <a:t> English stop words</a:t>
+            </a:r>
+          </a:p>
+        </p:txBody>
+      </p:sp>
+      <p:pic>
+        <p:nvPicPr>
+          <p:cNvPr id="5" name="Picture 4">
+            <a:extLst>
+              <a:ext uri="{FF2B5EF4-FFF2-40B4-BE49-F238E27FC236}">
+                <a16:creationId xmlns:a16="http://schemas.microsoft.com/office/drawing/2014/main" id="{BD5E09FF-3106-477F-8696-339F513F9C38}"/>
+              </a:ext>
+            </a:extLst>
+          </p:cNvPr>
+          <p:cNvPicPr>
+            <a:picLocks noChangeAspect="1"/>
+          </p:cNvPicPr>
+          <p:nvPr/>
+        </p:nvPicPr>
+        <p:blipFill>
+          <a:blip r:embed="rId2">
+            <a:extLst>
+              <a:ext uri="{28A0092B-C50C-407E-A947-70E740481C1C}">
+                <a14:useLocalDpi xmlns:a14="http://schemas.microsoft.com/office/drawing/2010/main" val="0"/>
+              </a:ext>
+            </a:extLst>
+          </a:blip>
+          <a:stretch>
+            <a:fillRect/>
+          </a:stretch>
+        </p:blipFill>
+        <p:spPr>
+          <a:xfrm>
+            <a:off x="5769389" y="1340615"/>
+            <a:ext cx="6096851" cy="4572638"/>
+          </a:xfrm>
+          <a:prstGeom prst="rect">
+            <a:avLst/>
+          </a:prstGeom>
+        </p:spPr>
+      </p:pic>
+      <p:sp>
+        <p:nvSpPr>
+          <p:cNvPr id="7" name="TextBox 6">
+            <a:extLst>
+              <a:ext uri="{FF2B5EF4-FFF2-40B4-BE49-F238E27FC236}">
+                <a16:creationId xmlns:a16="http://schemas.microsoft.com/office/drawing/2014/main" id="{4ED90F72-B190-4E52-81AC-D6152FE68E70}"/>
+              </a:ext>
+            </a:extLst>
+          </p:cNvPr>
+          <p:cNvSpPr txBox="1"/>
+          <p:nvPr/>
+        </p:nvSpPr>
+        <p:spPr>
+          <a:xfrm>
+            <a:off x="9243743" y="3796783"/>
+            <a:ext cx="1433690" cy="369332"/>
+          </a:xfrm>
+          <a:prstGeom prst="rect">
+            <a:avLst/>
+          </a:prstGeom>
+          <a:noFill/>
+        </p:spPr>
+        <p:txBody>
+          <a:bodyPr wrap="square" rtlCol="0">
+            <a:spAutoFit/>
+          </a:bodyPr>
+          <a:lstStyle/>
+          <a:p>
+            <a:r>
+              <a:rPr lang="en-US" b="1" dirty="0"/>
+              <a:t>True positive</a:t>
+            </a:r>
+          </a:p>
+        </p:txBody>
+      </p:sp>
+      <p:sp>
+        <p:nvSpPr>
+          <p:cNvPr id="8" name="TextBox 7">
+            <a:extLst>
+              <a:ext uri="{FF2B5EF4-FFF2-40B4-BE49-F238E27FC236}">
+                <a16:creationId xmlns:a16="http://schemas.microsoft.com/office/drawing/2014/main" id="{68A90294-F479-4E04-B57A-21DA58AC3F2E}"/>
+              </a:ext>
+            </a:extLst>
+          </p:cNvPr>
+          <p:cNvSpPr txBox="1"/>
+          <p:nvPr/>
+        </p:nvSpPr>
+        <p:spPr>
+          <a:xfrm>
+            <a:off x="9339698" y="2135017"/>
+            <a:ext cx="1608668" cy="369332"/>
+          </a:xfrm>
+          <a:prstGeom prst="rect">
+            <a:avLst/>
+          </a:prstGeom>
+          <a:noFill/>
+        </p:spPr>
+        <p:txBody>
+          <a:bodyPr wrap="square" rtlCol="0">
+            <a:spAutoFit/>
+          </a:bodyPr>
+          <a:lstStyle/>
+          <a:p>
+            <a:r>
+              <a:rPr lang="en-US" b="1" dirty="0"/>
+              <a:t>False positive</a:t>
+            </a:r>
+          </a:p>
+        </p:txBody>
+      </p:sp>
+      <p:sp>
+        <p:nvSpPr>
+          <p:cNvPr id="9" name="TextBox 8">
+            <a:extLst>
+              <a:ext uri="{FF2B5EF4-FFF2-40B4-BE49-F238E27FC236}">
+                <a16:creationId xmlns:a16="http://schemas.microsoft.com/office/drawing/2014/main" id="{5D5F6112-D3FC-476A-9A12-087FD251DC52}"/>
+              </a:ext>
+            </a:extLst>
+          </p:cNvPr>
+          <p:cNvSpPr txBox="1"/>
+          <p:nvPr/>
+        </p:nvSpPr>
+        <p:spPr>
+          <a:xfrm>
+            <a:off x="6909766" y="2112583"/>
+            <a:ext cx="1608668" cy="369332"/>
+          </a:xfrm>
+          <a:prstGeom prst="rect">
+            <a:avLst/>
+          </a:prstGeom>
+          <a:noFill/>
+        </p:spPr>
+        <p:txBody>
+          <a:bodyPr wrap="square" rtlCol="0">
+            <a:spAutoFit/>
+          </a:bodyPr>
+          <a:lstStyle/>
+          <a:p>
+            <a:r>
+              <a:rPr lang="en-US" b="1" dirty="0"/>
+              <a:t>True Negative</a:t>
+            </a:r>
+          </a:p>
+        </p:txBody>
+      </p:sp>
+      <p:sp>
+        <p:nvSpPr>
+          <p:cNvPr id="10" name="TextBox 9">
+            <a:extLst>
+              <a:ext uri="{FF2B5EF4-FFF2-40B4-BE49-F238E27FC236}">
+                <a16:creationId xmlns:a16="http://schemas.microsoft.com/office/drawing/2014/main" id="{2071B9D1-7161-458D-8118-F665D34DE800}"/>
+              </a:ext>
+            </a:extLst>
+          </p:cNvPr>
+          <p:cNvSpPr txBox="1"/>
+          <p:nvPr/>
+        </p:nvSpPr>
+        <p:spPr>
+          <a:xfrm>
+            <a:off x="6810619" y="3796783"/>
+            <a:ext cx="1608668" cy="369332"/>
+          </a:xfrm>
+          <a:prstGeom prst="rect">
+            <a:avLst/>
+          </a:prstGeom>
+          <a:noFill/>
+        </p:spPr>
+        <p:txBody>
+          <a:bodyPr wrap="square" rtlCol="0">
+            <a:spAutoFit/>
+          </a:bodyPr>
+          <a:lstStyle/>
+          <a:p>
+            <a:r>
+              <a:rPr lang="en-US" b="1" dirty="0"/>
+              <a:t>False Negative</a:t>
+            </a:r>
+          </a:p>
+        </p:txBody>
+      </p:sp>
+      <p:sp>
+        <p:nvSpPr>
+          <p:cNvPr id="11" name="Subtitle 5">
+            <a:extLst>
+              <a:ext uri="{FF2B5EF4-FFF2-40B4-BE49-F238E27FC236}">
+                <a16:creationId xmlns:a16="http://schemas.microsoft.com/office/drawing/2014/main" id="{B2AE3E90-9726-4F7C-BD5D-D93580A34251}"/>
+              </a:ext>
+            </a:extLst>
+          </p:cNvPr>
+          <p:cNvSpPr txBox="1">
+            <a:spLocks/>
+          </p:cNvSpPr>
+          <p:nvPr/>
+        </p:nvSpPr>
+        <p:spPr>
+          <a:xfrm>
+            <a:off x="6131812" y="5379752"/>
+            <a:ext cx="5447252" cy="381616"/>
+          </a:xfrm>
+          <a:prstGeom prst="rect">
+            <a:avLst/>
+          </a:prstGeom>
+        </p:spPr>
+        <p:txBody>
+          <a:bodyPr vert="horz" lIns="91440" tIns="45720" rIns="91440" bIns="45720" rtlCol="0">
+            <a:normAutofit fontScale="92500" lnSpcReduction="10000"/>
+          </a:bodyPr>
+          <a:lstStyle>
+            <a:lvl1pPr marL="0" indent="0" algn="ctr" defTabSz="914400" rtl="0" eaLnBrk="1" latinLnBrk="0" hangingPunct="1">
+              <a:lnSpc>
+                <a:spcPct val="90000"/>
+              </a:lnSpc>
+              <a:spcBef>
+                <a:spcPts val="1000"/>
+              </a:spcBef>
+              <a:buFont typeface="Arial" panose="020B0604020202020204" pitchFamily="34" charset="0"/>
+              <a:buNone/>
+              <a:defRPr sz="2400" kern="1200">
+                <a:solidFill>
+                  <a:schemeClr val="tx1"/>
+                </a:solidFill>
+                <a:latin typeface="+mn-lt"/>
+                <a:ea typeface="+mn-ea"/>
+                <a:cs typeface="+mn-cs"/>
+              </a:defRPr>
+            </a:lvl1pPr>
+            <a:lvl2pPr marL="457200" indent="0" algn="ctr" defTabSz="914400" rtl="0" eaLnBrk="1" latinLnBrk="0" hangingPunct="1">
+              <a:lnSpc>
+                <a:spcPct val="90000"/>
+              </a:lnSpc>
+              <a:spcBef>
+                <a:spcPts val="500"/>
+              </a:spcBef>
+              <a:buFont typeface="Arial" panose="020B0604020202020204" pitchFamily="34" charset="0"/>
+              <a:buNone/>
+              <a:defRPr sz="2000" kern="1200">
+                <a:solidFill>
+                  <a:schemeClr val="tx1"/>
+                </a:solidFill>
+                <a:latin typeface="+mn-lt"/>
+                <a:ea typeface="+mn-ea"/>
+                <a:cs typeface="+mn-cs"/>
+              </a:defRPr>
+            </a:lvl2pPr>
+            <a:lvl3pPr marL="914400" indent="0" algn="ctr" defTabSz="914400" rtl="0" eaLnBrk="1" latinLnBrk="0" hangingPunct="1">
+              <a:lnSpc>
+                <a:spcPct val="90000"/>
+              </a:lnSpc>
+              <a:spcBef>
+                <a:spcPts val="500"/>
+              </a:spcBef>
+              <a:buFont typeface="Arial" panose="020B0604020202020204" pitchFamily="34" charset="0"/>
+              <a:buNone/>
+              <a:defRPr sz="1800" kern="1200">
+                <a:solidFill>
+                  <a:schemeClr val="tx1"/>
+                </a:solidFill>
+                <a:latin typeface="+mn-lt"/>
+                <a:ea typeface="+mn-ea"/>
+                <a:cs typeface="+mn-cs"/>
+              </a:defRPr>
+            </a:lvl3pPr>
+            <a:lvl4pPr marL="1371600" indent="0" algn="ctr" defTabSz="914400" rtl="0" eaLnBrk="1" latinLnBrk="0" hangingPunct="1">
+              <a:lnSpc>
+                <a:spcPct val="90000"/>
+              </a:lnSpc>
+              <a:spcBef>
+                <a:spcPts val="500"/>
+              </a:spcBef>
+              <a:buFont typeface="Arial" panose="020B0604020202020204" pitchFamily="34" charset="0"/>
+              <a:buNone/>
+              <a:defRPr sz="1600" kern="1200">
+                <a:solidFill>
+                  <a:schemeClr val="tx1"/>
+                </a:solidFill>
+                <a:latin typeface="+mn-lt"/>
+                <a:ea typeface="+mn-ea"/>
+                <a:cs typeface="+mn-cs"/>
+              </a:defRPr>
+            </a:lvl4pPr>
+            <a:lvl5pPr marL="1828800" indent="0" algn="ctr" defTabSz="914400" rtl="0" eaLnBrk="1" latinLnBrk="0" hangingPunct="1">
+              <a:lnSpc>
+                <a:spcPct val="90000"/>
+              </a:lnSpc>
+              <a:spcBef>
+                <a:spcPts val="500"/>
+              </a:spcBef>
+              <a:buFont typeface="Arial" panose="020B0604020202020204" pitchFamily="34" charset="0"/>
+              <a:buNone/>
+              <a:defRPr sz="1600" kern="1200">
+                <a:solidFill>
+                  <a:schemeClr val="tx1"/>
+                </a:solidFill>
+                <a:latin typeface="+mn-lt"/>
+                <a:ea typeface="+mn-ea"/>
+                <a:cs typeface="+mn-cs"/>
+              </a:defRPr>
+            </a:lvl5pPr>
+            <a:lvl6pPr marL="2286000" indent="0" algn="ctr" defTabSz="914400" rtl="0" eaLnBrk="1" latinLnBrk="0" hangingPunct="1">
+              <a:lnSpc>
+                <a:spcPct val="90000"/>
+              </a:lnSpc>
+              <a:spcBef>
+                <a:spcPts val="500"/>
+              </a:spcBef>
+              <a:buFont typeface="Arial" panose="020B0604020202020204" pitchFamily="34" charset="0"/>
+              <a:buNone/>
+              <a:defRPr sz="1600" kern="1200">
+                <a:solidFill>
+                  <a:schemeClr val="tx1"/>
+                </a:solidFill>
+                <a:latin typeface="+mn-lt"/>
+                <a:ea typeface="+mn-ea"/>
+                <a:cs typeface="+mn-cs"/>
+              </a:defRPr>
+            </a:lvl6pPr>
+            <a:lvl7pPr marL="2743200" indent="0" algn="ctr" defTabSz="914400" rtl="0" eaLnBrk="1" latinLnBrk="0" hangingPunct="1">
+              <a:lnSpc>
+                <a:spcPct val="90000"/>
+              </a:lnSpc>
+              <a:spcBef>
+                <a:spcPts val="500"/>
+              </a:spcBef>
+              <a:buFont typeface="Arial" panose="020B0604020202020204" pitchFamily="34" charset="0"/>
+              <a:buNone/>
+              <a:defRPr sz="1600" kern="1200">
+                <a:solidFill>
+                  <a:schemeClr val="tx1"/>
+                </a:solidFill>
+                <a:latin typeface="+mn-lt"/>
+                <a:ea typeface="+mn-ea"/>
+                <a:cs typeface="+mn-cs"/>
+              </a:defRPr>
+            </a:lvl7pPr>
+            <a:lvl8pPr marL="3200400" indent="0" algn="ctr" defTabSz="914400" rtl="0" eaLnBrk="1" latinLnBrk="0" hangingPunct="1">
+              <a:lnSpc>
+                <a:spcPct val="90000"/>
+              </a:lnSpc>
+              <a:spcBef>
+                <a:spcPts val="500"/>
+              </a:spcBef>
+              <a:buFont typeface="Arial" panose="020B0604020202020204" pitchFamily="34" charset="0"/>
+              <a:buNone/>
+              <a:defRPr sz="1600" kern="1200">
+                <a:solidFill>
+                  <a:schemeClr val="tx1"/>
+                </a:solidFill>
+                <a:latin typeface="+mn-lt"/>
+                <a:ea typeface="+mn-ea"/>
+                <a:cs typeface="+mn-cs"/>
+              </a:defRPr>
+            </a:lvl8pPr>
+            <a:lvl9pPr marL="3657600" indent="0" algn="ctr" defTabSz="914400" rtl="0" eaLnBrk="1" latinLnBrk="0" hangingPunct="1">
+              <a:lnSpc>
+                <a:spcPct val="90000"/>
+              </a:lnSpc>
+              <a:spcBef>
+                <a:spcPts val="500"/>
+              </a:spcBef>
+              <a:buFont typeface="Arial" panose="020B0604020202020204" pitchFamily="34" charset="0"/>
+              <a:buNone/>
+              <a:defRPr sz="1600" kern="1200">
+                <a:solidFill>
+                  <a:schemeClr val="tx1"/>
+                </a:solidFill>
+                <a:latin typeface="+mn-lt"/>
+                <a:ea typeface="+mn-ea"/>
+                <a:cs typeface="+mn-cs"/>
+              </a:defRPr>
+            </a:lvl9pPr>
+          </a:lstStyle>
+          <a:p>
+            <a:r>
+              <a:rPr lang="en-US" b="1" dirty="0"/>
+              <a:t>Predicted</a:t>
+            </a:r>
+          </a:p>
+        </p:txBody>
+      </p:sp>
+      <p:sp>
+        <p:nvSpPr>
+          <p:cNvPr id="12" name="Subtitle 5">
+            <a:extLst>
+              <a:ext uri="{FF2B5EF4-FFF2-40B4-BE49-F238E27FC236}">
+                <a16:creationId xmlns:a16="http://schemas.microsoft.com/office/drawing/2014/main" id="{29549D1E-41EB-437E-9A32-AA14882E133F}"/>
+              </a:ext>
+            </a:extLst>
+          </p:cNvPr>
+          <p:cNvSpPr txBox="1">
+            <a:spLocks/>
+          </p:cNvSpPr>
+          <p:nvPr/>
+        </p:nvSpPr>
+        <p:spPr>
+          <a:xfrm rot="16200000">
+            <a:off x="3656083" y="3384662"/>
+            <a:ext cx="5447252" cy="381616"/>
+          </a:xfrm>
+          <a:prstGeom prst="rect">
+            <a:avLst/>
+          </a:prstGeom>
+        </p:spPr>
+        <p:txBody>
+          <a:bodyPr vert="horz" lIns="91440" tIns="45720" rIns="91440" bIns="45720" rtlCol="0">
+            <a:normAutofit fontScale="92500" lnSpcReduction="10000"/>
+          </a:bodyPr>
+          <a:lstStyle>
+            <a:lvl1pPr marL="0" indent="0" algn="ctr" defTabSz="914400" rtl="0" eaLnBrk="1" latinLnBrk="0" hangingPunct="1">
+              <a:lnSpc>
+                <a:spcPct val="90000"/>
+              </a:lnSpc>
+              <a:spcBef>
+                <a:spcPts val="1000"/>
+              </a:spcBef>
+              <a:buFont typeface="Arial" panose="020B0604020202020204" pitchFamily="34" charset="0"/>
+              <a:buNone/>
+              <a:defRPr sz="2400" kern="1200">
+                <a:solidFill>
+                  <a:schemeClr val="tx1"/>
+                </a:solidFill>
+                <a:latin typeface="+mn-lt"/>
+                <a:ea typeface="+mn-ea"/>
+                <a:cs typeface="+mn-cs"/>
+              </a:defRPr>
+            </a:lvl1pPr>
+            <a:lvl2pPr marL="457200" indent="0" algn="ctr" defTabSz="914400" rtl="0" eaLnBrk="1" latinLnBrk="0" hangingPunct="1">
+              <a:lnSpc>
+                <a:spcPct val="90000"/>
+              </a:lnSpc>
+              <a:spcBef>
+                <a:spcPts val="500"/>
+              </a:spcBef>
+              <a:buFont typeface="Arial" panose="020B0604020202020204" pitchFamily="34" charset="0"/>
+              <a:buNone/>
+              <a:defRPr sz="2000" kern="1200">
+                <a:solidFill>
+                  <a:schemeClr val="tx1"/>
+                </a:solidFill>
+                <a:latin typeface="+mn-lt"/>
+                <a:ea typeface="+mn-ea"/>
+                <a:cs typeface="+mn-cs"/>
+              </a:defRPr>
+            </a:lvl2pPr>
+            <a:lvl3pPr marL="914400" indent="0" algn="ctr" defTabSz="914400" rtl="0" eaLnBrk="1" latinLnBrk="0" hangingPunct="1">
+              <a:lnSpc>
+                <a:spcPct val="90000"/>
+              </a:lnSpc>
+              <a:spcBef>
+                <a:spcPts val="500"/>
+              </a:spcBef>
+              <a:buFont typeface="Arial" panose="020B0604020202020204" pitchFamily="34" charset="0"/>
+              <a:buNone/>
+              <a:defRPr sz="1800" kern="1200">
+                <a:solidFill>
+                  <a:schemeClr val="tx1"/>
+                </a:solidFill>
+                <a:latin typeface="+mn-lt"/>
+                <a:ea typeface="+mn-ea"/>
+                <a:cs typeface="+mn-cs"/>
+              </a:defRPr>
+            </a:lvl3pPr>
+            <a:lvl4pPr marL="1371600" indent="0" algn="ctr" defTabSz="914400" rtl="0" eaLnBrk="1" latinLnBrk="0" hangingPunct="1">
+              <a:lnSpc>
+                <a:spcPct val="90000"/>
+              </a:lnSpc>
+              <a:spcBef>
+                <a:spcPts val="500"/>
+              </a:spcBef>
+              <a:buFont typeface="Arial" panose="020B0604020202020204" pitchFamily="34" charset="0"/>
+              <a:buNone/>
+              <a:defRPr sz="1600" kern="1200">
+                <a:solidFill>
+                  <a:schemeClr val="tx1"/>
+                </a:solidFill>
+                <a:latin typeface="+mn-lt"/>
+                <a:ea typeface="+mn-ea"/>
+                <a:cs typeface="+mn-cs"/>
+              </a:defRPr>
+            </a:lvl4pPr>
+            <a:lvl5pPr marL="1828800" indent="0" algn="ctr" defTabSz="914400" rtl="0" eaLnBrk="1" latinLnBrk="0" hangingPunct="1">
+              <a:lnSpc>
+                <a:spcPct val="90000"/>
+              </a:lnSpc>
+              <a:spcBef>
+                <a:spcPts val="500"/>
+              </a:spcBef>
+              <a:buFont typeface="Arial" panose="020B0604020202020204" pitchFamily="34" charset="0"/>
+              <a:buNone/>
+              <a:defRPr sz="1600" kern="1200">
+                <a:solidFill>
+                  <a:schemeClr val="tx1"/>
+                </a:solidFill>
+                <a:latin typeface="+mn-lt"/>
+                <a:ea typeface="+mn-ea"/>
+                <a:cs typeface="+mn-cs"/>
+              </a:defRPr>
+            </a:lvl5pPr>
+            <a:lvl6pPr marL="2286000" indent="0" algn="ctr" defTabSz="914400" rtl="0" eaLnBrk="1" latinLnBrk="0" hangingPunct="1">
+              <a:lnSpc>
+                <a:spcPct val="90000"/>
+              </a:lnSpc>
+              <a:spcBef>
+                <a:spcPts val="500"/>
+              </a:spcBef>
+              <a:buFont typeface="Arial" panose="020B0604020202020204" pitchFamily="34" charset="0"/>
+              <a:buNone/>
+              <a:defRPr sz="1600" kern="1200">
+                <a:solidFill>
+                  <a:schemeClr val="tx1"/>
+                </a:solidFill>
+                <a:latin typeface="+mn-lt"/>
+                <a:ea typeface="+mn-ea"/>
+                <a:cs typeface="+mn-cs"/>
+              </a:defRPr>
+            </a:lvl6pPr>
+            <a:lvl7pPr marL="2743200" indent="0" algn="ctr" defTabSz="914400" rtl="0" eaLnBrk="1" latinLnBrk="0" hangingPunct="1">
+              <a:lnSpc>
+                <a:spcPct val="90000"/>
+              </a:lnSpc>
+              <a:spcBef>
+                <a:spcPts val="500"/>
+              </a:spcBef>
+              <a:buFont typeface="Arial" panose="020B0604020202020204" pitchFamily="34" charset="0"/>
+              <a:buNone/>
+              <a:defRPr sz="1600" kern="1200">
+                <a:solidFill>
+                  <a:schemeClr val="tx1"/>
+                </a:solidFill>
+                <a:latin typeface="+mn-lt"/>
+                <a:ea typeface="+mn-ea"/>
+                <a:cs typeface="+mn-cs"/>
+              </a:defRPr>
+            </a:lvl7pPr>
+            <a:lvl8pPr marL="3200400" indent="0" algn="ctr" defTabSz="914400" rtl="0" eaLnBrk="1" latinLnBrk="0" hangingPunct="1">
+              <a:lnSpc>
+                <a:spcPct val="90000"/>
+              </a:lnSpc>
+              <a:spcBef>
+                <a:spcPts val="500"/>
+              </a:spcBef>
+              <a:buFont typeface="Arial" panose="020B0604020202020204" pitchFamily="34" charset="0"/>
+              <a:buNone/>
+              <a:defRPr sz="1600" kern="1200">
+                <a:solidFill>
+                  <a:schemeClr val="tx1"/>
+                </a:solidFill>
+                <a:latin typeface="+mn-lt"/>
+                <a:ea typeface="+mn-ea"/>
+                <a:cs typeface="+mn-cs"/>
+              </a:defRPr>
+            </a:lvl8pPr>
+            <a:lvl9pPr marL="3657600" indent="0" algn="ctr" defTabSz="914400" rtl="0" eaLnBrk="1" latinLnBrk="0" hangingPunct="1">
+              <a:lnSpc>
+                <a:spcPct val="90000"/>
+              </a:lnSpc>
+              <a:spcBef>
+                <a:spcPts val="500"/>
+              </a:spcBef>
+              <a:buFont typeface="Arial" panose="020B0604020202020204" pitchFamily="34" charset="0"/>
+              <a:buNone/>
+              <a:defRPr sz="1600" kern="1200">
+                <a:solidFill>
+                  <a:schemeClr val="tx1"/>
+                </a:solidFill>
+                <a:latin typeface="+mn-lt"/>
+                <a:ea typeface="+mn-ea"/>
+                <a:cs typeface="+mn-cs"/>
+              </a:defRPr>
+            </a:lvl9pPr>
+          </a:lstStyle>
+          <a:p>
+            <a:r>
+              <a:rPr lang="en-US" b="1" dirty="0"/>
+              <a:t>Actual</a:t>
+            </a:r>
+          </a:p>
+        </p:txBody>
+      </p:sp>
+      <p:sp>
+        <p:nvSpPr>
+          <p:cNvPr id="3" name="TextBox 2">
+            <a:extLst>
+              <a:ext uri="{FF2B5EF4-FFF2-40B4-BE49-F238E27FC236}">
+                <a16:creationId xmlns:a16="http://schemas.microsoft.com/office/drawing/2014/main" id="{708B75EF-25AF-4CF7-854C-B8B3B6900DB9}"/>
+              </a:ext>
+            </a:extLst>
+          </p:cNvPr>
+          <p:cNvSpPr txBox="1"/>
+          <p:nvPr/>
+        </p:nvSpPr>
+        <p:spPr>
+          <a:xfrm>
+            <a:off x="1331089" y="4166115"/>
+            <a:ext cx="3449255" cy="923330"/>
+          </a:xfrm>
+          <a:prstGeom prst="rect">
+            <a:avLst/>
+          </a:prstGeom>
+          <a:noFill/>
+        </p:spPr>
+        <p:txBody>
+          <a:bodyPr wrap="square" rtlCol="0">
+            <a:spAutoFit/>
+          </a:bodyPr>
+          <a:lstStyle/>
+          <a:p>
+            <a:pPr algn="r" rtl="1"/>
+            <a:r>
+              <a:rPr lang="he-IL" dirty="0"/>
+              <a:t>דיוק של אישה :</a:t>
+            </a:r>
+            <a:r>
+              <a:rPr lang="en-US" dirty="0"/>
+              <a:t> </a:t>
+            </a:r>
+            <a:r>
+              <a:rPr lang="he-IL" dirty="0"/>
+              <a:t> 64.5%</a:t>
+            </a:r>
+          </a:p>
+          <a:p>
+            <a:pPr algn="r" rtl="1"/>
+            <a:r>
+              <a:rPr lang="he-IL" dirty="0"/>
+              <a:t>דיוק של גבר    : </a:t>
+            </a:r>
+            <a:r>
+              <a:rPr lang="en-US" dirty="0"/>
+              <a:t>65.2%</a:t>
+            </a:r>
+          </a:p>
+          <a:p>
+            <a:pPr algn="r" rtl="1"/>
+            <a:r>
+              <a:rPr lang="he-IL" b="1" dirty="0"/>
+              <a:t>ממוצע דיוקיים : </a:t>
+            </a:r>
+            <a:r>
+              <a:rPr lang="en-US" b="1" dirty="0"/>
+              <a:t>64.8%</a:t>
+            </a:r>
+            <a:r>
+              <a:rPr lang="he-IL" b="1" dirty="0"/>
+              <a:t> </a:t>
+            </a:r>
+            <a:endParaRPr lang="en-US" b="1" dirty="0"/>
+          </a:p>
+        </p:txBody>
+      </p:sp>
     </p:spTree>
     <p:extLst>
       <p:ext uri="{BB962C8B-B14F-4D97-AF65-F5344CB8AC3E}">
-        <p14:creationId xmlns:p14="http://schemas.microsoft.com/office/powerpoint/2010/main" val="2988303882"/>
+        <p14:creationId xmlns:p14="http://schemas.microsoft.com/office/powerpoint/2010/main" val="4229063369"/>
       </p:ext>
     </p:extLst>
   </p:cSld>
@@ -4961,7 +6205,7 @@
 </p:sld>
 </file>
 
-<file path=ppt/slides/slide5.xml><?xml version="1.0" encoding="utf-8"?>
+<file path=ppt/slides/slide15.xml><?xml version="1.0" encoding="utf-8"?>
 <p:sld xmlns:a="http://schemas.openxmlformats.org/drawingml/2006/main" xmlns:r="http://schemas.openxmlformats.org/officeDocument/2006/relationships" xmlns:p="http://schemas.openxmlformats.org/presentationml/2006/main">
   <p:cSld>
     <p:spTree>
@@ -4978,155 +6222,74 @@
           <a:chExt cx="0" cy="0"/>
         </a:xfrm>
       </p:grpSpPr>
-      <p:sp>
-        <p:nvSpPr>
-          <p:cNvPr id="2" name="Title 1">
-            <a:extLst>
-              <a:ext uri="{FF2B5EF4-FFF2-40B4-BE49-F238E27FC236}">
-                <a16:creationId xmlns:a16="http://schemas.microsoft.com/office/drawing/2014/main" id="{C4EA381F-35B1-421B-AE02-BE02ECBF786C}"/>
-              </a:ext>
-            </a:extLst>
-          </p:cNvPr>
-          <p:cNvSpPr>
-            <a:spLocks noGrp="1"/>
-          </p:cNvSpPr>
-          <p:nvPr>
-            <p:ph type="ctrTitle"/>
-          </p:nvPr>
-        </p:nvSpPr>
+      <p:pic>
+        <p:nvPicPr>
+          <p:cNvPr id="8" name="Picture 7">
+            <a:extLst>
+              <a:ext uri="{FF2B5EF4-FFF2-40B4-BE49-F238E27FC236}">
+                <a16:creationId xmlns:a16="http://schemas.microsoft.com/office/drawing/2014/main" id="{2886E597-7495-4683-8D7A-6DDBDF90DF2D}"/>
+              </a:ext>
+            </a:extLst>
+          </p:cNvPr>
+          <p:cNvPicPr>
+            <a:picLocks noChangeAspect="1"/>
+          </p:cNvPicPr>
+          <p:nvPr/>
+        </p:nvPicPr>
+        <p:blipFill>
+          <a:blip r:embed="rId2">
+            <a:extLst>
+              <a:ext uri="{28A0092B-C50C-407E-A947-70E740481C1C}">
+                <a14:useLocalDpi xmlns:a14="http://schemas.microsoft.com/office/drawing/2010/main" val="0"/>
+              </a:ext>
+            </a:extLst>
+          </a:blip>
+          <a:stretch>
+            <a:fillRect/>
+          </a:stretch>
+        </p:blipFill>
         <p:spPr>
           <a:xfrm>
-            <a:off x="5497033" y="627968"/>
-            <a:ext cx="5526567" cy="871537"/>
+            <a:off x="5346024" y="1142681"/>
+            <a:ext cx="6096851" cy="4572638"/>
+          </a:xfrm>
+          <a:prstGeom prst="rect">
+            <a:avLst/>
+          </a:prstGeom>
+        </p:spPr>
+      </p:pic>
+      <p:sp>
+        <p:nvSpPr>
+          <p:cNvPr id="2" name="Title 1">
+            <a:extLst>
+              <a:ext uri="{FF2B5EF4-FFF2-40B4-BE49-F238E27FC236}">
+                <a16:creationId xmlns:a16="http://schemas.microsoft.com/office/drawing/2014/main" id="{A4E5F78B-3C7F-40F7-9FB5-E9B5F341CC13}"/>
+              </a:ext>
+            </a:extLst>
+          </p:cNvPr>
+          <p:cNvSpPr>
+            <a:spLocks noGrp="1"/>
+          </p:cNvSpPr>
+          <p:nvPr>
+            <p:ph type="ctrTitle"/>
+          </p:nvPr>
+        </p:nvSpPr>
+        <p:spPr>
+          <a:xfrm>
+            <a:off x="1955800" y="602568"/>
+            <a:ext cx="9144000" cy="922337"/>
           </a:xfrm>
         </p:spPr>
         <p:txBody>
-          <a:bodyPr>
-            <a:normAutofit fontScale="90000"/>
-          </a:bodyPr>
+          <a:bodyPr/>
           <a:lstStyle/>
           <a:p>
             <a:pPr algn="r" rtl="1"/>
             <a:r>
-              <a:rPr lang="en-US" dirty="0"/>
-              <a:t>String to Vector</a:t>
-            </a:r>
-          </a:p>
-        </p:txBody>
-      </p:sp>
-      <p:sp>
-        <p:nvSpPr>
-          <p:cNvPr id="3" name="Content Placeholder 2">
-            <a:extLst>
-              <a:ext uri="{FF2B5EF4-FFF2-40B4-BE49-F238E27FC236}">
-                <a16:creationId xmlns:a16="http://schemas.microsoft.com/office/drawing/2014/main" id="{4DD41BB0-8090-4388-9615-1952218E4D68}"/>
-              </a:ext>
-            </a:extLst>
-          </p:cNvPr>
-          <p:cNvSpPr>
-            <a:spLocks noGrp="1"/>
-          </p:cNvSpPr>
-          <p:nvPr>
-            <p:ph type="subTitle" idx="1"/>
-          </p:nvPr>
-        </p:nvSpPr>
-        <p:spPr>
-          <a:xfrm>
-            <a:off x="388475" y="1595184"/>
-            <a:ext cx="11293088" cy="4337732"/>
-          </a:xfrm>
-        </p:spPr>
-        <p:txBody>
-          <a:bodyPr>
-            <a:normAutofit/>
-          </a:bodyPr>
-          <a:lstStyle/>
-          <a:p>
-            <a:pPr algn="r" rtl="1"/>
-            <a:r>
               <a:rPr lang="he-IL" dirty="0"/>
-              <a:t>מעבר של יצוג המידע מ-</a:t>
-            </a:r>
-            <a:r>
-              <a:rPr lang="en-US" dirty="0"/>
-              <a:t>String</a:t>
-            </a:r>
-            <a:r>
-              <a:rPr lang="he-IL" dirty="0"/>
-              <a:t> ל-</a:t>
-            </a:r>
-            <a:r>
-              <a:rPr lang="en-US" dirty="0"/>
-              <a:t>Vector</a:t>
-            </a:r>
-            <a:endParaRPr lang="he-IL" dirty="0"/>
-          </a:p>
-          <a:p>
-            <a:pPr algn="r" rtl="1"/>
-            <a:r>
-              <a:rPr lang="he-IL" dirty="0"/>
-              <a:t>המודלים שהתמשנו עובדים עם מידע בצורה של </a:t>
-            </a:r>
-            <a:r>
-              <a:rPr lang="en-US" dirty="0"/>
-              <a:t>Vector</a:t>
-            </a:r>
-            <a:r>
-              <a:rPr lang="he-IL" dirty="0"/>
-              <a:t> או </a:t>
-            </a:r>
-            <a:r>
-              <a:rPr lang="en-US" dirty="0"/>
-              <a:t>Sparse Matrix</a:t>
-            </a:r>
-            <a:endParaRPr lang="he-IL" dirty="0"/>
-          </a:p>
-          <a:p>
-            <a:pPr algn="r" rtl="1"/>
-            <a:r>
-              <a:rPr lang="he-IL" dirty="0"/>
-              <a:t>השתמשנו בשני סוגים של חבילות לטובת המעבר: </a:t>
-            </a:r>
-            <a:r>
-              <a:rPr lang="en-US" dirty="0"/>
-              <a:t>Count Vector</a:t>
-            </a:r>
-            <a:r>
-              <a:rPr lang="he-IL" dirty="0"/>
-              <a:t> ו-</a:t>
-            </a:r>
-            <a:r>
-              <a:rPr lang="en-US" dirty="0"/>
-              <a:t>FT-IDF</a:t>
-            </a:r>
-            <a:endParaRPr lang="he-IL" dirty="0"/>
-          </a:p>
-          <a:p>
-            <a:pPr algn="r" rtl="1"/>
-            <a:r>
-              <a:rPr lang="he-IL" dirty="0"/>
-              <a:t>שני המודלים די זהים אך השינוי המרכזי ש-</a:t>
-            </a:r>
-            <a:r>
-              <a:rPr lang="en-US" dirty="0"/>
-              <a:t>FT-IDF</a:t>
-            </a:r>
-            <a:r>
-              <a:rPr lang="he-IL" dirty="0"/>
-              <a:t> יודע לנרמל</a:t>
-            </a:r>
-            <a:r>
-              <a:rPr lang="en-US" dirty="0"/>
-              <a:t>    (normalize)</a:t>
-            </a:r>
-            <a:r>
-              <a:rPr lang="he-IL" dirty="0"/>
-              <a:t>, המידע מורכב מ-1000 וקטורים (ניתן לשינוי) שהם המילים עם המשקל הגבוה ביותר (אלה שחזרו הכי הרבה פעמים)</a:t>
-            </a:r>
-          </a:p>
-          <a:p>
-            <a:pPr algn="r" rtl="1"/>
-            <a:endParaRPr lang="he-IL" dirty="0"/>
+              <a:t>תוצאות בצורה גרפית</a:t>
+            </a:r>
+            <a:endParaRPr lang="en-US" dirty="0"/>
           </a:p>
         </p:txBody>
       </p:sp>
@@ -5135,7 +6298,7 @@
           <p:cNvPr id="4" name="Isosceles Triangle 3">
             <a:extLst>
               <a:ext uri="{FF2B5EF4-FFF2-40B4-BE49-F238E27FC236}">
-                <a16:creationId xmlns:a16="http://schemas.microsoft.com/office/drawing/2014/main" id="{04289875-F08A-4EBB-AC0E-AF7947C2A464}"/>
+                <a16:creationId xmlns:a16="http://schemas.microsoft.com/office/drawing/2014/main" id="{2BF0BEC7-7921-4EFE-AA13-5D834EE4538A}"/>
               </a:ext>
             </a:extLst>
           </p:cNvPr>
@@ -5182,6 +6345,2714 @@
           </a:p>
         </p:txBody>
       </p:sp>
+      <p:sp>
+        <p:nvSpPr>
+          <p:cNvPr id="6" name="Subtitle 5">
+            <a:extLst>
+              <a:ext uri="{FF2B5EF4-FFF2-40B4-BE49-F238E27FC236}">
+                <a16:creationId xmlns:a16="http://schemas.microsoft.com/office/drawing/2014/main" id="{989BF6EE-2087-4A05-B971-268375A12987}"/>
+              </a:ext>
+            </a:extLst>
+          </p:cNvPr>
+          <p:cNvSpPr>
+            <a:spLocks noGrp="1"/>
+          </p:cNvSpPr>
+          <p:nvPr>
+            <p:ph type="subTitle" idx="1"/>
+          </p:nvPr>
+        </p:nvSpPr>
+        <p:spPr>
+          <a:xfrm>
+            <a:off x="-14213" y="2601119"/>
+            <a:ext cx="5447252" cy="1655762"/>
+          </a:xfrm>
+        </p:spPr>
+        <p:txBody>
+          <a:bodyPr/>
+          <a:lstStyle/>
+          <a:p>
+            <a:r>
+              <a:rPr lang="en-US" dirty="0"/>
+              <a:t>Random Forest Classifier</a:t>
+            </a:r>
+          </a:p>
+          <a:p>
+            <a:r>
+              <a:rPr lang="en-US" dirty="0"/>
+              <a:t>  Count vector </a:t>
+            </a:r>
+            <a:r>
+              <a:rPr lang="en-US" b="1" dirty="0"/>
+              <a:t>with</a:t>
+            </a:r>
+            <a:r>
+              <a:rPr lang="en-US" dirty="0"/>
+              <a:t> English stop words</a:t>
+            </a:r>
+          </a:p>
+        </p:txBody>
+      </p:sp>
+      <p:sp>
+        <p:nvSpPr>
+          <p:cNvPr id="3" name="TextBox 2">
+            <a:extLst>
+              <a:ext uri="{FF2B5EF4-FFF2-40B4-BE49-F238E27FC236}">
+                <a16:creationId xmlns:a16="http://schemas.microsoft.com/office/drawing/2014/main" id="{D6EA0705-18B1-496F-8356-4255070CFE15}"/>
+              </a:ext>
+            </a:extLst>
+          </p:cNvPr>
+          <p:cNvSpPr txBox="1"/>
+          <p:nvPr/>
+        </p:nvSpPr>
+        <p:spPr>
+          <a:xfrm>
+            <a:off x="8861777" y="3646311"/>
+            <a:ext cx="1433690" cy="369332"/>
+          </a:xfrm>
+          <a:prstGeom prst="rect">
+            <a:avLst/>
+          </a:prstGeom>
+          <a:noFill/>
+        </p:spPr>
+        <p:txBody>
+          <a:bodyPr wrap="square" rtlCol="0">
+            <a:spAutoFit/>
+          </a:bodyPr>
+          <a:lstStyle/>
+          <a:p>
+            <a:r>
+              <a:rPr lang="en-US" b="1" dirty="0"/>
+              <a:t>True positive</a:t>
+            </a:r>
+          </a:p>
+        </p:txBody>
+      </p:sp>
+      <p:sp>
+        <p:nvSpPr>
+          <p:cNvPr id="7" name="TextBox 6">
+            <a:extLst>
+              <a:ext uri="{FF2B5EF4-FFF2-40B4-BE49-F238E27FC236}">
+                <a16:creationId xmlns:a16="http://schemas.microsoft.com/office/drawing/2014/main" id="{544D029E-7F4F-41B8-BDAE-4589D48A2702}"/>
+              </a:ext>
+            </a:extLst>
+          </p:cNvPr>
+          <p:cNvSpPr txBox="1"/>
+          <p:nvPr/>
+        </p:nvSpPr>
+        <p:spPr>
+          <a:xfrm>
+            <a:off x="8957732" y="1984545"/>
+            <a:ext cx="1608668" cy="369332"/>
+          </a:xfrm>
+          <a:prstGeom prst="rect">
+            <a:avLst/>
+          </a:prstGeom>
+          <a:noFill/>
+        </p:spPr>
+        <p:txBody>
+          <a:bodyPr wrap="square" rtlCol="0">
+            <a:spAutoFit/>
+          </a:bodyPr>
+          <a:lstStyle/>
+          <a:p>
+            <a:r>
+              <a:rPr lang="en-US" b="1" dirty="0"/>
+              <a:t>False positive</a:t>
+            </a:r>
+          </a:p>
+        </p:txBody>
+      </p:sp>
+      <p:sp>
+        <p:nvSpPr>
+          <p:cNvPr id="9" name="TextBox 8">
+            <a:extLst>
+              <a:ext uri="{FF2B5EF4-FFF2-40B4-BE49-F238E27FC236}">
+                <a16:creationId xmlns:a16="http://schemas.microsoft.com/office/drawing/2014/main" id="{41340AEF-D0EE-4A1B-9B7D-72F3AF326A57}"/>
+              </a:ext>
+            </a:extLst>
+          </p:cNvPr>
+          <p:cNvSpPr txBox="1"/>
+          <p:nvPr/>
+        </p:nvSpPr>
+        <p:spPr>
+          <a:xfrm>
+            <a:off x="6527800" y="1962111"/>
+            <a:ext cx="1608668" cy="369332"/>
+          </a:xfrm>
+          <a:prstGeom prst="rect">
+            <a:avLst/>
+          </a:prstGeom>
+          <a:noFill/>
+        </p:spPr>
+        <p:txBody>
+          <a:bodyPr wrap="square" rtlCol="0">
+            <a:spAutoFit/>
+          </a:bodyPr>
+          <a:lstStyle/>
+          <a:p>
+            <a:r>
+              <a:rPr lang="en-US" b="1" dirty="0"/>
+              <a:t>True Negative</a:t>
+            </a:r>
+          </a:p>
+        </p:txBody>
+      </p:sp>
+      <p:sp>
+        <p:nvSpPr>
+          <p:cNvPr id="10" name="TextBox 9">
+            <a:extLst>
+              <a:ext uri="{FF2B5EF4-FFF2-40B4-BE49-F238E27FC236}">
+                <a16:creationId xmlns:a16="http://schemas.microsoft.com/office/drawing/2014/main" id="{0C59998E-E64F-4A3A-A16B-BC74CAF0F42F}"/>
+              </a:ext>
+            </a:extLst>
+          </p:cNvPr>
+          <p:cNvSpPr txBox="1"/>
+          <p:nvPr/>
+        </p:nvSpPr>
+        <p:spPr>
+          <a:xfrm>
+            <a:off x="6428653" y="3646311"/>
+            <a:ext cx="1608668" cy="369332"/>
+          </a:xfrm>
+          <a:prstGeom prst="rect">
+            <a:avLst/>
+          </a:prstGeom>
+          <a:noFill/>
+        </p:spPr>
+        <p:txBody>
+          <a:bodyPr wrap="square" rtlCol="0">
+            <a:spAutoFit/>
+          </a:bodyPr>
+          <a:lstStyle/>
+          <a:p>
+            <a:r>
+              <a:rPr lang="en-US" b="1" dirty="0"/>
+              <a:t>False Negative</a:t>
+            </a:r>
+          </a:p>
+        </p:txBody>
+      </p:sp>
+      <p:sp>
+        <p:nvSpPr>
+          <p:cNvPr id="11" name="Subtitle 5">
+            <a:extLst>
+              <a:ext uri="{FF2B5EF4-FFF2-40B4-BE49-F238E27FC236}">
+                <a16:creationId xmlns:a16="http://schemas.microsoft.com/office/drawing/2014/main" id="{87E24FEC-C711-4925-A201-C5392F1A5E9D}"/>
+              </a:ext>
+            </a:extLst>
+          </p:cNvPr>
+          <p:cNvSpPr txBox="1">
+            <a:spLocks/>
+          </p:cNvSpPr>
+          <p:nvPr/>
+        </p:nvSpPr>
+        <p:spPr>
+          <a:xfrm>
+            <a:off x="5749846" y="5229280"/>
+            <a:ext cx="5447252" cy="381616"/>
+          </a:xfrm>
+          <a:prstGeom prst="rect">
+            <a:avLst/>
+          </a:prstGeom>
+        </p:spPr>
+        <p:txBody>
+          <a:bodyPr vert="horz" lIns="91440" tIns="45720" rIns="91440" bIns="45720" rtlCol="0">
+            <a:normAutofit fontScale="92500" lnSpcReduction="10000"/>
+          </a:bodyPr>
+          <a:lstStyle>
+            <a:lvl1pPr marL="0" indent="0" algn="ctr" defTabSz="914400" rtl="0" eaLnBrk="1" latinLnBrk="0" hangingPunct="1">
+              <a:lnSpc>
+                <a:spcPct val="90000"/>
+              </a:lnSpc>
+              <a:spcBef>
+                <a:spcPts val="1000"/>
+              </a:spcBef>
+              <a:buFont typeface="Arial" panose="020B0604020202020204" pitchFamily="34" charset="0"/>
+              <a:buNone/>
+              <a:defRPr sz="2400" kern="1200">
+                <a:solidFill>
+                  <a:schemeClr val="tx1"/>
+                </a:solidFill>
+                <a:latin typeface="+mn-lt"/>
+                <a:ea typeface="+mn-ea"/>
+                <a:cs typeface="+mn-cs"/>
+              </a:defRPr>
+            </a:lvl1pPr>
+            <a:lvl2pPr marL="457200" indent="0" algn="ctr" defTabSz="914400" rtl="0" eaLnBrk="1" latinLnBrk="0" hangingPunct="1">
+              <a:lnSpc>
+                <a:spcPct val="90000"/>
+              </a:lnSpc>
+              <a:spcBef>
+                <a:spcPts val="500"/>
+              </a:spcBef>
+              <a:buFont typeface="Arial" panose="020B0604020202020204" pitchFamily="34" charset="0"/>
+              <a:buNone/>
+              <a:defRPr sz="2000" kern="1200">
+                <a:solidFill>
+                  <a:schemeClr val="tx1"/>
+                </a:solidFill>
+                <a:latin typeface="+mn-lt"/>
+                <a:ea typeface="+mn-ea"/>
+                <a:cs typeface="+mn-cs"/>
+              </a:defRPr>
+            </a:lvl2pPr>
+            <a:lvl3pPr marL="914400" indent="0" algn="ctr" defTabSz="914400" rtl="0" eaLnBrk="1" latinLnBrk="0" hangingPunct="1">
+              <a:lnSpc>
+                <a:spcPct val="90000"/>
+              </a:lnSpc>
+              <a:spcBef>
+                <a:spcPts val="500"/>
+              </a:spcBef>
+              <a:buFont typeface="Arial" panose="020B0604020202020204" pitchFamily="34" charset="0"/>
+              <a:buNone/>
+              <a:defRPr sz="1800" kern="1200">
+                <a:solidFill>
+                  <a:schemeClr val="tx1"/>
+                </a:solidFill>
+                <a:latin typeface="+mn-lt"/>
+                <a:ea typeface="+mn-ea"/>
+                <a:cs typeface="+mn-cs"/>
+              </a:defRPr>
+            </a:lvl3pPr>
+            <a:lvl4pPr marL="1371600" indent="0" algn="ctr" defTabSz="914400" rtl="0" eaLnBrk="1" latinLnBrk="0" hangingPunct="1">
+              <a:lnSpc>
+                <a:spcPct val="90000"/>
+              </a:lnSpc>
+              <a:spcBef>
+                <a:spcPts val="500"/>
+              </a:spcBef>
+              <a:buFont typeface="Arial" panose="020B0604020202020204" pitchFamily="34" charset="0"/>
+              <a:buNone/>
+              <a:defRPr sz="1600" kern="1200">
+                <a:solidFill>
+                  <a:schemeClr val="tx1"/>
+                </a:solidFill>
+                <a:latin typeface="+mn-lt"/>
+                <a:ea typeface="+mn-ea"/>
+                <a:cs typeface="+mn-cs"/>
+              </a:defRPr>
+            </a:lvl4pPr>
+            <a:lvl5pPr marL="1828800" indent="0" algn="ctr" defTabSz="914400" rtl="0" eaLnBrk="1" latinLnBrk="0" hangingPunct="1">
+              <a:lnSpc>
+                <a:spcPct val="90000"/>
+              </a:lnSpc>
+              <a:spcBef>
+                <a:spcPts val="500"/>
+              </a:spcBef>
+              <a:buFont typeface="Arial" panose="020B0604020202020204" pitchFamily="34" charset="0"/>
+              <a:buNone/>
+              <a:defRPr sz="1600" kern="1200">
+                <a:solidFill>
+                  <a:schemeClr val="tx1"/>
+                </a:solidFill>
+                <a:latin typeface="+mn-lt"/>
+                <a:ea typeface="+mn-ea"/>
+                <a:cs typeface="+mn-cs"/>
+              </a:defRPr>
+            </a:lvl5pPr>
+            <a:lvl6pPr marL="2286000" indent="0" algn="ctr" defTabSz="914400" rtl="0" eaLnBrk="1" latinLnBrk="0" hangingPunct="1">
+              <a:lnSpc>
+                <a:spcPct val="90000"/>
+              </a:lnSpc>
+              <a:spcBef>
+                <a:spcPts val="500"/>
+              </a:spcBef>
+              <a:buFont typeface="Arial" panose="020B0604020202020204" pitchFamily="34" charset="0"/>
+              <a:buNone/>
+              <a:defRPr sz="1600" kern="1200">
+                <a:solidFill>
+                  <a:schemeClr val="tx1"/>
+                </a:solidFill>
+                <a:latin typeface="+mn-lt"/>
+                <a:ea typeface="+mn-ea"/>
+                <a:cs typeface="+mn-cs"/>
+              </a:defRPr>
+            </a:lvl6pPr>
+            <a:lvl7pPr marL="2743200" indent="0" algn="ctr" defTabSz="914400" rtl="0" eaLnBrk="1" latinLnBrk="0" hangingPunct="1">
+              <a:lnSpc>
+                <a:spcPct val="90000"/>
+              </a:lnSpc>
+              <a:spcBef>
+                <a:spcPts val="500"/>
+              </a:spcBef>
+              <a:buFont typeface="Arial" panose="020B0604020202020204" pitchFamily="34" charset="0"/>
+              <a:buNone/>
+              <a:defRPr sz="1600" kern="1200">
+                <a:solidFill>
+                  <a:schemeClr val="tx1"/>
+                </a:solidFill>
+                <a:latin typeface="+mn-lt"/>
+                <a:ea typeface="+mn-ea"/>
+                <a:cs typeface="+mn-cs"/>
+              </a:defRPr>
+            </a:lvl7pPr>
+            <a:lvl8pPr marL="3200400" indent="0" algn="ctr" defTabSz="914400" rtl="0" eaLnBrk="1" latinLnBrk="0" hangingPunct="1">
+              <a:lnSpc>
+                <a:spcPct val="90000"/>
+              </a:lnSpc>
+              <a:spcBef>
+                <a:spcPts val="500"/>
+              </a:spcBef>
+              <a:buFont typeface="Arial" panose="020B0604020202020204" pitchFamily="34" charset="0"/>
+              <a:buNone/>
+              <a:defRPr sz="1600" kern="1200">
+                <a:solidFill>
+                  <a:schemeClr val="tx1"/>
+                </a:solidFill>
+                <a:latin typeface="+mn-lt"/>
+                <a:ea typeface="+mn-ea"/>
+                <a:cs typeface="+mn-cs"/>
+              </a:defRPr>
+            </a:lvl8pPr>
+            <a:lvl9pPr marL="3657600" indent="0" algn="ctr" defTabSz="914400" rtl="0" eaLnBrk="1" latinLnBrk="0" hangingPunct="1">
+              <a:lnSpc>
+                <a:spcPct val="90000"/>
+              </a:lnSpc>
+              <a:spcBef>
+                <a:spcPts val="500"/>
+              </a:spcBef>
+              <a:buFont typeface="Arial" panose="020B0604020202020204" pitchFamily="34" charset="0"/>
+              <a:buNone/>
+              <a:defRPr sz="1600" kern="1200">
+                <a:solidFill>
+                  <a:schemeClr val="tx1"/>
+                </a:solidFill>
+                <a:latin typeface="+mn-lt"/>
+                <a:ea typeface="+mn-ea"/>
+                <a:cs typeface="+mn-cs"/>
+              </a:defRPr>
+            </a:lvl9pPr>
+          </a:lstStyle>
+          <a:p>
+            <a:r>
+              <a:rPr lang="en-US" b="1" dirty="0"/>
+              <a:t>Predicted</a:t>
+            </a:r>
+          </a:p>
+        </p:txBody>
+      </p:sp>
+      <p:sp>
+        <p:nvSpPr>
+          <p:cNvPr id="12" name="Subtitle 5">
+            <a:extLst>
+              <a:ext uri="{FF2B5EF4-FFF2-40B4-BE49-F238E27FC236}">
+                <a16:creationId xmlns:a16="http://schemas.microsoft.com/office/drawing/2014/main" id="{4A0B8874-BF2A-4A18-AEE0-47C45160077E}"/>
+              </a:ext>
+            </a:extLst>
+          </p:cNvPr>
+          <p:cNvSpPr txBox="1">
+            <a:spLocks/>
+          </p:cNvSpPr>
+          <p:nvPr/>
+        </p:nvSpPr>
+        <p:spPr>
+          <a:xfrm rot="16200000">
+            <a:off x="3274117" y="3234190"/>
+            <a:ext cx="5447252" cy="381616"/>
+          </a:xfrm>
+          <a:prstGeom prst="rect">
+            <a:avLst/>
+          </a:prstGeom>
+        </p:spPr>
+        <p:txBody>
+          <a:bodyPr vert="horz" lIns="91440" tIns="45720" rIns="91440" bIns="45720" rtlCol="0">
+            <a:normAutofit fontScale="92500" lnSpcReduction="10000"/>
+          </a:bodyPr>
+          <a:lstStyle>
+            <a:lvl1pPr marL="0" indent="0" algn="ctr" defTabSz="914400" rtl="0" eaLnBrk="1" latinLnBrk="0" hangingPunct="1">
+              <a:lnSpc>
+                <a:spcPct val="90000"/>
+              </a:lnSpc>
+              <a:spcBef>
+                <a:spcPts val="1000"/>
+              </a:spcBef>
+              <a:buFont typeface="Arial" panose="020B0604020202020204" pitchFamily="34" charset="0"/>
+              <a:buNone/>
+              <a:defRPr sz="2400" kern="1200">
+                <a:solidFill>
+                  <a:schemeClr val="tx1"/>
+                </a:solidFill>
+                <a:latin typeface="+mn-lt"/>
+                <a:ea typeface="+mn-ea"/>
+                <a:cs typeface="+mn-cs"/>
+              </a:defRPr>
+            </a:lvl1pPr>
+            <a:lvl2pPr marL="457200" indent="0" algn="ctr" defTabSz="914400" rtl="0" eaLnBrk="1" latinLnBrk="0" hangingPunct="1">
+              <a:lnSpc>
+                <a:spcPct val="90000"/>
+              </a:lnSpc>
+              <a:spcBef>
+                <a:spcPts val="500"/>
+              </a:spcBef>
+              <a:buFont typeface="Arial" panose="020B0604020202020204" pitchFamily="34" charset="0"/>
+              <a:buNone/>
+              <a:defRPr sz="2000" kern="1200">
+                <a:solidFill>
+                  <a:schemeClr val="tx1"/>
+                </a:solidFill>
+                <a:latin typeface="+mn-lt"/>
+                <a:ea typeface="+mn-ea"/>
+                <a:cs typeface="+mn-cs"/>
+              </a:defRPr>
+            </a:lvl2pPr>
+            <a:lvl3pPr marL="914400" indent="0" algn="ctr" defTabSz="914400" rtl="0" eaLnBrk="1" latinLnBrk="0" hangingPunct="1">
+              <a:lnSpc>
+                <a:spcPct val="90000"/>
+              </a:lnSpc>
+              <a:spcBef>
+                <a:spcPts val="500"/>
+              </a:spcBef>
+              <a:buFont typeface="Arial" panose="020B0604020202020204" pitchFamily="34" charset="0"/>
+              <a:buNone/>
+              <a:defRPr sz="1800" kern="1200">
+                <a:solidFill>
+                  <a:schemeClr val="tx1"/>
+                </a:solidFill>
+                <a:latin typeface="+mn-lt"/>
+                <a:ea typeface="+mn-ea"/>
+                <a:cs typeface="+mn-cs"/>
+              </a:defRPr>
+            </a:lvl3pPr>
+            <a:lvl4pPr marL="1371600" indent="0" algn="ctr" defTabSz="914400" rtl="0" eaLnBrk="1" latinLnBrk="0" hangingPunct="1">
+              <a:lnSpc>
+                <a:spcPct val="90000"/>
+              </a:lnSpc>
+              <a:spcBef>
+                <a:spcPts val="500"/>
+              </a:spcBef>
+              <a:buFont typeface="Arial" panose="020B0604020202020204" pitchFamily="34" charset="0"/>
+              <a:buNone/>
+              <a:defRPr sz="1600" kern="1200">
+                <a:solidFill>
+                  <a:schemeClr val="tx1"/>
+                </a:solidFill>
+                <a:latin typeface="+mn-lt"/>
+                <a:ea typeface="+mn-ea"/>
+                <a:cs typeface="+mn-cs"/>
+              </a:defRPr>
+            </a:lvl4pPr>
+            <a:lvl5pPr marL="1828800" indent="0" algn="ctr" defTabSz="914400" rtl="0" eaLnBrk="1" latinLnBrk="0" hangingPunct="1">
+              <a:lnSpc>
+                <a:spcPct val="90000"/>
+              </a:lnSpc>
+              <a:spcBef>
+                <a:spcPts val="500"/>
+              </a:spcBef>
+              <a:buFont typeface="Arial" panose="020B0604020202020204" pitchFamily="34" charset="0"/>
+              <a:buNone/>
+              <a:defRPr sz="1600" kern="1200">
+                <a:solidFill>
+                  <a:schemeClr val="tx1"/>
+                </a:solidFill>
+                <a:latin typeface="+mn-lt"/>
+                <a:ea typeface="+mn-ea"/>
+                <a:cs typeface="+mn-cs"/>
+              </a:defRPr>
+            </a:lvl5pPr>
+            <a:lvl6pPr marL="2286000" indent="0" algn="ctr" defTabSz="914400" rtl="0" eaLnBrk="1" latinLnBrk="0" hangingPunct="1">
+              <a:lnSpc>
+                <a:spcPct val="90000"/>
+              </a:lnSpc>
+              <a:spcBef>
+                <a:spcPts val="500"/>
+              </a:spcBef>
+              <a:buFont typeface="Arial" panose="020B0604020202020204" pitchFamily="34" charset="0"/>
+              <a:buNone/>
+              <a:defRPr sz="1600" kern="1200">
+                <a:solidFill>
+                  <a:schemeClr val="tx1"/>
+                </a:solidFill>
+                <a:latin typeface="+mn-lt"/>
+                <a:ea typeface="+mn-ea"/>
+                <a:cs typeface="+mn-cs"/>
+              </a:defRPr>
+            </a:lvl6pPr>
+            <a:lvl7pPr marL="2743200" indent="0" algn="ctr" defTabSz="914400" rtl="0" eaLnBrk="1" latinLnBrk="0" hangingPunct="1">
+              <a:lnSpc>
+                <a:spcPct val="90000"/>
+              </a:lnSpc>
+              <a:spcBef>
+                <a:spcPts val="500"/>
+              </a:spcBef>
+              <a:buFont typeface="Arial" panose="020B0604020202020204" pitchFamily="34" charset="0"/>
+              <a:buNone/>
+              <a:defRPr sz="1600" kern="1200">
+                <a:solidFill>
+                  <a:schemeClr val="tx1"/>
+                </a:solidFill>
+                <a:latin typeface="+mn-lt"/>
+                <a:ea typeface="+mn-ea"/>
+                <a:cs typeface="+mn-cs"/>
+              </a:defRPr>
+            </a:lvl7pPr>
+            <a:lvl8pPr marL="3200400" indent="0" algn="ctr" defTabSz="914400" rtl="0" eaLnBrk="1" latinLnBrk="0" hangingPunct="1">
+              <a:lnSpc>
+                <a:spcPct val="90000"/>
+              </a:lnSpc>
+              <a:spcBef>
+                <a:spcPts val="500"/>
+              </a:spcBef>
+              <a:buFont typeface="Arial" panose="020B0604020202020204" pitchFamily="34" charset="0"/>
+              <a:buNone/>
+              <a:defRPr sz="1600" kern="1200">
+                <a:solidFill>
+                  <a:schemeClr val="tx1"/>
+                </a:solidFill>
+                <a:latin typeface="+mn-lt"/>
+                <a:ea typeface="+mn-ea"/>
+                <a:cs typeface="+mn-cs"/>
+              </a:defRPr>
+            </a:lvl8pPr>
+            <a:lvl9pPr marL="3657600" indent="0" algn="ctr" defTabSz="914400" rtl="0" eaLnBrk="1" latinLnBrk="0" hangingPunct="1">
+              <a:lnSpc>
+                <a:spcPct val="90000"/>
+              </a:lnSpc>
+              <a:spcBef>
+                <a:spcPts val="500"/>
+              </a:spcBef>
+              <a:buFont typeface="Arial" panose="020B0604020202020204" pitchFamily="34" charset="0"/>
+              <a:buNone/>
+              <a:defRPr sz="1600" kern="1200">
+                <a:solidFill>
+                  <a:schemeClr val="tx1"/>
+                </a:solidFill>
+                <a:latin typeface="+mn-lt"/>
+                <a:ea typeface="+mn-ea"/>
+                <a:cs typeface="+mn-cs"/>
+              </a:defRPr>
+            </a:lvl9pPr>
+          </a:lstStyle>
+          <a:p>
+            <a:r>
+              <a:rPr lang="en-US" b="1" dirty="0"/>
+              <a:t>Actual</a:t>
+            </a:r>
+          </a:p>
+        </p:txBody>
+      </p:sp>
+      <p:sp>
+        <p:nvSpPr>
+          <p:cNvPr id="24" name="TextBox 23">
+            <a:extLst>
+              <a:ext uri="{FF2B5EF4-FFF2-40B4-BE49-F238E27FC236}">
+                <a16:creationId xmlns:a16="http://schemas.microsoft.com/office/drawing/2014/main" id="{F379CCA3-4801-4EC7-87A0-815BDCC3F91E}"/>
+              </a:ext>
+            </a:extLst>
+          </p:cNvPr>
+          <p:cNvSpPr txBox="1"/>
+          <p:nvPr/>
+        </p:nvSpPr>
+        <p:spPr>
+          <a:xfrm>
+            <a:off x="1331089" y="4166115"/>
+            <a:ext cx="3449255" cy="923330"/>
+          </a:xfrm>
+          <a:prstGeom prst="rect">
+            <a:avLst/>
+          </a:prstGeom>
+          <a:noFill/>
+        </p:spPr>
+        <p:txBody>
+          <a:bodyPr wrap="square" rtlCol="0">
+            <a:spAutoFit/>
+          </a:bodyPr>
+          <a:lstStyle/>
+          <a:p>
+            <a:pPr algn="r" rtl="1"/>
+            <a:r>
+              <a:rPr lang="he-IL" dirty="0"/>
+              <a:t>דיוק של אישה :</a:t>
+            </a:r>
+            <a:r>
+              <a:rPr lang="en-US" dirty="0"/>
+              <a:t> </a:t>
+            </a:r>
+            <a:r>
+              <a:rPr lang="he-IL" dirty="0"/>
+              <a:t> %</a:t>
+            </a:r>
+            <a:r>
+              <a:rPr lang="en-US" dirty="0"/>
+              <a:t>61.8</a:t>
+            </a:r>
+          </a:p>
+          <a:p>
+            <a:pPr algn="r" rtl="1"/>
+            <a:r>
+              <a:rPr lang="he-IL" dirty="0"/>
+              <a:t>דיוק של גבר    : </a:t>
+            </a:r>
+            <a:r>
+              <a:rPr lang="en-US" dirty="0"/>
+              <a:t>66.9%</a:t>
+            </a:r>
+          </a:p>
+          <a:p>
+            <a:pPr algn="r" rtl="1"/>
+            <a:r>
+              <a:rPr lang="he-IL" b="1" dirty="0"/>
+              <a:t>ממוצע דיוקיים : </a:t>
+            </a:r>
+            <a:r>
+              <a:rPr lang="en-US" b="1" dirty="0"/>
+              <a:t>64.3%</a:t>
+            </a:r>
+            <a:r>
+              <a:rPr lang="he-IL" b="1" dirty="0"/>
+              <a:t> </a:t>
+            </a:r>
+            <a:endParaRPr lang="en-US" b="1" dirty="0"/>
+          </a:p>
+        </p:txBody>
+      </p:sp>
+    </p:spTree>
+    <p:extLst>
+      <p:ext uri="{BB962C8B-B14F-4D97-AF65-F5344CB8AC3E}">
+        <p14:creationId xmlns:p14="http://schemas.microsoft.com/office/powerpoint/2010/main" val="1285151815"/>
+      </p:ext>
+    </p:extLst>
+  </p:cSld>
+  <p:clrMapOvr>
+    <a:masterClrMapping/>
+  </p:clrMapOvr>
+</p:sld>
+</file>
+
+<file path=ppt/slides/slide16.xml><?xml version="1.0" encoding="utf-8"?>
+<p:sld xmlns:a="http://schemas.openxmlformats.org/drawingml/2006/main" xmlns:r="http://schemas.openxmlformats.org/officeDocument/2006/relationships" xmlns:p="http://schemas.openxmlformats.org/presentationml/2006/main">
+  <p:cSld>
+    <p:spTree>
+      <p:nvGrpSpPr>
+        <p:cNvPr id="1" name=""/>
+        <p:cNvGrpSpPr/>
+        <p:nvPr/>
+      </p:nvGrpSpPr>
+      <p:grpSpPr>
+        <a:xfrm>
+          <a:off x="0" y="0"/>
+          <a:ext cx="0" cy="0"/>
+          <a:chOff x="0" y="0"/>
+          <a:chExt cx="0" cy="0"/>
+        </a:xfrm>
+      </p:grpSpPr>
+      <p:sp>
+        <p:nvSpPr>
+          <p:cNvPr id="2" name="Title 1">
+            <a:extLst>
+              <a:ext uri="{FF2B5EF4-FFF2-40B4-BE49-F238E27FC236}">
+                <a16:creationId xmlns:a16="http://schemas.microsoft.com/office/drawing/2014/main" id="{A4E5F78B-3C7F-40F7-9FB5-E9B5F341CC13}"/>
+              </a:ext>
+            </a:extLst>
+          </p:cNvPr>
+          <p:cNvSpPr>
+            <a:spLocks noGrp="1"/>
+          </p:cNvSpPr>
+          <p:nvPr>
+            <p:ph type="ctrTitle"/>
+          </p:nvPr>
+        </p:nvSpPr>
+        <p:spPr>
+          <a:xfrm>
+            <a:off x="1955800" y="602568"/>
+            <a:ext cx="9144000" cy="922337"/>
+          </a:xfrm>
+        </p:spPr>
+        <p:txBody>
+          <a:bodyPr/>
+          <a:lstStyle/>
+          <a:p>
+            <a:pPr algn="r" rtl="1"/>
+            <a:r>
+              <a:rPr lang="he-IL" dirty="0"/>
+              <a:t>תוצאות בצורה גרפית</a:t>
+            </a:r>
+            <a:endParaRPr lang="en-US" dirty="0"/>
+          </a:p>
+        </p:txBody>
+      </p:sp>
+      <p:sp>
+        <p:nvSpPr>
+          <p:cNvPr id="4" name="Isosceles Triangle 3">
+            <a:extLst>
+              <a:ext uri="{FF2B5EF4-FFF2-40B4-BE49-F238E27FC236}">
+                <a16:creationId xmlns:a16="http://schemas.microsoft.com/office/drawing/2014/main" id="{2BF0BEC7-7921-4EFE-AA13-5D834EE4538A}"/>
+              </a:ext>
+            </a:extLst>
+          </p:cNvPr>
+          <p:cNvSpPr/>
+          <p:nvPr/>
+        </p:nvSpPr>
+        <p:spPr>
+          <a:xfrm rot="16200000">
+            <a:off x="11165998" y="825050"/>
+            <a:ext cx="553755" cy="477375"/>
+          </a:xfrm>
+          <a:prstGeom prst="triangle">
+            <a:avLst/>
+          </a:prstGeom>
+          <a:solidFill>
+            <a:srgbClr val="002060"/>
+          </a:solidFill>
+          <a:ln>
+            <a:noFill/>
+          </a:ln>
+        </p:spPr>
+        <p:style>
+          <a:lnRef idx="2">
+            <a:schemeClr val="accent1">
+              <a:shade val="50000"/>
+            </a:schemeClr>
+          </a:lnRef>
+          <a:fillRef idx="1">
+            <a:schemeClr val="accent1"/>
+          </a:fillRef>
+          <a:effectRef idx="0">
+            <a:schemeClr val="accent1"/>
+          </a:effectRef>
+          <a:fontRef idx="minor">
+            <a:schemeClr val="lt1"/>
+          </a:fontRef>
+        </p:style>
+        <p:txBody>
+          <a:bodyPr rtlCol="0" anchor="ctr"/>
+          <a:lstStyle/>
+          <a:p>
+            <a:pPr algn="ctr"/>
+            <a:endParaRPr lang="en-US"/>
+          </a:p>
+        </p:txBody>
+      </p:sp>
+      <p:sp>
+        <p:nvSpPr>
+          <p:cNvPr id="6" name="Subtitle 5">
+            <a:extLst>
+              <a:ext uri="{FF2B5EF4-FFF2-40B4-BE49-F238E27FC236}">
+                <a16:creationId xmlns:a16="http://schemas.microsoft.com/office/drawing/2014/main" id="{989BF6EE-2087-4A05-B971-268375A12987}"/>
+              </a:ext>
+            </a:extLst>
+          </p:cNvPr>
+          <p:cNvSpPr>
+            <a:spLocks noGrp="1"/>
+          </p:cNvSpPr>
+          <p:nvPr>
+            <p:ph type="subTitle" idx="1"/>
+          </p:nvPr>
+        </p:nvSpPr>
+        <p:spPr>
+          <a:xfrm>
+            <a:off x="148856" y="2824402"/>
+            <a:ext cx="5768381" cy="1655762"/>
+          </a:xfrm>
+        </p:spPr>
+        <p:txBody>
+          <a:bodyPr/>
+          <a:lstStyle/>
+          <a:p>
+            <a:r>
+              <a:rPr lang="en-US" dirty="0"/>
+              <a:t>Random Forest Classifier</a:t>
+            </a:r>
+          </a:p>
+          <a:p>
+            <a:r>
+              <a:rPr lang="en-US" dirty="0"/>
+              <a:t>FT-IDF vector </a:t>
+            </a:r>
+            <a:r>
+              <a:rPr lang="en-US" b="1" dirty="0"/>
+              <a:t>without</a:t>
+            </a:r>
+            <a:r>
+              <a:rPr lang="en-US" dirty="0"/>
+              <a:t> English stop words</a:t>
+            </a:r>
+          </a:p>
+        </p:txBody>
+      </p:sp>
+      <p:pic>
+        <p:nvPicPr>
+          <p:cNvPr id="7" name="Picture 6">
+            <a:extLst>
+              <a:ext uri="{FF2B5EF4-FFF2-40B4-BE49-F238E27FC236}">
+                <a16:creationId xmlns:a16="http://schemas.microsoft.com/office/drawing/2014/main" id="{8AD0088F-FF88-496D-A9EE-B29F6BF04FA6}"/>
+              </a:ext>
+            </a:extLst>
+          </p:cNvPr>
+          <p:cNvPicPr>
+            <a:picLocks noChangeAspect="1"/>
+          </p:cNvPicPr>
+          <p:nvPr/>
+        </p:nvPicPr>
+        <p:blipFill>
+          <a:blip r:embed="rId2">
+            <a:extLst>
+              <a:ext uri="{28A0092B-C50C-407E-A947-70E740481C1C}">
+                <a14:useLocalDpi xmlns:a14="http://schemas.microsoft.com/office/drawing/2010/main" val="0"/>
+              </a:ext>
+            </a:extLst>
+          </a:blip>
+          <a:stretch>
+            <a:fillRect/>
+          </a:stretch>
+        </p:blipFill>
+        <p:spPr>
+          <a:xfrm>
+            <a:off x="6022364" y="1640654"/>
+            <a:ext cx="5408936" cy="3945342"/>
+          </a:xfrm>
+          <a:prstGeom prst="rect">
+            <a:avLst/>
+          </a:prstGeom>
+        </p:spPr>
+      </p:pic>
+      <p:sp>
+        <p:nvSpPr>
+          <p:cNvPr id="14" name="TextBox 13">
+            <a:extLst>
+              <a:ext uri="{FF2B5EF4-FFF2-40B4-BE49-F238E27FC236}">
+                <a16:creationId xmlns:a16="http://schemas.microsoft.com/office/drawing/2014/main" id="{60B044F6-1A26-493A-8EC9-7558A984E8EE}"/>
+              </a:ext>
+            </a:extLst>
+          </p:cNvPr>
+          <p:cNvSpPr txBox="1"/>
+          <p:nvPr/>
+        </p:nvSpPr>
+        <p:spPr>
+          <a:xfrm>
+            <a:off x="9347915" y="3657887"/>
+            <a:ext cx="1433690" cy="369332"/>
+          </a:xfrm>
+          <a:prstGeom prst="rect">
+            <a:avLst/>
+          </a:prstGeom>
+          <a:noFill/>
+        </p:spPr>
+        <p:txBody>
+          <a:bodyPr wrap="square" rtlCol="0">
+            <a:spAutoFit/>
+          </a:bodyPr>
+          <a:lstStyle/>
+          <a:p>
+            <a:r>
+              <a:rPr lang="en-US" b="1" dirty="0"/>
+              <a:t>True positive</a:t>
+            </a:r>
+          </a:p>
+        </p:txBody>
+      </p:sp>
+      <p:sp>
+        <p:nvSpPr>
+          <p:cNvPr id="15" name="TextBox 14">
+            <a:extLst>
+              <a:ext uri="{FF2B5EF4-FFF2-40B4-BE49-F238E27FC236}">
+                <a16:creationId xmlns:a16="http://schemas.microsoft.com/office/drawing/2014/main" id="{18F5C250-6415-4473-8B09-C3631E4C8695}"/>
+              </a:ext>
+            </a:extLst>
+          </p:cNvPr>
+          <p:cNvSpPr txBox="1"/>
+          <p:nvPr/>
+        </p:nvSpPr>
+        <p:spPr>
+          <a:xfrm>
+            <a:off x="9443870" y="1996121"/>
+            <a:ext cx="1608668" cy="369332"/>
+          </a:xfrm>
+          <a:prstGeom prst="rect">
+            <a:avLst/>
+          </a:prstGeom>
+          <a:noFill/>
+        </p:spPr>
+        <p:txBody>
+          <a:bodyPr wrap="square" rtlCol="0">
+            <a:spAutoFit/>
+          </a:bodyPr>
+          <a:lstStyle/>
+          <a:p>
+            <a:r>
+              <a:rPr lang="en-US" b="1" dirty="0"/>
+              <a:t>False positive</a:t>
+            </a:r>
+          </a:p>
+        </p:txBody>
+      </p:sp>
+      <p:sp>
+        <p:nvSpPr>
+          <p:cNvPr id="16" name="TextBox 15">
+            <a:extLst>
+              <a:ext uri="{FF2B5EF4-FFF2-40B4-BE49-F238E27FC236}">
+                <a16:creationId xmlns:a16="http://schemas.microsoft.com/office/drawing/2014/main" id="{6ED35C78-E0A9-43EE-9A8D-220DA551A4E4}"/>
+              </a:ext>
+            </a:extLst>
+          </p:cNvPr>
+          <p:cNvSpPr txBox="1"/>
+          <p:nvPr/>
+        </p:nvSpPr>
+        <p:spPr>
+          <a:xfrm>
+            <a:off x="7013938" y="1973687"/>
+            <a:ext cx="1608668" cy="369332"/>
+          </a:xfrm>
+          <a:prstGeom prst="rect">
+            <a:avLst/>
+          </a:prstGeom>
+          <a:noFill/>
+        </p:spPr>
+        <p:txBody>
+          <a:bodyPr wrap="square" rtlCol="0">
+            <a:spAutoFit/>
+          </a:bodyPr>
+          <a:lstStyle/>
+          <a:p>
+            <a:r>
+              <a:rPr lang="en-US" b="1" dirty="0"/>
+              <a:t>True Negative</a:t>
+            </a:r>
+          </a:p>
+        </p:txBody>
+      </p:sp>
+      <p:sp>
+        <p:nvSpPr>
+          <p:cNvPr id="17" name="TextBox 16">
+            <a:extLst>
+              <a:ext uri="{FF2B5EF4-FFF2-40B4-BE49-F238E27FC236}">
+                <a16:creationId xmlns:a16="http://schemas.microsoft.com/office/drawing/2014/main" id="{1D94BFD0-E96B-4CEB-B556-E5DCC4F55AE2}"/>
+              </a:ext>
+            </a:extLst>
+          </p:cNvPr>
+          <p:cNvSpPr txBox="1"/>
+          <p:nvPr/>
+        </p:nvSpPr>
+        <p:spPr>
+          <a:xfrm>
+            <a:off x="6914791" y="3657887"/>
+            <a:ext cx="1608668" cy="369332"/>
+          </a:xfrm>
+          <a:prstGeom prst="rect">
+            <a:avLst/>
+          </a:prstGeom>
+          <a:noFill/>
+        </p:spPr>
+        <p:txBody>
+          <a:bodyPr wrap="square" rtlCol="0">
+            <a:spAutoFit/>
+          </a:bodyPr>
+          <a:lstStyle/>
+          <a:p>
+            <a:r>
+              <a:rPr lang="en-US" b="1" dirty="0"/>
+              <a:t>False Negative</a:t>
+            </a:r>
+          </a:p>
+        </p:txBody>
+      </p:sp>
+      <p:sp>
+        <p:nvSpPr>
+          <p:cNvPr id="18" name="Subtitle 5">
+            <a:extLst>
+              <a:ext uri="{FF2B5EF4-FFF2-40B4-BE49-F238E27FC236}">
+                <a16:creationId xmlns:a16="http://schemas.microsoft.com/office/drawing/2014/main" id="{FB699082-87F0-4CAE-A707-34CF2001D077}"/>
+              </a:ext>
+            </a:extLst>
+          </p:cNvPr>
+          <p:cNvSpPr txBox="1">
+            <a:spLocks/>
+          </p:cNvSpPr>
+          <p:nvPr/>
+        </p:nvSpPr>
+        <p:spPr>
+          <a:xfrm>
+            <a:off x="6235984" y="5240856"/>
+            <a:ext cx="5447252" cy="381616"/>
+          </a:xfrm>
+          <a:prstGeom prst="rect">
+            <a:avLst/>
+          </a:prstGeom>
+        </p:spPr>
+        <p:txBody>
+          <a:bodyPr vert="horz" lIns="91440" tIns="45720" rIns="91440" bIns="45720" rtlCol="0">
+            <a:normAutofit fontScale="92500" lnSpcReduction="10000"/>
+          </a:bodyPr>
+          <a:lstStyle>
+            <a:lvl1pPr marL="0" indent="0" algn="ctr" defTabSz="914400" rtl="0" eaLnBrk="1" latinLnBrk="0" hangingPunct="1">
+              <a:lnSpc>
+                <a:spcPct val="90000"/>
+              </a:lnSpc>
+              <a:spcBef>
+                <a:spcPts val="1000"/>
+              </a:spcBef>
+              <a:buFont typeface="Arial" panose="020B0604020202020204" pitchFamily="34" charset="0"/>
+              <a:buNone/>
+              <a:defRPr sz="2400" kern="1200">
+                <a:solidFill>
+                  <a:schemeClr val="tx1"/>
+                </a:solidFill>
+                <a:latin typeface="+mn-lt"/>
+                <a:ea typeface="+mn-ea"/>
+                <a:cs typeface="+mn-cs"/>
+              </a:defRPr>
+            </a:lvl1pPr>
+            <a:lvl2pPr marL="457200" indent="0" algn="ctr" defTabSz="914400" rtl="0" eaLnBrk="1" latinLnBrk="0" hangingPunct="1">
+              <a:lnSpc>
+                <a:spcPct val="90000"/>
+              </a:lnSpc>
+              <a:spcBef>
+                <a:spcPts val="500"/>
+              </a:spcBef>
+              <a:buFont typeface="Arial" panose="020B0604020202020204" pitchFamily="34" charset="0"/>
+              <a:buNone/>
+              <a:defRPr sz="2000" kern="1200">
+                <a:solidFill>
+                  <a:schemeClr val="tx1"/>
+                </a:solidFill>
+                <a:latin typeface="+mn-lt"/>
+                <a:ea typeface="+mn-ea"/>
+                <a:cs typeface="+mn-cs"/>
+              </a:defRPr>
+            </a:lvl2pPr>
+            <a:lvl3pPr marL="914400" indent="0" algn="ctr" defTabSz="914400" rtl="0" eaLnBrk="1" latinLnBrk="0" hangingPunct="1">
+              <a:lnSpc>
+                <a:spcPct val="90000"/>
+              </a:lnSpc>
+              <a:spcBef>
+                <a:spcPts val="500"/>
+              </a:spcBef>
+              <a:buFont typeface="Arial" panose="020B0604020202020204" pitchFamily="34" charset="0"/>
+              <a:buNone/>
+              <a:defRPr sz="1800" kern="1200">
+                <a:solidFill>
+                  <a:schemeClr val="tx1"/>
+                </a:solidFill>
+                <a:latin typeface="+mn-lt"/>
+                <a:ea typeface="+mn-ea"/>
+                <a:cs typeface="+mn-cs"/>
+              </a:defRPr>
+            </a:lvl3pPr>
+            <a:lvl4pPr marL="1371600" indent="0" algn="ctr" defTabSz="914400" rtl="0" eaLnBrk="1" latinLnBrk="0" hangingPunct="1">
+              <a:lnSpc>
+                <a:spcPct val="90000"/>
+              </a:lnSpc>
+              <a:spcBef>
+                <a:spcPts val="500"/>
+              </a:spcBef>
+              <a:buFont typeface="Arial" panose="020B0604020202020204" pitchFamily="34" charset="0"/>
+              <a:buNone/>
+              <a:defRPr sz="1600" kern="1200">
+                <a:solidFill>
+                  <a:schemeClr val="tx1"/>
+                </a:solidFill>
+                <a:latin typeface="+mn-lt"/>
+                <a:ea typeface="+mn-ea"/>
+                <a:cs typeface="+mn-cs"/>
+              </a:defRPr>
+            </a:lvl4pPr>
+            <a:lvl5pPr marL="1828800" indent="0" algn="ctr" defTabSz="914400" rtl="0" eaLnBrk="1" latinLnBrk="0" hangingPunct="1">
+              <a:lnSpc>
+                <a:spcPct val="90000"/>
+              </a:lnSpc>
+              <a:spcBef>
+                <a:spcPts val="500"/>
+              </a:spcBef>
+              <a:buFont typeface="Arial" panose="020B0604020202020204" pitchFamily="34" charset="0"/>
+              <a:buNone/>
+              <a:defRPr sz="1600" kern="1200">
+                <a:solidFill>
+                  <a:schemeClr val="tx1"/>
+                </a:solidFill>
+                <a:latin typeface="+mn-lt"/>
+                <a:ea typeface="+mn-ea"/>
+                <a:cs typeface="+mn-cs"/>
+              </a:defRPr>
+            </a:lvl5pPr>
+            <a:lvl6pPr marL="2286000" indent="0" algn="ctr" defTabSz="914400" rtl="0" eaLnBrk="1" latinLnBrk="0" hangingPunct="1">
+              <a:lnSpc>
+                <a:spcPct val="90000"/>
+              </a:lnSpc>
+              <a:spcBef>
+                <a:spcPts val="500"/>
+              </a:spcBef>
+              <a:buFont typeface="Arial" panose="020B0604020202020204" pitchFamily="34" charset="0"/>
+              <a:buNone/>
+              <a:defRPr sz="1600" kern="1200">
+                <a:solidFill>
+                  <a:schemeClr val="tx1"/>
+                </a:solidFill>
+                <a:latin typeface="+mn-lt"/>
+                <a:ea typeface="+mn-ea"/>
+                <a:cs typeface="+mn-cs"/>
+              </a:defRPr>
+            </a:lvl6pPr>
+            <a:lvl7pPr marL="2743200" indent="0" algn="ctr" defTabSz="914400" rtl="0" eaLnBrk="1" latinLnBrk="0" hangingPunct="1">
+              <a:lnSpc>
+                <a:spcPct val="90000"/>
+              </a:lnSpc>
+              <a:spcBef>
+                <a:spcPts val="500"/>
+              </a:spcBef>
+              <a:buFont typeface="Arial" panose="020B0604020202020204" pitchFamily="34" charset="0"/>
+              <a:buNone/>
+              <a:defRPr sz="1600" kern="1200">
+                <a:solidFill>
+                  <a:schemeClr val="tx1"/>
+                </a:solidFill>
+                <a:latin typeface="+mn-lt"/>
+                <a:ea typeface="+mn-ea"/>
+                <a:cs typeface="+mn-cs"/>
+              </a:defRPr>
+            </a:lvl7pPr>
+            <a:lvl8pPr marL="3200400" indent="0" algn="ctr" defTabSz="914400" rtl="0" eaLnBrk="1" latinLnBrk="0" hangingPunct="1">
+              <a:lnSpc>
+                <a:spcPct val="90000"/>
+              </a:lnSpc>
+              <a:spcBef>
+                <a:spcPts val="500"/>
+              </a:spcBef>
+              <a:buFont typeface="Arial" panose="020B0604020202020204" pitchFamily="34" charset="0"/>
+              <a:buNone/>
+              <a:defRPr sz="1600" kern="1200">
+                <a:solidFill>
+                  <a:schemeClr val="tx1"/>
+                </a:solidFill>
+                <a:latin typeface="+mn-lt"/>
+                <a:ea typeface="+mn-ea"/>
+                <a:cs typeface="+mn-cs"/>
+              </a:defRPr>
+            </a:lvl8pPr>
+            <a:lvl9pPr marL="3657600" indent="0" algn="ctr" defTabSz="914400" rtl="0" eaLnBrk="1" latinLnBrk="0" hangingPunct="1">
+              <a:lnSpc>
+                <a:spcPct val="90000"/>
+              </a:lnSpc>
+              <a:spcBef>
+                <a:spcPts val="500"/>
+              </a:spcBef>
+              <a:buFont typeface="Arial" panose="020B0604020202020204" pitchFamily="34" charset="0"/>
+              <a:buNone/>
+              <a:defRPr sz="1600" kern="1200">
+                <a:solidFill>
+                  <a:schemeClr val="tx1"/>
+                </a:solidFill>
+                <a:latin typeface="+mn-lt"/>
+                <a:ea typeface="+mn-ea"/>
+                <a:cs typeface="+mn-cs"/>
+              </a:defRPr>
+            </a:lvl9pPr>
+          </a:lstStyle>
+          <a:p>
+            <a:r>
+              <a:rPr lang="en-US" b="1" dirty="0"/>
+              <a:t>Predicted</a:t>
+            </a:r>
+          </a:p>
+        </p:txBody>
+      </p:sp>
+      <p:sp>
+        <p:nvSpPr>
+          <p:cNvPr id="19" name="Subtitle 5">
+            <a:extLst>
+              <a:ext uri="{FF2B5EF4-FFF2-40B4-BE49-F238E27FC236}">
+                <a16:creationId xmlns:a16="http://schemas.microsoft.com/office/drawing/2014/main" id="{EB0F59BC-043F-4AE5-AE06-488F6E60D410}"/>
+              </a:ext>
+            </a:extLst>
+          </p:cNvPr>
+          <p:cNvSpPr txBox="1">
+            <a:spLocks/>
+          </p:cNvSpPr>
+          <p:nvPr/>
+        </p:nvSpPr>
+        <p:spPr>
+          <a:xfrm rot="16200000">
+            <a:off x="3679232" y="3211041"/>
+            <a:ext cx="5447252" cy="381616"/>
+          </a:xfrm>
+          <a:prstGeom prst="rect">
+            <a:avLst/>
+          </a:prstGeom>
+        </p:spPr>
+        <p:txBody>
+          <a:bodyPr vert="horz" lIns="91440" tIns="45720" rIns="91440" bIns="45720" rtlCol="0">
+            <a:normAutofit fontScale="92500" lnSpcReduction="10000"/>
+          </a:bodyPr>
+          <a:lstStyle>
+            <a:lvl1pPr marL="0" indent="0" algn="ctr" defTabSz="914400" rtl="0" eaLnBrk="1" latinLnBrk="0" hangingPunct="1">
+              <a:lnSpc>
+                <a:spcPct val="90000"/>
+              </a:lnSpc>
+              <a:spcBef>
+                <a:spcPts val="1000"/>
+              </a:spcBef>
+              <a:buFont typeface="Arial" panose="020B0604020202020204" pitchFamily="34" charset="0"/>
+              <a:buNone/>
+              <a:defRPr sz="2400" kern="1200">
+                <a:solidFill>
+                  <a:schemeClr val="tx1"/>
+                </a:solidFill>
+                <a:latin typeface="+mn-lt"/>
+                <a:ea typeface="+mn-ea"/>
+                <a:cs typeface="+mn-cs"/>
+              </a:defRPr>
+            </a:lvl1pPr>
+            <a:lvl2pPr marL="457200" indent="0" algn="ctr" defTabSz="914400" rtl="0" eaLnBrk="1" latinLnBrk="0" hangingPunct="1">
+              <a:lnSpc>
+                <a:spcPct val="90000"/>
+              </a:lnSpc>
+              <a:spcBef>
+                <a:spcPts val="500"/>
+              </a:spcBef>
+              <a:buFont typeface="Arial" panose="020B0604020202020204" pitchFamily="34" charset="0"/>
+              <a:buNone/>
+              <a:defRPr sz="2000" kern="1200">
+                <a:solidFill>
+                  <a:schemeClr val="tx1"/>
+                </a:solidFill>
+                <a:latin typeface="+mn-lt"/>
+                <a:ea typeface="+mn-ea"/>
+                <a:cs typeface="+mn-cs"/>
+              </a:defRPr>
+            </a:lvl2pPr>
+            <a:lvl3pPr marL="914400" indent="0" algn="ctr" defTabSz="914400" rtl="0" eaLnBrk="1" latinLnBrk="0" hangingPunct="1">
+              <a:lnSpc>
+                <a:spcPct val="90000"/>
+              </a:lnSpc>
+              <a:spcBef>
+                <a:spcPts val="500"/>
+              </a:spcBef>
+              <a:buFont typeface="Arial" panose="020B0604020202020204" pitchFamily="34" charset="0"/>
+              <a:buNone/>
+              <a:defRPr sz="1800" kern="1200">
+                <a:solidFill>
+                  <a:schemeClr val="tx1"/>
+                </a:solidFill>
+                <a:latin typeface="+mn-lt"/>
+                <a:ea typeface="+mn-ea"/>
+                <a:cs typeface="+mn-cs"/>
+              </a:defRPr>
+            </a:lvl3pPr>
+            <a:lvl4pPr marL="1371600" indent="0" algn="ctr" defTabSz="914400" rtl="0" eaLnBrk="1" latinLnBrk="0" hangingPunct="1">
+              <a:lnSpc>
+                <a:spcPct val="90000"/>
+              </a:lnSpc>
+              <a:spcBef>
+                <a:spcPts val="500"/>
+              </a:spcBef>
+              <a:buFont typeface="Arial" panose="020B0604020202020204" pitchFamily="34" charset="0"/>
+              <a:buNone/>
+              <a:defRPr sz="1600" kern="1200">
+                <a:solidFill>
+                  <a:schemeClr val="tx1"/>
+                </a:solidFill>
+                <a:latin typeface="+mn-lt"/>
+                <a:ea typeface="+mn-ea"/>
+                <a:cs typeface="+mn-cs"/>
+              </a:defRPr>
+            </a:lvl4pPr>
+            <a:lvl5pPr marL="1828800" indent="0" algn="ctr" defTabSz="914400" rtl="0" eaLnBrk="1" latinLnBrk="0" hangingPunct="1">
+              <a:lnSpc>
+                <a:spcPct val="90000"/>
+              </a:lnSpc>
+              <a:spcBef>
+                <a:spcPts val="500"/>
+              </a:spcBef>
+              <a:buFont typeface="Arial" panose="020B0604020202020204" pitchFamily="34" charset="0"/>
+              <a:buNone/>
+              <a:defRPr sz="1600" kern="1200">
+                <a:solidFill>
+                  <a:schemeClr val="tx1"/>
+                </a:solidFill>
+                <a:latin typeface="+mn-lt"/>
+                <a:ea typeface="+mn-ea"/>
+                <a:cs typeface="+mn-cs"/>
+              </a:defRPr>
+            </a:lvl5pPr>
+            <a:lvl6pPr marL="2286000" indent="0" algn="ctr" defTabSz="914400" rtl="0" eaLnBrk="1" latinLnBrk="0" hangingPunct="1">
+              <a:lnSpc>
+                <a:spcPct val="90000"/>
+              </a:lnSpc>
+              <a:spcBef>
+                <a:spcPts val="500"/>
+              </a:spcBef>
+              <a:buFont typeface="Arial" panose="020B0604020202020204" pitchFamily="34" charset="0"/>
+              <a:buNone/>
+              <a:defRPr sz="1600" kern="1200">
+                <a:solidFill>
+                  <a:schemeClr val="tx1"/>
+                </a:solidFill>
+                <a:latin typeface="+mn-lt"/>
+                <a:ea typeface="+mn-ea"/>
+                <a:cs typeface="+mn-cs"/>
+              </a:defRPr>
+            </a:lvl6pPr>
+            <a:lvl7pPr marL="2743200" indent="0" algn="ctr" defTabSz="914400" rtl="0" eaLnBrk="1" latinLnBrk="0" hangingPunct="1">
+              <a:lnSpc>
+                <a:spcPct val="90000"/>
+              </a:lnSpc>
+              <a:spcBef>
+                <a:spcPts val="500"/>
+              </a:spcBef>
+              <a:buFont typeface="Arial" panose="020B0604020202020204" pitchFamily="34" charset="0"/>
+              <a:buNone/>
+              <a:defRPr sz="1600" kern="1200">
+                <a:solidFill>
+                  <a:schemeClr val="tx1"/>
+                </a:solidFill>
+                <a:latin typeface="+mn-lt"/>
+                <a:ea typeface="+mn-ea"/>
+                <a:cs typeface="+mn-cs"/>
+              </a:defRPr>
+            </a:lvl7pPr>
+            <a:lvl8pPr marL="3200400" indent="0" algn="ctr" defTabSz="914400" rtl="0" eaLnBrk="1" latinLnBrk="0" hangingPunct="1">
+              <a:lnSpc>
+                <a:spcPct val="90000"/>
+              </a:lnSpc>
+              <a:spcBef>
+                <a:spcPts val="500"/>
+              </a:spcBef>
+              <a:buFont typeface="Arial" panose="020B0604020202020204" pitchFamily="34" charset="0"/>
+              <a:buNone/>
+              <a:defRPr sz="1600" kern="1200">
+                <a:solidFill>
+                  <a:schemeClr val="tx1"/>
+                </a:solidFill>
+                <a:latin typeface="+mn-lt"/>
+                <a:ea typeface="+mn-ea"/>
+                <a:cs typeface="+mn-cs"/>
+              </a:defRPr>
+            </a:lvl8pPr>
+            <a:lvl9pPr marL="3657600" indent="0" algn="ctr" defTabSz="914400" rtl="0" eaLnBrk="1" latinLnBrk="0" hangingPunct="1">
+              <a:lnSpc>
+                <a:spcPct val="90000"/>
+              </a:lnSpc>
+              <a:spcBef>
+                <a:spcPts val="500"/>
+              </a:spcBef>
+              <a:buFont typeface="Arial" panose="020B0604020202020204" pitchFamily="34" charset="0"/>
+              <a:buNone/>
+              <a:defRPr sz="1600" kern="1200">
+                <a:solidFill>
+                  <a:schemeClr val="tx1"/>
+                </a:solidFill>
+                <a:latin typeface="+mn-lt"/>
+                <a:ea typeface="+mn-ea"/>
+                <a:cs typeface="+mn-cs"/>
+              </a:defRPr>
+            </a:lvl9pPr>
+          </a:lstStyle>
+          <a:p>
+            <a:r>
+              <a:rPr lang="en-US" b="1" dirty="0"/>
+              <a:t>Actual</a:t>
+            </a:r>
+          </a:p>
+        </p:txBody>
+      </p:sp>
+      <p:sp>
+        <p:nvSpPr>
+          <p:cNvPr id="20" name="TextBox 19">
+            <a:extLst>
+              <a:ext uri="{FF2B5EF4-FFF2-40B4-BE49-F238E27FC236}">
+                <a16:creationId xmlns:a16="http://schemas.microsoft.com/office/drawing/2014/main" id="{9075A849-2C2B-43D1-B03E-7E7ED35B4D36}"/>
+              </a:ext>
+            </a:extLst>
+          </p:cNvPr>
+          <p:cNvSpPr txBox="1"/>
+          <p:nvPr/>
+        </p:nvSpPr>
+        <p:spPr>
+          <a:xfrm>
+            <a:off x="1331089" y="4166115"/>
+            <a:ext cx="3449255" cy="923330"/>
+          </a:xfrm>
+          <a:prstGeom prst="rect">
+            <a:avLst/>
+          </a:prstGeom>
+          <a:noFill/>
+        </p:spPr>
+        <p:txBody>
+          <a:bodyPr wrap="square" rtlCol="0">
+            <a:spAutoFit/>
+          </a:bodyPr>
+          <a:lstStyle/>
+          <a:p>
+            <a:pPr algn="r" rtl="1"/>
+            <a:r>
+              <a:rPr lang="he-IL" dirty="0"/>
+              <a:t>דיוק של אישה :</a:t>
+            </a:r>
+            <a:r>
+              <a:rPr lang="en-US" dirty="0"/>
+              <a:t> </a:t>
+            </a:r>
+            <a:r>
+              <a:rPr lang="he-IL" dirty="0"/>
+              <a:t> %</a:t>
+            </a:r>
+            <a:r>
+              <a:rPr lang="en-US" dirty="0"/>
+              <a:t>61.5</a:t>
+            </a:r>
+          </a:p>
+          <a:p>
+            <a:pPr algn="r" rtl="1"/>
+            <a:r>
+              <a:rPr lang="he-IL" dirty="0"/>
+              <a:t>דיוק של גבר    : </a:t>
+            </a:r>
+            <a:r>
+              <a:rPr lang="en-US" dirty="0"/>
+              <a:t>65.9%</a:t>
+            </a:r>
+          </a:p>
+          <a:p>
+            <a:pPr algn="r" rtl="1"/>
+            <a:r>
+              <a:rPr lang="he-IL" b="1" dirty="0"/>
+              <a:t>ממוצע דיוקיים : </a:t>
+            </a:r>
+            <a:r>
+              <a:rPr lang="en-US" b="1" dirty="0"/>
+              <a:t>63.7%</a:t>
+            </a:r>
+            <a:r>
+              <a:rPr lang="he-IL" b="1" dirty="0"/>
+              <a:t> </a:t>
+            </a:r>
+            <a:endParaRPr lang="en-US" b="1" dirty="0"/>
+          </a:p>
+        </p:txBody>
+      </p:sp>
+    </p:spTree>
+    <p:extLst>
+      <p:ext uri="{BB962C8B-B14F-4D97-AF65-F5344CB8AC3E}">
+        <p14:creationId xmlns:p14="http://schemas.microsoft.com/office/powerpoint/2010/main" val="3984546195"/>
+      </p:ext>
+    </p:extLst>
+  </p:cSld>
+  <p:clrMapOvr>
+    <a:masterClrMapping/>
+  </p:clrMapOvr>
+</p:sld>
+</file>
+
+<file path=ppt/slides/slide17.xml><?xml version="1.0" encoding="utf-8"?>
+<p:sld xmlns:a="http://schemas.openxmlformats.org/drawingml/2006/main" xmlns:r="http://schemas.openxmlformats.org/officeDocument/2006/relationships" xmlns:p="http://schemas.openxmlformats.org/presentationml/2006/main">
+  <p:cSld>
+    <p:spTree>
+      <p:nvGrpSpPr>
+        <p:cNvPr id="1" name=""/>
+        <p:cNvGrpSpPr/>
+        <p:nvPr/>
+      </p:nvGrpSpPr>
+      <p:grpSpPr>
+        <a:xfrm>
+          <a:off x="0" y="0"/>
+          <a:ext cx="0" cy="0"/>
+          <a:chOff x="0" y="0"/>
+          <a:chExt cx="0" cy="0"/>
+        </a:xfrm>
+      </p:grpSpPr>
+      <p:sp>
+        <p:nvSpPr>
+          <p:cNvPr id="3" name="Content Placeholder 2">
+            <a:extLst>
+              <a:ext uri="{FF2B5EF4-FFF2-40B4-BE49-F238E27FC236}">
+                <a16:creationId xmlns:a16="http://schemas.microsoft.com/office/drawing/2014/main" id="{12E8990C-D496-49B9-BBFA-2F058023F217}"/>
+              </a:ext>
+            </a:extLst>
+          </p:cNvPr>
+          <p:cNvSpPr>
+            <a:spLocks noGrp="1"/>
+          </p:cNvSpPr>
+          <p:nvPr>
+            <p:ph type="subTitle" idx="1"/>
+          </p:nvPr>
+        </p:nvSpPr>
+        <p:spPr>
+          <a:xfrm>
+            <a:off x="1524000" y="2446338"/>
+            <a:ext cx="9144000" cy="1655762"/>
+          </a:xfrm>
+        </p:spPr>
+        <p:txBody>
+          <a:bodyPr>
+            <a:normAutofit lnSpcReduction="10000"/>
+          </a:bodyPr>
+          <a:lstStyle/>
+          <a:p>
+            <a:pPr marL="0" indent="0" algn="ctr">
+              <a:buNone/>
+            </a:pPr>
+            <a:r>
+              <a:rPr lang="he-IL" sz="11500" dirty="0"/>
+              <a:t>שאלות?!</a:t>
+            </a:r>
+            <a:endParaRPr lang="en-US" sz="11500" dirty="0"/>
+          </a:p>
+        </p:txBody>
+      </p:sp>
+    </p:spTree>
+    <p:extLst>
+      <p:ext uri="{BB962C8B-B14F-4D97-AF65-F5344CB8AC3E}">
+        <p14:creationId xmlns:p14="http://schemas.microsoft.com/office/powerpoint/2010/main" val="475730705"/>
+      </p:ext>
+    </p:extLst>
+  </p:cSld>
+  <p:clrMapOvr>
+    <a:masterClrMapping/>
+  </p:clrMapOvr>
+</p:sld>
+</file>
+
+<file path=ppt/slides/slide2.xml><?xml version="1.0" encoding="utf-8"?>
+<p:sld xmlns:a="http://schemas.openxmlformats.org/drawingml/2006/main" xmlns:r="http://schemas.openxmlformats.org/officeDocument/2006/relationships" xmlns:p="http://schemas.openxmlformats.org/presentationml/2006/main">
+  <p:cSld>
+    <p:spTree>
+      <p:nvGrpSpPr>
+        <p:cNvPr id="1" name=""/>
+        <p:cNvGrpSpPr/>
+        <p:nvPr/>
+      </p:nvGrpSpPr>
+      <p:grpSpPr>
+        <a:xfrm>
+          <a:off x="0" y="0"/>
+          <a:ext cx="0" cy="0"/>
+          <a:chOff x="0" y="0"/>
+          <a:chExt cx="0" cy="0"/>
+        </a:xfrm>
+      </p:grpSpPr>
+      <p:sp>
+        <p:nvSpPr>
+          <p:cNvPr id="2" name="Title 1">
+            <a:extLst>
+              <a:ext uri="{FF2B5EF4-FFF2-40B4-BE49-F238E27FC236}">
+                <a16:creationId xmlns:a16="http://schemas.microsoft.com/office/drawing/2014/main" id="{04F292F6-AA53-4EC9-9788-32382FBBFE0B}"/>
+              </a:ext>
+            </a:extLst>
+          </p:cNvPr>
+          <p:cNvSpPr>
+            <a:spLocks noGrp="1"/>
+          </p:cNvSpPr>
+          <p:nvPr>
+            <p:ph type="ctrTitle"/>
+          </p:nvPr>
+        </p:nvSpPr>
+        <p:spPr>
+          <a:xfrm>
+            <a:off x="2841337" y="603477"/>
+            <a:ext cx="8312727" cy="920523"/>
+          </a:xfrm>
+        </p:spPr>
+        <p:txBody>
+          <a:bodyPr>
+            <a:normAutofit/>
+          </a:bodyPr>
+          <a:lstStyle/>
+          <a:p>
+            <a:pPr algn="r" rtl="1"/>
+            <a:r>
+              <a:rPr lang="he-IL" dirty="0"/>
+              <a:t>מוטיבציה	</a:t>
+            </a:r>
+            <a:endParaRPr lang="en-US" dirty="0"/>
+          </a:p>
+        </p:txBody>
+      </p:sp>
+      <p:sp>
+        <p:nvSpPr>
+          <p:cNvPr id="3" name="Content Placeholder 2">
+            <a:extLst>
+              <a:ext uri="{FF2B5EF4-FFF2-40B4-BE49-F238E27FC236}">
+                <a16:creationId xmlns:a16="http://schemas.microsoft.com/office/drawing/2014/main" id="{846FD80B-978E-4E88-91BC-3F8596B71F12}"/>
+              </a:ext>
+            </a:extLst>
+          </p:cNvPr>
+          <p:cNvSpPr>
+            <a:spLocks noGrp="1"/>
+          </p:cNvSpPr>
+          <p:nvPr>
+            <p:ph type="subTitle" idx="1"/>
+          </p:nvPr>
+        </p:nvSpPr>
+        <p:spPr>
+          <a:xfrm>
+            <a:off x="2010064" y="2070100"/>
+            <a:ext cx="9144000" cy="3378200"/>
+          </a:xfrm>
+        </p:spPr>
+        <p:txBody>
+          <a:bodyPr>
+            <a:normAutofit/>
+          </a:bodyPr>
+          <a:lstStyle/>
+          <a:p>
+            <a:pPr algn="r" rtl="1"/>
+            <a:r>
+              <a:rPr lang="he-IL" sz="2800" dirty="0"/>
+              <a:t>לחזות את מגדר הכותב של ציוץ.</a:t>
+            </a:r>
+          </a:p>
+          <a:p>
+            <a:pPr algn="r" rtl="1"/>
+            <a:endParaRPr lang="he-IL" sz="2800" dirty="0"/>
+          </a:p>
+        </p:txBody>
+      </p:sp>
+      <p:sp>
+        <p:nvSpPr>
+          <p:cNvPr id="6" name="Isosceles Triangle 5">
+            <a:extLst>
+              <a:ext uri="{FF2B5EF4-FFF2-40B4-BE49-F238E27FC236}">
+                <a16:creationId xmlns:a16="http://schemas.microsoft.com/office/drawing/2014/main" id="{EBC4F5D8-55AF-4226-B35C-B128E229BAAA}"/>
+              </a:ext>
+            </a:extLst>
+          </p:cNvPr>
+          <p:cNvSpPr/>
+          <p:nvPr/>
+        </p:nvSpPr>
+        <p:spPr>
+          <a:xfrm rot="16200000">
+            <a:off x="11165998" y="825050"/>
+            <a:ext cx="553755" cy="477375"/>
+          </a:xfrm>
+          <a:prstGeom prst="triangle">
+            <a:avLst/>
+          </a:prstGeom>
+          <a:solidFill>
+            <a:srgbClr val="002060"/>
+          </a:solidFill>
+          <a:ln>
+            <a:noFill/>
+          </a:ln>
+        </p:spPr>
+        <p:style>
+          <a:lnRef idx="2">
+            <a:schemeClr val="accent1">
+              <a:shade val="50000"/>
+            </a:schemeClr>
+          </a:lnRef>
+          <a:fillRef idx="1">
+            <a:schemeClr val="accent1"/>
+          </a:fillRef>
+          <a:effectRef idx="0">
+            <a:schemeClr val="accent1"/>
+          </a:effectRef>
+          <a:fontRef idx="minor">
+            <a:schemeClr val="lt1"/>
+          </a:fontRef>
+        </p:style>
+        <p:txBody>
+          <a:bodyPr rtlCol="0" anchor="ctr"/>
+          <a:lstStyle/>
+          <a:p>
+            <a:pPr algn="ctr"/>
+            <a:endParaRPr lang="en-US"/>
+          </a:p>
+        </p:txBody>
+      </p:sp>
+    </p:spTree>
+    <p:extLst>
+      <p:ext uri="{BB962C8B-B14F-4D97-AF65-F5344CB8AC3E}">
+        <p14:creationId xmlns:p14="http://schemas.microsoft.com/office/powerpoint/2010/main" val="1305967712"/>
+      </p:ext>
+    </p:extLst>
+  </p:cSld>
+  <p:clrMapOvr>
+    <a:masterClrMapping/>
+  </p:clrMapOvr>
+</p:sld>
+</file>
+
+<file path=ppt/slides/slide3.xml><?xml version="1.0" encoding="utf-8"?>
+<p:sld xmlns:a="http://schemas.openxmlformats.org/drawingml/2006/main" xmlns:r="http://schemas.openxmlformats.org/officeDocument/2006/relationships" xmlns:p="http://schemas.openxmlformats.org/presentationml/2006/main">
+  <p:cSld>
+    <p:spTree>
+      <p:nvGrpSpPr>
+        <p:cNvPr id="1" name=""/>
+        <p:cNvGrpSpPr/>
+        <p:nvPr/>
+      </p:nvGrpSpPr>
+      <p:grpSpPr>
+        <a:xfrm>
+          <a:off x="0" y="0"/>
+          <a:ext cx="0" cy="0"/>
+          <a:chOff x="0" y="0"/>
+          <a:chExt cx="0" cy="0"/>
+        </a:xfrm>
+      </p:grpSpPr>
+      <p:sp>
+        <p:nvSpPr>
+          <p:cNvPr id="2" name="Title 1">
+            <a:extLst>
+              <a:ext uri="{FF2B5EF4-FFF2-40B4-BE49-F238E27FC236}">
+                <a16:creationId xmlns:a16="http://schemas.microsoft.com/office/drawing/2014/main" id="{60BA2537-A5DB-4072-B819-94BC4FB88150}"/>
+              </a:ext>
+            </a:extLst>
+          </p:cNvPr>
+          <p:cNvSpPr>
+            <a:spLocks noGrp="1"/>
+          </p:cNvSpPr>
+          <p:nvPr>
+            <p:ph type="ctrTitle"/>
+          </p:nvPr>
+        </p:nvSpPr>
+        <p:spPr>
+          <a:xfrm>
+            <a:off x="6771888" y="1063737"/>
+            <a:ext cx="4432300" cy="376237"/>
+          </a:xfrm>
+        </p:spPr>
+        <p:txBody>
+          <a:bodyPr>
+            <a:normAutofit fontScale="90000"/>
+          </a:bodyPr>
+          <a:lstStyle/>
+          <a:p>
+            <a:pPr algn="r" rtl="1"/>
+            <a:r>
+              <a:rPr lang="he-IL" dirty="0"/>
+              <a:t>נתונים יבשים</a:t>
+            </a:r>
+            <a:endParaRPr lang="en-US" dirty="0"/>
+          </a:p>
+        </p:txBody>
+      </p:sp>
+      <p:sp>
+        <p:nvSpPr>
+          <p:cNvPr id="3" name="Content Placeholder 2">
+            <a:extLst>
+              <a:ext uri="{FF2B5EF4-FFF2-40B4-BE49-F238E27FC236}">
+                <a16:creationId xmlns:a16="http://schemas.microsoft.com/office/drawing/2014/main" id="{2F3E203E-8BDD-4215-99AD-6BB98D238134}"/>
+              </a:ext>
+            </a:extLst>
+          </p:cNvPr>
+          <p:cNvSpPr>
+            <a:spLocks noGrp="1"/>
+          </p:cNvSpPr>
+          <p:nvPr>
+            <p:ph type="subTitle" idx="1"/>
+          </p:nvPr>
+        </p:nvSpPr>
+        <p:spPr>
+          <a:xfrm>
+            <a:off x="1528566" y="1617492"/>
+            <a:ext cx="9621375" cy="4176771"/>
+          </a:xfrm>
+        </p:spPr>
+        <p:txBody>
+          <a:bodyPr>
+            <a:normAutofit fontScale="92500" lnSpcReduction="10000"/>
+          </a:bodyPr>
+          <a:lstStyle/>
+          <a:p>
+            <a:pPr algn="r" rtl="1"/>
+            <a:r>
+              <a:rPr lang="en-US" sz="2800" b="1" u="sng" dirty="0"/>
+              <a:t>Dataset</a:t>
+            </a:r>
+            <a:endParaRPr lang="he-IL" sz="2800" b="1" u="sng" dirty="0"/>
+          </a:p>
+          <a:p>
+            <a:pPr marL="457200" indent="-457200" algn="r" rtl="1">
+              <a:buFont typeface="Arial" panose="020B0604020202020204" pitchFamily="34" charset="0"/>
+              <a:buChar char="•"/>
+            </a:pPr>
+            <a:r>
+              <a:rPr lang="en-US" sz="2800" dirty="0"/>
+              <a:t>Tweet description</a:t>
+            </a:r>
+            <a:r>
+              <a:rPr lang="he-IL" sz="2800" dirty="0"/>
+              <a:t> – הטקסט שהמשתמש צייץ</a:t>
+            </a:r>
+          </a:p>
+          <a:p>
+            <a:pPr marL="457200" indent="-457200" algn="r" rtl="1">
+              <a:buFont typeface="Arial" panose="020B0604020202020204" pitchFamily="34" charset="0"/>
+              <a:buChar char="•"/>
+            </a:pPr>
+            <a:r>
+              <a:rPr lang="en-US" sz="2800" dirty="0"/>
+              <a:t>Gender</a:t>
+            </a:r>
+            <a:r>
+              <a:rPr lang="he-IL" sz="2800" dirty="0"/>
+              <a:t> – האם גבר או אישה כתבו את הציוץ</a:t>
+            </a:r>
+          </a:p>
+          <a:p>
+            <a:pPr algn="r" rtl="1"/>
+            <a:r>
+              <a:rPr lang="he-IL" sz="2800" b="1" u="sng" dirty="0"/>
+              <a:t>מודלים</a:t>
+            </a:r>
+          </a:p>
+          <a:p>
+            <a:pPr marL="457200" indent="-457200" algn="r" rtl="1">
+              <a:buFont typeface="Arial" panose="020B0604020202020204" pitchFamily="34" charset="0"/>
+              <a:buChar char="•"/>
+            </a:pPr>
+            <a:r>
+              <a:rPr lang="en-US" sz="2800" dirty="0"/>
+              <a:t>Gaussian Naive Bayes</a:t>
+            </a:r>
+            <a:endParaRPr lang="he-IL" sz="2800" dirty="0"/>
+          </a:p>
+          <a:p>
+            <a:pPr marL="457200" indent="-457200" algn="r" rtl="1">
+              <a:buFont typeface="Arial" panose="020B0604020202020204" pitchFamily="34" charset="0"/>
+              <a:buChar char="•"/>
+            </a:pPr>
+            <a:r>
+              <a:rPr lang="en-US" sz="2800" dirty="0"/>
+              <a:t>A random forest classifier</a:t>
+            </a:r>
+          </a:p>
+          <a:p>
+            <a:pPr algn="r" rtl="1"/>
+            <a:r>
+              <a:rPr lang="he-IL" sz="2800" b="1" u="sng" dirty="0"/>
+              <a:t>סיווג מידע (מודל וקטור)</a:t>
+            </a:r>
+          </a:p>
+          <a:p>
+            <a:pPr marL="457200" indent="-457200" algn="r" rtl="1">
+              <a:buFont typeface="Arial" panose="020B0604020202020204" pitchFamily="34" charset="0"/>
+              <a:buChar char="•"/>
+            </a:pPr>
+            <a:r>
+              <a:rPr lang="en-US" sz="2800" dirty="0"/>
+              <a:t>Count Vector</a:t>
+            </a:r>
+          </a:p>
+          <a:p>
+            <a:pPr marL="457200" indent="-457200" algn="r" rtl="1">
+              <a:buFont typeface="Arial" panose="020B0604020202020204" pitchFamily="34" charset="0"/>
+              <a:buChar char="•"/>
+            </a:pPr>
+            <a:r>
+              <a:rPr lang="en-US" sz="2800" dirty="0"/>
+              <a:t>TF-IDF</a:t>
+            </a:r>
+          </a:p>
+          <a:p>
+            <a:pPr marL="457200" indent="-457200" algn="r" rtl="1">
+              <a:buFont typeface="Arial" panose="020B0604020202020204" pitchFamily="34" charset="0"/>
+              <a:buChar char="•"/>
+            </a:pPr>
+            <a:endParaRPr lang="en-US" sz="2800" dirty="0"/>
+          </a:p>
+        </p:txBody>
+      </p:sp>
+      <p:sp>
+        <p:nvSpPr>
+          <p:cNvPr id="4" name="Isosceles Triangle 3">
+            <a:extLst>
+              <a:ext uri="{FF2B5EF4-FFF2-40B4-BE49-F238E27FC236}">
+                <a16:creationId xmlns:a16="http://schemas.microsoft.com/office/drawing/2014/main" id="{94FE6FA2-86F6-4F02-BDB7-0047077F2A51}"/>
+              </a:ext>
+            </a:extLst>
+          </p:cNvPr>
+          <p:cNvSpPr/>
+          <p:nvPr/>
+        </p:nvSpPr>
+        <p:spPr>
+          <a:xfrm rot="16200000">
+            <a:off x="11165998" y="825050"/>
+            <a:ext cx="553755" cy="477375"/>
+          </a:xfrm>
+          <a:prstGeom prst="triangle">
+            <a:avLst/>
+          </a:prstGeom>
+          <a:solidFill>
+            <a:srgbClr val="002060"/>
+          </a:solidFill>
+          <a:ln>
+            <a:noFill/>
+          </a:ln>
+        </p:spPr>
+        <p:style>
+          <a:lnRef idx="2">
+            <a:schemeClr val="accent1">
+              <a:shade val="50000"/>
+            </a:schemeClr>
+          </a:lnRef>
+          <a:fillRef idx="1">
+            <a:schemeClr val="accent1"/>
+          </a:fillRef>
+          <a:effectRef idx="0">
+            <a:schemeClr val="accent1"/>
+          </a:effectRef>
+          <a:fontRef idx="minor">
+            <a:schemeClr val="lt1"/>
+          </a:fontRef>
+        </p:style>
+        <p:txBody>
+          <a:bodyPr rtlCol="0" anchor="ctr"/>
+          <a:lstStyle/>
+          <a:p>
+            <a:pPr algn="ctr"/>
+            <a:endParaRPr lang="en-US"/>
+          </a:p>
+        </p:txBody>
+      </p:sp>
+    </p:spTree>
+    <p:extLst>
+      <p:ext uri="{BB962C8B-B14F-4D97-AF65-F5344CB8AC3E}">
+        <p14:creationId xmlns:p14="http://schemas.microsoft.com/office/powerpoint/2010/main" val="2124090642"/>
+      </p:ext>
+    </p:extLst>
+  </p:cSld>
+  <p:clrMapOvr>
+    <a:masterClrMapping/>
+  </p:clrMapOvr>
+</p:sld>
+</file>
+
+<file path=ppt/slides/slide4.xml><?xml version="1.0" encoding="utf-8"?>
+<p:sld xmlns:a="http://schemas.openxmlformats.org/drawingml/2006/main" xmlns:r="http://schemas.openxmlformats.org/officeDocument/2006/relationships" xmlns:p="http://schemas.openxmlformats.org/presentationml/2006/main">
+  <p:cSld>
+    <p:spTree>
+      <p:nvGrpSpPr>
+        <p:cNvPr id="1" name=""/>
+        <p:cNvGrpSpPr/>
+        <p:nvPr/>
+      </p:nvGrpSpPr>
+      <p:grpSpPr>
+        <a:xfrm>
+          <a:off x="0" y="0"/>
+          <a:ext cx="0" cy="0"/>
+          <a:chOff x="0" y="0"/>
+          <a:chExt cx="0" cy="0"/>
+        </a:xfrm>
+      </p:grpSpPr>
+      <p:sp>
+        <p:nvSpPr>
+          <p:cNvPr id="2" name="Title 1">
+            <a:extLst>
+              <a:ext uri="{FF2B5EF4-FFF2-40B4-BE49-F238E27FC236}">
+                <a16:creationId xmlns:a16="http://schemas.microsoft.com/office/drawing/2014/main" id="{BD0CD058-5770-47A0-9C44-8A848D2E3061}"/>
+              </a:ext>
+            </a:extLst>
+          </p:cNvPr>
+          <p:cNvSpPr>
+            <a:spLocks noGrp="1"/>
+          </p:cNvSpPr>
+          <p:nvPr>
+            <p:ph type="ctrTitle"/>
+          </p:nvPr>
+        </p:nvSpPr>
+        <p:spPr>
+          <a:xfrm>
+            <a:off x="4720856" y="691468"/>
+            <a:ext cx="6353544" cy="744537"/>
+          </a:xfrm>
+        </p:spPr>
+        <p:txBody>
+          <a:bodyPr>
+            <a:normAutofit fontScale="90000"/>
+          </a:bodyPr>
+          <a:lstStyle/>
+          <a:p>
+            <a:pPr algn="r" rtl="1"/>
+            <a:r>
+              <a:rPr lang="he-IL" dirty="0"/>
+              <a:t>סינון וניקוי המידע</a:t>
+            </a:r>
+            <a:endParaRPr lang="en-US" dirty="0"/>
+          </a:p>
+        </p:txBody>
+      </p:sp>
+      <p:sp>
+        <p:nvSpPr>
+          <p:cNvPr id="3" name="Content Placeholder 2">
+            <a:extLst>
+              <a:ext uri="{FF2B5EF4-FFF2-40B4-BE49-F238E27FC236}">
+                <a16:creationId xmlns:a16="http://schemas.microsoft.com/office/drawing/2014/main" id="{0F63B046-EA19-4112-AAFE-3C01A001ADA0}"/>
+              </a:ext>
+            </a:extLst>
+          </p:cNvPr>
+          <p:cNvSpPr>
+            <a:spLocks noGrp="1"/>
+          </p:cNvSpPr>
+          <p:nvPr>
+            <p:ph type="subTitle" idx="1"/>
+          </p:nvPr>
+        </p:nvSpPr>
+        <p:spPr>
+          <a:xfrm>
+            <a:off x="406400" y="1587500"/>
+            <a:ext cx="10668000" cy="4579032"/>
+          </a:xfrm>
+        </p:spPr>
+        <p:txBody>
+          <a:bodyPr>
+            <a:normAutofit/>
+          </a:bodyPr>
+          <a:lstStyle/>
+          <a:p>
+            <a:pPr marL="342900" indent="-342900" algn="r" rtl="1">
+              <a:buFont typeface="Arial" panose="020B0604020202020204" pitchFamily="34" charset="0"/>
+              <a:buChar char="•"/>
+            </a:pPr>
+            <a:r>
+              <a:rPr lang="he-IL" sz="2400" dirty="0"/>
+              <a:t>ה-</a:t>
+            </a:r>
+            <a:r>
+              <a:rPr lang="en-US" sz="2400" dirty="0"/>
+              <a:t>Data</a:t>
+            </a:r>
+            <a:r>
+              <a:rPr lang="en-US" dirty="0"/>
+              <a:t>s</a:t>
+            </a:r>
+            <a:r>
+              <a:rPr lang="en-US" sz="2400" dirty="0"/>
+              <a:t>et</a:t>
+            </a:r>
+            <a:r>
+              <a:rPr lang="he-IL" sz="2400" dirty="0"/>
+              <a:t> הכיל המון מידע, אנו השתמשנו רק בשני שדות (</a:t>
+            </a:r>
+            <a:r>
+              <a:rPr lang="en-US" dirty="0"/>
+              <a:t>Gender, Description</a:t>
+            </a:r>
+            <a:r>
+              <a:rPr lang="he-IL" dirty="0"/>
+              <a:t>)</a:t>
+            </a:r>
+          </a:p>
+          <a:p>
+            <a:pPr marL="342900" indent="-342900" algn="r" rtl="1">
+              <a:buFont typeface="Arial" panose="020B0604020202020204" pitchFamily="34" charset="0"/>
+              <a:buChar char="•"/>
+            </a:pPr>
+            <a:r>
+              <a:rPr lang="he-IL" dirty="0"/>
+              <a:t>בעמודה </a:t>
+            </a:r>
+            <a:r>
+              <a:rPr lang="en-US" dirty="0"/>
+              <a:t>Gender</a:t>
+            </a:r>
+            <a:r>
+              <a:rPr lang="he-IL" dirty="0"/>
+              <a:t> :</a:t>
+            </a:r>
+          </a:p>
+          <a:p>
+            <a:pPr marL="800100" lvl="1" indent="-342900" algn="r" rtl="1">
+              <a:buFont typeface="Arial" panose="020B0604020202020204" pitchFamily="34" charset="0"/>
+              <a:buChar char="•"/>
+            </a:pPr>
+            <a:r>
+              <a:rPr lang="en-US" dirty="0"/>
+              <a:t>Male, Female, Brand, Unknow, Blank</a:t>
+            </a:r>
+            <a:endParaRPr lang="he-IL" dirty="0"/>
+          </a:p>
+          <a:p>
+            <a:pPr marL="800100" lvl="1" indent="-342900" algn="r" rtl="1">
+              <a:buFont typeface="Arial" panose="020B0604020202020204" pitchFamily="34" charset="0"/>
+              <a:buChar char="•"/>
+            </a:pPr>
+            <a:r>
+              <a:rPr lang="he-IL" dirty="0"/>
+              <a:t>שלפנו רק את הציוצים שהיו של </a:t>
+            </a:r>
+            <a:r>
+              <a:rPr lang="en-US" dirty="0"/>
+              <a:t>Male</a:t>
+            </a:r>
+            <a:r>
+              <a:rPr lang="he-IL" dirty="0"/>
+              <a:t> ו-</a:t>
+            </a:r>
+            <a:r>
+              <a:rPr lang="en-US" dirty="0"/>
+              <a:t>Female</a:t>
+            </a:r>
+          </a:p>
+          <a:p>
+            <a:pPr marL="800100" lvl="1" indent="-342900" algn="r" rtl="1">
+              <a:buFont typeface="Arial" panose="020B0604020202020204" pitchFamily="34" charset="0"/>
+              <a:buChar char="•"/>
+            </a:pPr>
+            <a:r>
+              <a:rPr lang="he-IL" dirty="0"/>
+              <a:t>הפכנו את </a:t>
+            </a:r>
+            <a:r>
+              <a:rPr lang="en-US" dirty="0"/>
+              <a:t>Male</a:t>
+            </a:r>
+            <a:r>
+              <a:rPr lang="he-IL" dirty="0"/>
+              <a:t> ל-0 ו-</a:t>
+            </a:r>
+            <a:r>
+              <a:rPr lang="en-US" dirty="0"/>
+              <a:t>Female</a:t>
+            </a:r>
+            <a:r>
+              <a:rPr lang="he-IL" dirty="0"/>
+              <a:t> ל-1 כי יותר קל להשוות 0 ו-1 מאשר מחרוזת (שיקולי זמן ריצה)</a:t>
+            </a:r>
+            <a:endParaRPr lang="en-US" dirty="0"/>
+          </a:p>
+          <a:p>
+            <a:pPr marL="342900" indent="-342900" algn="r" rtl="1">
+              <a:buFont typeface="Arial" panose="020B0604020202020204" pitchFamily="34" charset="0"/>
+              <a:buChar char="•"/>
+            </a:pPr>
+            <a:r>
+              <a:rPr lang="he-IL" dirty="0"/>
+              <a:t>קטגוריה של </a:t>
+            </a:r>
+            <a:r>
+              <a:rPr lang="en-US" dirty="0"/>
+              <a:t>Description</a:t>
+            </a:r>
+          </a:p>
+          <a:p>
+            <a:pPr marL="800100" lvl="1" indent="-342900" algn="r" rtl="1">
+              <a:buFont typeface="Arial" panose="020B0604020202020204" pitchFamily="34" charset="0"/>
+              <a:buChar char="•"/>
+            </a:pPr>
+            <a:r>
+              <a:rPr lang="he-IL" dirty="0"/>
+              <a:t>סוננו פוסטים שלא היו כתובים באנגלית</a:t>
+            </a:r>
+          </a:p>
+          <a:p>
+            <a:pPr marL="800100" lvl="1" indent="-342900" algn="r" rtl="1">
+              <a:buFont typeface="Arial" panose="020B0604020202020204" pitchFamily="34" charset="0"/>
+              <a:buChar char="•"/>
+            </a:pPr>
+            <a:r>
+              <a:rPr lang="he-IL" dirty="0"/>
+              <a:t>סוננו סימני פיסוק כמו </a:t>
+            </a:r>
+            <a:r>
+              <a:rPr lang="en-US" dirty="0"/>
+              <a:t>, ! . ? “ ( )</a:t>
+            </a:r>
+            <a:r>
+              <a:rPr lang="he-IL" dirty="0"/>
+              <a:t> וכו.</a:t>
+            </a:r>
+          </a:p>
+          <a:p>
+            <a:pPr marL="800100" lvl="1" indent="-342900" algn="r" rtl="1">
+              <a:buFont typeface="Arial" panose="020B0604020202020204" pitchFamily="34" charset="0"/>
+              <a:buChar char="•"/>
+            </a:pPr>
+            <a:r>
+              <a:rPr lang="he-IL" dirty="0"/>
+              <a:t>כל הטקסט שונה לאותיות קטנות (</a:t>
+            </a:r>
+            <a:r>
+              <a:rPr lang="en-US" dirty="0"/>
+              <a:t>Like != like</a:t>
+            </a:r>
+            <a:r>
+              <a:rPr lang="he-IL" dirty="0"/>
+              <a:t>)</a:t>
+            </a:r>
+          </a:p>
+          <a:p>
+            <a:pPr marL="800100" lvl="1" indent="-342900" algn="r" rtl="1">
+              <a:buFont typeface="Arial" panose="020B0604020202020204" pitchFamily="34" charset="0"/>
+              <a:buChar char="•"/>
+            </a:pPr>
+            <a:r>
+              <a:rPr lang="he-IL" dirty="0"/>
+              <a:t>כל המילות פועל שונו לזמן הווה (</a:t>
+            </a:r>
+            <a:r>
+              <a:rPr lang="en-US" dirty="0"/>
+              <a:t>Went, going -&gt; go</a:t>
+            </a:r>
+            <a:r>
+              <a:rPr lang="he-IL" dirty="0"/>
+              <a:t>)</a:t>
+            </a:r>
+          </a:p>
+          <a:p>
+            <a:pPr marL="800100" lvl="1" indent="-342900" algn="r" rtl="1">
+              <a:buFont typeface="Arial" panose="020B0604020202020204" pitchFamily="34" charset="0"/>
+              <a:buChar char="•"/>
+            </a:pPr>
+            <a:r>
+              <a:rPr lang="he-IL" dirty="0"/>
+              <a:t>סוננו כל ה-</a:t>
+            </a:r>
+            <a:r>
+              <a:rPr lang="en-US" dirty="0"/>
+              <a:t>Stop Words</a:t>
+            </a:r>
+            <a:r>
+              <a:rPr lang="he-IL" dirty="0"/>
+              <a:t> (מילות קישור כמו </a:t>
+            </a:r>
+            <a:r>
+              <a:rPr lang="en-US" dirty="0"/>
+              <a:t>and, that, is</a:t>
+            </a:r>
+            <a:r>
+              <a:rPr lang="he-IL" dirty="0"/>
+              <a:t>)</a:t>
+            </a:r>
+            <a:endParaRPr lang="en-US" dirty="0"/>
+          </a:p>
+          <a:p>
+            <a:pPr lvl="1" algn="r" rtl="1"/>
+            <a:endParaRPr lang="he-IL" dirty="0"/>
+          </a:p>
+          <a:p>
+            <a:pPr algn="r" rtl="1"/>
+            <a:endParaRPr lang="en-US" sz="2400" dirty="0"/>
+          </a:p>
+        </p:txBody>
+      </p:sp>
+      <p:sp>
+        <p:nvSpPr>
+          <p:cNvPr id="4" name="Isosceles Triangle 3">
+            <a:extLst>
+              <a:ext uri="{FF2B5EF4-FFF2-40B4-BE49-F238E27FC236}">
+                <a16:creationId xmlns:a16="http://schemas.microsoft.com/office/drawing/2014/main" id="{84C37AD1-9C5A-4554-BF3A-D4C80053C593}"/>
+              </a:ext>
+            </a:extLst>
+          </p:cNvPr>
+          <p:cNvSpPr/>
+          <p:nvPr/>
+        </p:nvSpPr>
+        <p:spPr>
+          <a:xfrm rot="16200000">
+            <a:off x="11165998" y="825050"/>
+            <a:ext cx="553755" cy="477375"/>
+          </a:xfrm>
+          <a:prstGeom prst="triangle">
+            <a:avLst/>
+          </a:prstGeom>
+          <a:solidFill>
+            <a:srgbClr val="002060"/>
+          </a:solidFill>
+          <a:ln>
+            <a:noFill/>
+          </a:ln>
+        </p:spPr>
+        <p:style>
+          <a:lnRef idx="2">
+            <a:schemeClr val="accent1">
+              <a:shade val="50000"/>
+            </a:schemeClr>
+          </a:lnRef>
+          <a:fillRef idx="1">
+            <a:schemeClr val="accent1"/>
+          </a:fillRef>
+          <a:effectRef idx="0">
+            <a:schemeClr val="accent1"/>
+          </a:effectRef>
+          <a:fontRef idx="minor">
+            <a:schemeClr val="lt1"/>
+          </a:fontRef>
+        </p:style>
+        <p:txBody>
+          <a:bodyPr rtlCol="0" anchor="ctr"/>
+          <a:lstStyle/>
+          <a:p>
+            <a:pPr algn="ctr"/>
+            <a:endParaRPr lang="en-US"/>
+          </a:p>
+        </p:txBody>
+      </p:sp>
+    </p:spTree>
+    <p:extLst>
+      <p:ext uri="{BB962C8B-B14F-4D97-AF65-F5344CB8AC3E}">
+        <p14:creationId xmlns:p14="http://schemas.microsoft.com/office/powerpoint/2010/main" val="2988303882"/>
+      </p:ext>
+    </p:extLst>
+  </p:cSld>
+  <p:clrMapOvr>
+    <a:masterClrMapping/>
+  </p:clrMapOvr>
+</p:sld>
+</file>
+
+<file path=ppt/slides/slide5.xml><?xml version="1.0" encoding="utf-8"?>
+<p:sld xmlns:a="http://schemas.openxmlformats.org/drawingml/2006/main" xmlns:r="http://schemas.openxmlformats.org/officeDocument/2006/relationships" xmlns:p="http://schemas.openxmlformats.org/presentationml/2006/main">
+  <p:cSld>
+    <p:spTree>
+      <p:nvGrpSpPr>
+        <p:cNvPr id="1" name=""/>
+        <p:cNvGrpSpPr/>
+        <p:nvPr/>
+      </p:nvGrpSpPr>
+      <p:grpSpPr>
+        <a:xfrm>
+          <a:off x="0" y="0"/>
+          <a:ext cx="0" cy="0"/>
+          <a:chOff x="0" y="0"/>
+          <a:chExt cx="0" cy="0"/>
+        </a:xfrm>
+      </p:grpSpPr>
+      <p:sp>
+        <p:nvSpPr>
+          <p:cNvPr id="2" name="Title 1">
+            <a:extLst>
+              <a:ext uri="{FF2B5EF4-FFF2-40B4-BE49-F238E27FC236}">
+                <a16:creationId xmlns:a16="http://schemas.microsoft.com/office/drawing/2014/main" id="{C4EA381F-35B1-421B-AE02-BE02ECBF786C}"/>
+              </a:ext>
+            </a:extLst>
+          </p:cNvPr>
+          <p:cNvSpPr>
+            <a:spLocks noGrp="1"/>
+          </p:cNvSpPr>
+          <p:nvPr>
+            <p:ph type="ctrTitle"/>
+          </p:nvPr>
+        </p:nvSpPr>
+        <p:spPr>
+          <a:xfrm>
+            <a:off x="5497033" y="627968"/>
+            <a:ext cx="5526567" cy="871537"/>
+          </a:xfrm>
+        </p:spPr>
+        <p:txBody>
+          <a:bodyPr>
+            <a:normAutofit fontScale="90000"/>
+          </a:bodyPr>
+          <a:lstStyle/>
+          <a:p>
+            <a:pPr algn="r" rtl="1"/>
+            <a:r>
+              <a:rPr lang="en-US" dirty="0"/>
+              <a:t>String to Vector</a:t>
+            </a:r>
+          </a:p>
+        </p:txBody>
+      </p:sp>
+      <p:sp>
+        <p:nvSpPr>
+          <p:cNvPr id="3" name="Content Placeholder 2">
+            <a:extLst>
+              <a:ext uri="{FF2B5EF4-FFF2-40B4-BE49-F238E27FC236}">
+                <a16:creationId xmlns:a16="http://schemas.microsoft.com/office/drawing/2014/main" id="{4DD41BB0-8090-4388-9615-1952218E4D68}"/>
+              </a:ext>
+            </a:extLst>
+          </p:cNvPr>
+          <p:cNvSpPr>
+            <a:spLocks noGrp="1"/>
+          </p:cNvSpPr>
+          <p:nvPr>
+            <p:ph type="subTitle" idx="1"/>
+          </p:nvPr>
+        </p:nvSpPr>
+        <p:spPr>
+          <a:xfrm>
+            <a:off x="388475" y="1595184"/>
+            <a:ext cx="11293088" cy="4337732"/>
+          </a:xfrm>
+        </p:spPr>
+        <p:txBody>
+          <a:bodyPr>
+            <a:normAutofit/>
+          </a:bodyPr>
+          <a:lstStyle/>
+          <a:p>
+            <a:pPr algn="r" rtl="1"/>
+            <a:r>
+              <a:rPr lang="he-IL" dirty="0"/>
+              <a:t>מעבר של יצוג המידע מ-</a:t>
+            </a:r>
+            <a:r>
+              <a:rPr lang="en-US" dirty="0"/>
+              <a:t>String</a:t>
+            </a:r>
+            <a:r>
+              <a:rPr lang="he-IL" dirty="0"/>
+              <a:t> ל-</a:t>
+            </a:r>
+            <a:r>
+              <a:rPr lang="en-US" dirty="0"/>
+              <a:t>Vector</a:t>
+            </a:r>
+            <a:endParaRPr lang="he-IL" dirty="0"/>
+          </a:p>
+          <a:p>
+            <a:pPr algn="r" rtl="1"/>
+            <a:r>
+              <a:rPr lang="he-IL" dirty="0"/>
+              <a:t>המודלים שהשתמשנו עובדים עם מידע בצורה של </a:t>
+            </a:r>
+            <a:r>
+              <a:rPr lang="en-US" dirty="0"/>
+              <a:t>Vector</a:t>
+            </a:r>
+            <a:r>
+              <a:rPr lang="he-IL" dirty="0"/>
+              <a:t> או </a:t>
+            </a:r>
+            <a:r>
+              <a:rPr lang="en-US" dirty="0"/>
+              <a:t>Sparse Matrix</a:t>
+            </a:r>
+            <a:endParaRPr lang="he-IL" dirty="0"/>
+          </a:p>
+          <a:p>
+            <a:pPr algn="r" rtl="1"/>
+            <a:r>
+              <a:rPr lang="he-IL" dirty="0"/>
+              <a:t>השתמשנו בשני סוגים של חבילות לטובת המעבר: </a:t>
+            </a:r>
+            <a:r>
+              <a:rPr lang="en-US" dirty="0"/>
+              <a:t>Count Vector</a:t>
+            </a:r>
+            <a:r>
+              <a:rPr lang="he-IL" dirty="0"/>
+              <a:t> ו-</a:t>
+            </a:r>
+            <a:r>
+              <a:rPr lang="en-US" dirty="0"/>
+              <a:t>TF-IDF</a:t>
+            </a:r>
+            <a:endParaRPr lang="he-IL" dirty="0"/>
+          </a:p>
+          <a:p>
+            <a:pPr algn="r" rtl="1"/>
+            <a:endParaRPr lang="he-IL" dirty="0"/>
+          </a:p>
+          <a:p>
+            <a:pPr marL="342900" indent="-342900" algn="r" rtl="1">
+              <a:buFont typeface="Arial" panose="020B0604020202020204" pitchFamily="34" charset="0"/>
+              <a:buChar char="•"/>
+            </a:pPr>
+            <a:endParaRPr lang="he-IL" dirty="0"/>
+          </a:p>
+          <a:p>
+            <a:pPr algn="r" rtl="1"/>
+            <a:endParaRPr lang="he-IL" dirty="0"/>
+          </a:p>
+        </p:txBody>
+      </p:sp>
+      <p:sp>
+        <p:nvSpPr>
+          <p:cNvPr id="4" name="Isosceles Triangle 3">
+            <a:extLst>
+              <a:ext uri="{FF2B5EF4-FFF2-40B4-BE49-F238E27FC236}">
+                <a16:creationId xmlns:a16="http://schemas.microsoft.com/office/drawing/2014/main" id="{04289875-F08A-4EBB-AC0E-AF7947C2A464}"/>
+              </a:ext>
+            </a:extLst>
+          </p:cNvPr>
+          <p:cNvSpPr/>
+          <p:nvPr/>
+        </p:nvSpPr>
+        <p:spPr>
+          <a:xfrm rot="16200000">
+            <a:off x="11165998" y="825050"/>
+            <a:ext cx="553755" cy="477375"/>
+          </a:xfrm>
+          <a:prstGeom prst="triangle">
+            <a:avLst/>
+          </a:prstGeom>
+          <a:solidFill>
+            <a:srgbClr val="002060"/>
+          </a:solidFill>
+          <a:ln>
+            <a:noFill/>
+          </a:ln>
+        </p:spPr>
+        <p:style>
+          <a:lnRef idx="2">
+            <a:schemeClr val="accent1">
+              <a:shade val="50000"/>
+            </a:schemeClr>
+          </a:lnRef>
+          <a:fillRef idx="1">
+            <a:schemeClr val="accent1"/>
+          </a:fillRef>
+          <a:effectRef idx="0">
+            <a:schemeClr val="accent1"/>
+          </a:effectRef>
+          <a:fontRef idx="minor">
+            <a:schemeClr val="lt1"/>
+          </a:fontRef>
+        </p:style>
+        <p:txBody>
+          <a:bodyPr rtlCol="0" anchor="ctr"/>
+          <a:lstStyle/>
+          <a:p>
+            <a:pPr algn="ctr"/>
+            <a:endParaRPr lang="en-US"/>
+          </a:p>
+        </p:txBody>
+      </p:sp>
+    </p:spTree>
+    <p:extLst>
+      <p:ext uri="{BB962C8B-B14F-4D97-AF65-F5344CB8AC3E}">
+        <p14:creationId xmlns:p14="http://schemas.microsoft.com/office/powerpoint/2010/main" val="2009880876"/>
+      </p:ext>
+    </p:extLst>
+  </p:cSld>
+  <p:clrMapOvr>
+    <a:masterClrMapping/>
+  </p:clrMapOvr>
+</p:sld>
+</file>
+
+<file path=ppt/slides/slide6.xml><?xml version="1.0" encoding="utf-8"?>
+<p:sld xmlns:a="http://schemas.openxmlformats.org/drawingml/2006/main" xmlns:r="http://schemas.openxmlformats.org/officeDocument/2006/relationships" xmlns:p="http://schemas.openxmlformats.org/presentationml/2006/main">
+  <p:cSld>
+    <p:spTree>
+      <p:nvGrpSpPr>
+        <p:cNvPr id="1" name=""/>
+        <p:cNvGrpSpPr/>
+        <p:nvPr/>
+      </p:nvGrpSpPr>
+      <p:grpSpPr>
+        <a:xfrm>
+          <a:off x="0" y="0"/>
+          <a:ext cx="0" cy="0"/>
+          <a:chOff x="0" y="0"/>
+          <a:chExt cx="0" cy="0"/>
+        </a:xfrm>
+      </p:grpSpPr>
+      <p:sp>
+        <p:nvSpPr>
+          <p:cNvPr id="2" name="Title 1">
+            <a:extLst>
+              <a:ext uri="{FF2B5EF4-FFF2-40B4-BE49-F238E27FC236}">
+                <a16:creationId xmlns:a16="http://schemas.microsoft.com/office/drawing/2014/main" id="{C4EA381F-35B1-421B-AE02-BE02ECBF786C}"/>
+              </a:ext>
+            </a:extLst>
+          </p:cNvPr>
+          <p:cNvSpPr>
+            <a:spLocks noGrp="1"/>
+          </p:cNvSpPr>
+          <p:nvPr>
+            <p:ph type="ctrTitle"/>
+          </p:nvPr>
+        </p:nvSpPr>
+        <p:spPr>
+          <a:xfrm>
+            <a:off x="5497033" y="627968"/>
+            <a:ext cx="5526567" cy="871537"/>
+          </a:xfrm>
+        </p:spPr>
+        <p:txBody>
+          <a:bodyPr>
+            <a:normAutofit fontScale="90000"/>
+          </a:bodyPr>
+          <a:lstStyle/>
+          <a:p>
+            <a:pPr algn="r" rtl="1"/>
+            <a:r>
+              <a:rPr lang="en-US" dirty="0"/>
+              <a:t>Count Vector</a:t>
+            </a:r>
+          </a:p>
+        </p:txBody>
+      </p:sp>
+      <p:sp>
+        <p:nvSpPr>
+          <p:cNvPr id="3" name="Content Placeholder 2">
+            <a:extLst>
+              <a:ext uri="{FF2B5EF4-FFF2-40B4-BE49-F238E27FC236}">
+                <a16:creationId xmlns:a16="http://schemas.microsoft.com/office/drawing/2014/main" id="{4DD41BB0-8090-4388-9615-1952218E4D68}"/>
+              </a:ext>
+            </a:extLst>
+          </p:cNvPr>
+          <p:cNvSpPr>
+            <a:spLocks noGrp="1"/>
+          </p:cNvSpPr>
+          <p:nvPr>
+            <p:ph type="subTitle" idx="1"/>
+          </p:nvPr>
+        </p:nvSpPr>
+        <p:spPr>
+          <a:xfrm>
+            <a:off x="388475" y="1595184"/>
+            <a:ext cx="11293088" cy="4337732"/>
+          </a:xfrm>
+        </p:spPr>
+        <p:txBody>
+          <a:bodyPr>
+            <a:normAutofit/>
+          </a:bodyPr>
+          <a:lstStyle/>
+          <a:p>
+            <a:pPr algn="r" rtl="1"/>
+            <a:r>
+              <a:rPr lang="he-IL" dirty="0"/>
+              <a:t>מספר המופעים עבור כל מילה במסמך</a:t>
+            </a:r>
+            <a:endParaRPr lang="en-US" dirty="0"/>
+          </a:p>
+          <a:p>
+            <a:pPr marL="342900" indent="-342900" algn="r" rtl="1">
+              <a:buFont typeface="Arial" panose="020B0604020202020204" pitchFamily="34" charset="0"/>
+              <a:buChar char="•"/>
+            </a:pPr>
+            <a:endParaRPr lang="he-IL" dirty="0"/>
+          </a:p>
+          <a:p>
+            <a:pPr algn="r" rtl="1"/>
+            <a:endParaRPr lang="he-IL" dirty="0"/>
+          </a:p>
+        </p:txBody>
+      </p:sp>
+      <p:sp>
+        <p:nvSpPr>
+          <p:cNvPr id="4" name="Isosceles Triangle 3">
+            <a:extLst>
+              <a:ext uri="{FF2B5EF4-FFF2-40B4-BE49-F238E27FC236}">
+                <a16:creationId xmlns:a16="http://schemas.microsoft.com/office/drawing/2014/main" id="{04289875-F08A-4EBB-AC0E-AF7947C2A464}"/>
+              </a:ext>
+            </a:extLst>
+          </p:cNvPr>
+          <p:cNvSpPr/>
+          <p:nvPr/>
+        </p:nvSpPr>
+        <p:spPr>
+          <a:xfrm rot="16200000">
+            <a:off x="11165998" y="825050"/>
+            <a:ext cx="553755" cy="477375"/>
+          </a:xfrm>
+          <a:prstGeom prst="triangle">
+            <a:avLst/>
+          </a:prstGeom>
+          <a:solidFill>
+            <a:srgbClr val="002060"/>
+          </a:solidFill>
+          <a:ln>
+            <a:noFill/>
+          </a:ln>
+        </p:spPr>
+        <p:style>
+          <a:lnRef idx="2">
+            <a:schemeClr val="accent1">
+              <a:shade val="50000"/>
+            </a:schemeClr>
+          </a:lnRef>
+          <a:fillRef idx="1">
+            <a:schemeClr val="accent1"/>
+          </a:fillRef>
+          <a:effectRef idx="0">
+            <a:schemeClr val="accent1"/>
+          </a:effectRef>
+          <a:fontRef idx="minor">
+            <a:schemeClr val="lt1"/>
+          </a:fontRef>
+        </p:style>
+        <p:txBody>
+          <a:bodyPr rtlCol="0" anchor="ctr"/>
+          <a:lstStyle/>
+          <a:p>
+            <a:pPr algn="ctr"/>
+            <a:endParaRPr lang="en-US"/>
+          </a:p>
+        </p:txBody>
+      </p:sp>
       <p:graphicFrame>
         <p:nvGraphicFramePr>
           <p:cNvPr id="6" name="Table 5">
@@ -5197,13 +9068,13 @@
           <p:nvPr>
             <p:extLst>
               <p:ext uri="{D42A27DB-BD31-4B8C-83A1-F6EECF244321}">
-                <p14:modId xmlns:p14="http://schemas.microsoft.com/office/powerpoint/2010/main" val="87501360"/>
+                <p14:modId xmlns:p14="http://schemas.microsoft.com/office/powerpoint/2010/main" val="2036532931"/>
               </p:ext>
             </p:extLst>
           </p:nvPr>
         </p:nvGraphicFramePr>
         <p:xfrm>
-          <a:off x="3392968" y="4216940"/>
+          <a:off x="3553562" y="2501900"/>
           <a:ext cx="8128001" cy="1854200"/>
         </p:xfrm>
         <a:graphic>
@@ -5448,7 +9319,7 @@
                     <a:p>
                       <a:r>
                         <a:rPr lang="he-IL" dirty="0"/>
-                        <a:t>0</a:t>
+                        <a:t>1</a:t>
                       </a:r>
                       <a:endParaRPr lang="en-US" dirty="0"/>
                     </a:p>
@@ -5481,9 +9352,10 @@
                     <a:lstStyle/>
                     <a:p>
                       <a:r>
-                        <a:rPr lang="en-US" dirty="0"/>
-                        <a:t>1</a:t>
+                        <a:rPr lang="he-IL" dirty="0"/>
+                        <a:t>2</a:t>
                       </a:r>
+                      <a:endParaRPr lang="en-US" dirty="0"/>
                     </a:p>
                   </a:txBody>
                   <a:tcPr/>
@@ -5620,9 +9492,10 @@
                     <a:lstStyle/>
                     <a:p>
                       <a:r>
-                        <a:rPr lang="en-US" dirty="0"/>
-                        <a:t>1</a:t>
+                        <a:rPr lang="he-IL" dirty="0"/>
+                        <a:t>3</a:t>
                       </a:r>
+                      <a:endParaRPr lang="en-US" dirty="0"/>
                     </a:p>
                   </a:txBody>
                   <a:tcPr/>
@@ -5720,9 +9593,10 @@
                     <a:lstStyle/>
                     <a:p>
                       <a:r>
-                        <a:rPr lang="en-US" dirty="0"/>
-                        <a:t>1</a:t>
+                        <a:rPr lang="he-IL" dirty="0"/>
+                        <a:t>4</a:t>
                       </a:r>
+                      <a:endParaRPr lang="en-US" dirty="0"/>
                     </a:p>
                   </a:txBody>
                   <a:tcPr/>
@@ -5765,10 +9639,46 @@
           </a:graphicData>
         </a:graphic>
       </p:graphicFrame>
+      <p:sp>
+        <p:nvSpPr>
+          <p:cNvPr id="5" name="TextBox 4">
+            <a:extLst>
+              <a:ext uri="{FF2B5EF4-FFF2-40B4-BE49-F238E27FC236}">
+                <a16:creationId xmlns:a16="http://schemas.microsoft.com/office/drawing/2014/main" id="{904A7F32-AD89-442F-857C-C02A0A6C7231}"/>
+              </a:ext>
+            </a:extLst>
+          </p:cNvPr>
+          <p:cNvSpPr txBox="1"/>
+          <p:nvPr/>
+        </p:nvSpPr>
+        <p:spPr>
+          <a:xfrm>
+            <a:off x="684479" y="2668772"/>
+            <a:ext cx="1286540" cy="3770263"/>
+          </a:xfrm>
+          <a:prstGeom prst="rect">
+            <a:avLst/>
+          </a:prstGeom>
+          <a:noFill/>
+        </p:spPr>
+        <p:txBody>
+          <a:bodyPr wrap="square" rtlCol="0">
+            <a:spAutoFit/>
+          </a:bodyPr>
+          <a:lstStyle/>
+          <a:p>
+            <a:r>
+              <a:rPr lang="he-IL" sz="23900" dirty="0"/>
+              <a:t>?</a:t>
+            </a:r>
+            <a:endParaRPr lang="en-US" sz="23900" dirty="0"/>
+          </a:p>
+        </p:txBody>
+      </p:sp>
     </p:spTree>
     <p:extLst>
       <p:ext uri="{BB962C8B-B14F-4D97-AF65-F5344CB8AC3E}">
-        <p14:creationId xmlns:p14="http://schemas.microsoft.com/office/powerpoint/2010/main" val="1723073099"/>
+        <p14:creationId xmlns:p14="http://schemas.microsoft.com/office/powerpoint/2010/main" val="3195077192"/>
       </p:ext>
     </p:extLst>
   </p:cSld>
@@ -5778,7 +9688,7 @@
 </p:sld>
 </file>
 
-<file path=ppt/slides/slide6.xml><?xml version="1.0" encoding="utf-8"?>
+<file path=ppt/slides/slide7.xml><?xml version="1.0" encoding="utf-8"?>
 <p:sld xmlns:a="http://schemas.openxmlformats.org/drawingml/2006/main" xmlns:r="http://schemas.openxmlformats.org/officeDocument/2006/relationships" xmlns:p="http://schemas.openxmlformats.org/presentationml/2006/main">
   <p:cSld>
     <p:spTree>
@@ -5800,7 +9710,7 @@
           <p:cNvPr id="2" name="Title 1">
             <a:extLst>
               <a:ext uri="{FF2B5EF4-FFF2-40B4-BE49-F238E27FC236}">
-                <a16:creationId xmlns:a16="http://schemas.microsoft.com/office/drawing/2014/main" id="{11C5C169-670D-445E-AB0B-D708E26A5499}"/>
+                <a16:creationId xmlns:a16="http://schemas.microsoft.com/office/drawing/2014/main" id="{C4EA381F-35B1-421B-AE02-BE02ECBF786C}"/>
               </a:ext>
             </a:extLst>
           </p:cNvPr>
@@ -5813,8 +9723,8 @@
         </p:nvSpPr>
         <p:spPr>
           <a:xfrm>
-            <a:off x="2100056" y="638749"/>
-            <a:ext cx="9144000" cy="849976"/>
+            <a:off x="5497033" y="627968"/>
+            <a:ext cx="5526567" cy="871537"/>
           </a:xfrm>
         </p:spPr>
         <p:txBody>
@@ -5826,17 +9736,109 @@
             <a:pPr algn="r" rtl="1"/>
             <a:r>
               <a:rPr lang="en-US" dirty="0"/>
-              <a:t>Feature</a:t>
-            </a:r>
-          </a:p>
-        </p:txBody>
-      </p:sp>
-      <p:sp>
-        <p:nvSpPr>
-          <p:cNvPr id="25" name="Isosceles Triangle 24">
-            <a:extLst>
-              <a:ext uri="{FF2B5EF4-FFF2-40B4-BE49-F238E27FC236}">
-                <a16:creationId xmlns:a16="http://schemas.microsoft.com/office/drawing/2014/main" id="{691631EC-2689-4600-AA5F-66705E2B881B}"/>
+              <a:t>TF-IDF</a:t>
+            </a:r>
+          </a:p>
+        </p:txBody>
+      </p:sp>
+      <p:sp>
+        <p:nvSpPr>
+          <p:cNvPr id="3" name="Content Placeholder 2">
+            <a:extLst>
+              <a:ext uri="{FF2B5EF4-FFF2-40B4-BE49-F238E27FC236}">
+                <a16:creationId xmlns:a16="http://schemas.microsoft.com/office/drawing/2014/main" id="{4DD41BB0-8090-4388-9615-1952218E4D68}"/>
+              </a:ext>
+            </a:extLst>
+          </p:cNvPr>
+          <p:cNvSpPr>
+            <a:spLocks noGrp="1"/>
+          </p:cNvSpPr>
+          <p:nvPr>
+            <p:ph type="subTitle" idx="1"/>
+          </p:nvPr>
+        </p:nvSpPr>
+        <p:spPr>
+          <a:xfrm>
+            <a:off x="388475" y="1595184"/>
+            <a:ext cx="11293088" cy="4337732"/>
+          </a:xfrm>
+        </p:spPr>
+        <p:txBody>
+          <a:bodyPr>
+            <a:normAutofit/>
+          </a:bodyPr>
+          <a:lstStyle/>
+          <a:p>
+            <a:pPr algn="r" rtl="1"/>
+            <a:r>
+              <a:rPr lang="he-IL" dirty="0"/>
+              <a:t>איך </a:t>
+            </a:r>
+            <a:r>
+              <a:rPr lang="en-US" dirty="0"/>
+              <a:t>TF-IDF</a:t>
+            </a:r>
+            <a:r>
+              <a:rPr lang="he-IL" dirty="0"/>
+              <a:t> מנרמל את הוקטורים:</a:t>
+            </a:r>
+          </a:p>
+          <a:p>
+            <a:pPr marL="342900" indent="-342900" algn="r" rtl="1">
+              <a:buFont typeface="Arial" panose="020B0604020202020204" pitchFamily="34" charset="0"/>
+              <a:buChar char="•"/>
+            </a:pPr>
+            <a:r>
+              <a:rPr lang="he-IL" dirty="0"/>
+              <a:t>נירמול כל מילה באורך המסמך (</a:t>
+            </a:r>
+            <a:r>
+              <a:rPr lang="en-US" dirty="0"/>
+              <a:t>TF</a:t>
+            </a:r>
+            <a:r>
+              <a:rPr lang="he-IL" dirty="0"/>
+              <a:t>) </a:t>
+            </a:r>
+          </a:p>
+          <a:p>
+            <a:pPr marL="342900" indent="-342900" algn="r" rtl="1">
+              <a:buFont typeface="Arial" panose="020B0604020202020204" pitchFamily="34" charset="0"/>
+              <a:buChar char="•"/>
+            </a:pPr>
+            <a:r>
+              <a:rPr lang="he-IL" dirty="0"/>
+              <a:t>נרמול בתדירות המילה בשאר המסמכים (</a:t>
+            </a:r>
+            <a:r>
+              <a:rPr lang="en-US" dirty="0"/>
+              <a:t>IDF</a:t>
+            </a:r>
+            <a:r>
+              <a:rPr lang="he-IL" dirty="0"/>
+              <a:t>)</a:t>
+            </a:r>
+            <a:endParaRPr lang="en-US" dirty="0"/>
+          </a:p>
+          <a:p>
+            <a:pPr marL="342900" indent="-342900" algn="r" rtl="1">
+              <a:buFont typeface="Arial" panose="020B0604020202020204" pitchFamily="34" charset="0"/>
+              <a:buChar char="•"/>
+            </a:pPr>
+            <a:endParaRPr lang="he-IL" dirty="0"/>
+          </a:p>
+          <a:p>
+            <a:pPr algn="r" rtl="1"/>
+            <a:endParaRPr lang="he-IL" dirty="0"/>
+          </a:p>
+        </p:txBody>
+      </p:sp>
+      <p:sp>
+        <p:nvSpPr>
+          <p:cNvPr id="4" name="Isosceles Triangle 3">
+            <a:extLst>
+              <a:ext uri="{FF2B5EF4-FFF2-40B4-BE49-F238E27FC236}">
+                <a16:creationId xmlns:a16="http://schemas.microsoft.com/office/drawing/2014/main" id="{04289875-F08A-4EBB-AC0E-AF7947C2A464}"/>
               </a:ext>
             </a:extLst>
           </p:cNvPr>
@@ -5883,89 +9885,70 @@
           </a:p>
         </p:txBody>
       </p:sp>
-      <p:sp>
-        <p:nvSpPr>
-          <p:cNvPr id="26" name="Content Placeholder 2">
-            <a:extLst>
-              <a:ext uri="{FF2B5EF4-FFF2-40B4-BE49-F238E27FC236}">
-                <a16:creationId xmlns:a16="http://schemas.microsoft.com/office/drawing/2014/main" id="{8CD2477F-4E8F-4D33-9D36-C3A4C7DC558C}"/>
-              </a:ext>
-            </a:extLst>
-          </p:cNvPr>
-          <p:cNvSpPr>
-            <a:spLocks noGrp="1"/>
-          </p:cNvSpPr>
-          <p:nvPr>
-            <p:ph type="subTitle" idx="1"/>
-          </p:nvPr>
-        </p:nvSpPr>
+      <p:pic>
+        <p:nvPicPr>
+          <p:cNvPr id="5" name="Picture 4">
+            <a:extLst>
+              <a:ext uri="{FF2B5EF4-FFF2-40B4-BE49-F238E27FC236}">
+                <a16:creationId xmlns:a16="http://schemas.microsoft.com/office/drawing/2014/main" id="{E784F6E8-AF63-4A46-BDFA-0FFD9DA77A4A}"/>
+              </a:ext>
+            </a:extLst>
+          </p:cNvPr>
+          <p:cNvPicPr>
+            <a:picLocks noChangeAspect="1"/>
+          </p:cNvPicPr>
+          <p:nvPr/>
+        </p:nvPicPr>
+        <p:blipFill>
+          <a:blip r:embed="rId3"/>
+          <a:stretch>
+            <a:fillRect/>
+          </a:stretch>
+        </p:blipFill>
         <p:spPr>
           <a:xfrm>
-            <a:off x="555262" y="1587500"/>
-            <a:ext cx="10668000" cy="4579032"/>
+            <a:off x="248702" y="828455"/>
+            <a:ext cx="5067743" cy="3093298"/>
           </a:xfrm>
+          <a:prstGeom prst="rect">
+            <a:avLst/>
+          </a:prstGeom>
         </p:spPr>
-        <p:txBody>
-          <a:bodyPr>
-            <a:normAutofit/>
-          </a:bodyPr>
-          <a:lstStyle/>
-          <a:p>
-            <a:pPr algn="r" rtl="1"/>
-            <a:r>
-              <a:rPr lang="he-IL" sz="2400" dirty="0"/>
-              <a:t>החיזוי הקלסי הינה רק באמצאות המילים השכיחות בציוצים בן גברים לנשים</a:t>
-            </a:r>
-          </a:p>
-          <a:p>
-            <a:pPr algn="r" rtl="1"/>
-            <a:r>
-              <a:rPr lang="he-IL" dirty="0"/>
-              <a:t>אנחנו הוספנו עוד</a:t>
-            </a:r>
-            <a:r>
-              <a:rPr lang="en-US" dirty="0"/>
-              <a:t> </a:t>
-            </a:r>
-            <a:r>
-              <a:rPr lang="he-IL" dirty="0"/>
-              <a:t>שני פיצ'רים כדי לנסות להגדיל את אחוזי ההצלחה של החיזוי.</a:t>
-            </a:r>
-          </a:p>
-          <a:p>
-            <a:pPr marL="457200" indent="-457200" algn="r" rtl="1">
-              <a:buFont typeface="+mj-lt"/>
-              <a:buAutoNum type="arabicPeriod"/>
-            </a:pPr>
-            <a:r>
-              <a:rPr lang="he-IL" sz="2400" dirty="0"/>
-              <a:t>כמות מילים בציוץ </a:t>
-            </a:r>
-          </a:p>
-          <a:p>
-            <a:pPr marL="457200" indent="-457200" algn="r" rtl="1">
-              <a:buFont typeface="+mj-lt"/>
-              <a:buAutoNum type="arabicPeriod"/>
-            </a:pPr>
-            <a:r>
-              <a:rPr lang="he-IL" sz="2400" dirty="0"/>
-              <a:t>כמות תווים בציוץ</a:t>
-            </a:r>
-          </a:p>
-          <a:p>
-            <a:pPr algn="r" rtl="1"/>
-            <a:r>
-              <a:rPr lang="he-IL" dirty="0"/>
-              <a:t>הפיצ'רים שהוספנו הגדילו את אחוז ההצלחה ב-3%</a:t>
-            </a:r>
-            <a:endParaRPr lang="en-US" sz="2400" dirty="0"/>
-          </a:p>
-        </p:txBody>
-      </p:sp>
+      </p:pic>
+      <p:pic>
+        <p:nvPicPr>
+          <p:cNvPr id="8" name="Picture 7">
+            <a:extLst>
+              <a:ext uri="{FF2B5EF4-FFF2-40B4-BE49-F238E27FC236}">
+                <a16:creationId xmlns:a16="http://schemas.microsoft.com/office/drawing/2014/main" id="{C9062315-929A-4995-80BF-F57E07918857}"/>
+              </a:ext>
+            </a:extLst>
+          </p:cNvPr>
+          <p:cNvPicPr>
+            <a:picLocks noChangeAspect="1"/>
+          </p:cNvPicPr>
+          <p:nvPr/>
+        </p:nvPicPr>
+        <p:blipFill>
+          <a:blip r:embed="rId4"/>
+          <a:stretch>
+            <a:fillRect/>
+          </a:stretch>
+        </p:blipFill>
+        <p:spPr>
+          <a:xfrm>
+            <a:off x="3365675" y="4027222"/>
+            <a:ext cx="8077200" cy="1800225"/>
+          </a:xfrm>
+          <a:prstGeom prst="rect">
+            <a:avLst/>
+          </a:prstGeom>
+        </p:spPr>
+      </p:pic>
     </p:spTree>
     <p:extLst>
       <p:ext uri="{BB962C8B-B14F-4D97-AF65-F5344CB8AC3E}">
-        <p14:creationId xmlns:p14="http://schemas.microsoft.com/office/powerpoint/2010/main" val="1192525231"/>
+        <p14:creationId xmlns:p14="http://schemas.microsoft.com/office/powerpoint/2010/main" val="1723073099"/>
       </p:ext>
     </p:extLst>
   </p:cSld>
@@ -5975,7 +9958,7 @@
 </p:sld>
 </file>
 
-<file path=ppt/slides/slide7.xml><?xml version="1.0" encoding="utf-8"?>
+<file path=ppt/slides/slide8.xml><?xml version="1.0" encoding="utf-8"?>
 <p:sld xmlns:a="http://schemas.openxmlformats.org/drawingml/2006/main" xmlns:r="http://schemas.openxmlformats.org/officeDocument/2006/relationships" xmlns:p="http://schemas.openxmlformats.org/presentationml/2006/main">
   <p:cSld>
     <p:spTree>
@@ -5997,7 +9980,7 @@
           <p:cNvPr id="2" name="Title 1">
             <a:extLst>
               <a:ext uri="{FF2B5EF4-FFF2-40B4-BE49-F238E27FC236}">
-                <a16:creationId xmlns:a16="http://schemas.microsoft.com/office/drawing/2014/main" id="{71F1B526-AA51-4AE6-85E2-A5A9ACCF2C95}"/>
+                <a16:creationId xmlns:a16="http://schemas.microsoft.com/office/drawing/2014/main" id="{11C5C169-670D-445E-AB0B-D708E26A5499}"/>
               </a:ext>
             </a:extLst>
           </p:cNvPr>
@@ -6010,8 +9993,8 @@
         </p:nvSpPr>
         <p:spPr>
           <a:xfrm>
-            <a:off x="1371600" y="640668"/>
-            <a:ext cx="9832588" cy="846137"/>
+            <a:off x="1162756" y="638749"/>
+            <a:ext cx="10081300" cy="849976"/>
           </a:xfrm>
         </p:spPr>
         <p:txBody>
@@ -6023,100 +10006,21 @@
             <a:pPr algn="r" rtl="1"/>
             <a:r>
               <a:rPr lang="he-IL" dirty="0"/>
-              <a:t>חלוקת המטרציה ללמידה וחיזוי</a:t>
-            </a:r>
-            <a:endParaRPr lang="en-US" dirty="0"/>
-          </a:p>
-        </p:txBody>
-      </p:sp>
-      <p:sp>
-        <p:nvSpPr>
-          <p:cNvPr id="3" name="Content Placeholder 2">
-            <a:extLst>
-              <a:ext uri="{FF2B5EF4-FFF2-40B4-BE49-F238E27FC236}">
-                <a16:creationId xmlns:a16="http://schemas.microsoft.com/office/drawing/2014/main" id="{AF8AC81A-0F76-4FC3-B913-73E85B52E960}"/>
-              </a:ext>
-            </a:extLst>
-          </p:cNvPr>
-          <p:cNvSpPr>
-            <a:spLocks noGrp="1"/>
-          </p:cNvSpPr>
-          <p:nvPr>
-            <p:ph type="subTitle" idx="1"/>
-          </p:nvPr>
-        </p:nvSpPr>
-        <p:spPr>
-          <a:xfrm>
-            <a:off x="608206" y="1714500"/>
-            <a:ext cx="10975588" cy="4356640"/>
-          </a:xfrm>
-        </p:spPr>
-        <p:txBody>
-          <a:bodyPr>
-            <a:normAutofit/>
-          </a:bodyPr>
-          <a:lstStyle/>
-          <a:p>
-            <a:pPr algn="r" rtl="1"/>
-            <a:r>
-              <a:rPr lang="he-IL" dirty="0"/>
-              <a:t>המודל צריך לקבל שני סטים של מטריצות:</a:t>
-            </a:r>
-          </a:p>
-          <a:p>
-            <a:pPr marL="457200" indent="-457200" algn="r" rtl="1">
-              <a:buFont typeface="+mj-lt"/>
-              <a:buAutoNum type="arabicPeriod"/>
-            </a:pPr>
-            <a:r>
-              <a:rPr lang="he-IL" dirty="0"/>
-              <a:t>לטובת אימון המודל</a:t>
-            </a:r>
-          </a:p>
-          <a:p>
-            <a:pPr marL="457200" indent="-457200" algn="r" rtl="1">
-              <a:buFont typeface="+mj-lt"/>
-              <a:buAutoNum type="arabicPeriod"/>
-            </a:pPr>
-            <a:r>
-              <a:rPr lang="he-IL" dirty="0"/>
-              <a:t>לטובת בחינת המודל</a:t>
-            </a:r>
-          </a:p>
-          <a:p>
-            <a:pPr algn="r" rtl="1"/>
-            <a:r>
-              <a:rPr lang="he-IL" dirty="0"/>
-              <a:t>כמות הציוצים שהיו לנו לאחר הסינונים לא גדול (11500) לכן התוצאות לא היו "מדהימות", אנחנו חילקנו את המטרציה בצורה הבאה: </a:t>
-            </a:r>
-          </a:p>
-          <a:p>
-            <a:pPr algn="r" rtl="1"/>
+              <a:t>מודלים – </a:t>
+            </a:r>
             <a:r>
               <a:rPr lang="en-US" dirty="0"/>
-              <a:t>0.85</a:t>
-            </a:r>
-            <a:r>
-              <a:rPr lang="he-IL" dirty="0"/>
-              <a:t> לטובת האימון ו-0.15</a:t>
-            </a:r>
-            <a:r>
-              <a:rPr lang="en-US" dirty="0"/>
-              <a:t> </a:t>
-            </a:r>
-            <a:r>
-              <a:rPr lang="he-IL" dirty="0"/>
-              <a:t>לטובת החיזוי.</a:t>
-            </a:r>
-          </a:p>
-        </p:txBody>
-      </p:sp>
-      <p:sp>
-        <p:nvSpPr>
-          <p:cNvPr id="4" name="Isosceles Triangle 3">
-            <a:extLst>
-              <a:ext uri="{FF2B5EF4-FFF2-40B4-BE49-F238E27FC236}">
-                <a16:creationId xmlns:a16="http://schemas.microsoft.com/office/drawing/2014/main" id="{50579CEC-2731-490C-BD3A-A2EA5D08A3E5}"/>
+              <a:t>Gaussian Naïve Bayes</a:t>
+            </a:r>
+          </a:p>
+        </p:txBody>
+      </p:sp>
+      <p:sp>
+        <p:nvSpPr>
+          <p:cNvPr id="25" name="Isosceles Triangle 24">
+            <a:extLst>
+              <a:ext uri="{FF2B5EF4-FFF2-40B4-BE49-F238E27FC236}">
+                <a16:creationId xmlns:a16="http://schemas.microsoft.com/office/drawing/2014/main" id="{691631EC-2689-4600-AA5F-66705E2B881B}"/>
               </a:ext>
             </a:extLst>
           </p:cNvPr>
@@ -6163,10 +10067,136 @@
           </a:p>
         </p:txBody>
       </p:sp>
+      <p:sp>
+        <p:nvSpPr>
+          <p:cNvPr id="26" name="Content Placeholder 2">
+            <a:extLst>
+              <a:ext uri="{FF2B5EF4-FFF2-40B4-BE49-F238E27FC236}">
+                <a16:creationId xmlns:a16="http://schemas.microsoft.com/office/drawing/2014/main" id="{8CD2477F-4E8F-4D33-9D36-C3A4C7DC558C}"/>
+              </a:ext>
+            </a:extLst>
+          </p:cNvPr>
+          <p:cNvSpPr>
+            <a:spLocks noGrp="1"/>
+          </p:cNvSpPr>
+          <p:nvPr>
+            <p:ph type="subTitle" idx="1"/>
+          </p:nvPr>
+        </p:nvSpPr>
+        <p:spPr>
+          <a:xfrm>
+            <a:off x="947944" y="1503397"/>
+            <a:ext cx="10668000" cy="4579032"/>
+          </a:xfrm>
+        </p:spPr>
+        <p:txBody>
+          <a:bodyPr>
+            <a:normAutofit/>
+          </a:bodyPr>
+          <a:lstStyle/>
+          <a:p>
+            <a:pPr algn="r" rtl="1"/>
+            <a:r>
+              <a:rPr lang="he-IL" dirty="0"/>
+              <a:t>המודל יתייג את המסמך כגבר או אשה על ידי מידע סטטיסטי של המילים הקיימות במסמך.</a:t>
+            </a:r>
+            <a:endParaRPr lang="en-US" dirty="0"/>
+          </a:p>
+          <a:p>
+            <a:pPr algn="r" rtl="1"/>
+            <a:r>
+              <a:rPr lang="he-IL" dirty="0"/>
+              <a:t>ההנחת יסוד של </a:t>
+            </a:r>
+            <a:r>
+              <a:rPr lang="en-US" dirty="0"/>
+              <a:t>Gaussian</a:t>
+            </a:r>
+            <a:r>
+              <a:rPr lang="he-IL" dirty="0"/>
+              <a:t>:</a:t>
+            </a:r>
+          </a:p>
+          <a:p>
+            <a:pPr marL="342900" indent="-342900" algn="r" rtl="1">
+              <a:buFont typeface="Arial" panose="020B0604020202020204" pitchFamily="34" charset="0"/>
+              <a:buChar char="•"/>
+            </a:pPr>
+            <a:r>
+              <a:rPr lang="he-IL" dirty="0"/>
+              <a:t>אין תלות בין המילים המסמך</a:t>
+            </a:r>
+          </a:p>
+          <a:p>
+            <a:pPr marL="342900" indent="-342900" algn="r" rtl="1">
+              <a:buFont typeface="Arial" panose="020B0604020202020204" pitchFamily="34" charset="0"/>
+              <a:buChar char="•"/>
+            </a:pPr>
+            <a:r>
+              <a:rPr lang="he-IL" dirty="0"/>
+              <a:t>ההתפלגות של ה-</a:t>
+            </a:r>
+            <a:r>
+              <a:rPr lang="en-US" dirty="0"/>
+              <a:t>Class</a:t>
+            </a:r>
+            <a:r>
+              <a:rPr lang="he-IL" dirty="0"/>
+              <a:t>ים נורמלית</a:t>
+            </a:r>
+          </a:p>
+          <a:p>
+            <a:pPr marL="342900" indent="-342900" algn="r" rtl="1">
+              <a:buFont typeface="Arial" panose="020B0604020202020204" pitchFamily="34" charset="0"/>
+              <a:buChar char="•"/>
+            </a:pPr>
+            <a:endParaRPr lang="he-IL" dirty="0"/>
+          </a:p>
+        </p:txBody>
+      </p:sp>
+      <p:pic>
+        <p:nvPicPr>
+          <p:cNvPr id="6" name="Graphic 5">
+            <a:extLst>
+              <a:ext uri="{FF2B5EF4-FFF2-40B4-BE49-F238E27FC236}">
+                <a16:creationId xmlns:a16="http://schemas.microsoft.com/office/drawing/2014/main" id="{8428CFFA-2DB9-41A3-B895-F35E1E3D198D}"/>
+              </a:ext>
+            </a:extLst>
+          </p:cNvPr>
+          <p:cNvPicPr>
+            <a:picLocks noChangeAspect="1"/>
+          </p:cNvPicPr>
+          <p:nvPr/>
+        </p:nvPicPr>
+        <p:blipFill>
+          <a:blip r:embed="rId3">
+            <a:extLst>
+              <a:ext uri="{28A0092B-C50C-407E-A947-70E740481C1C}">
+                <a14:useLocalDpi xmlns:a14="http://schemas.microsoft.com/office/drawing/2010/main" val="0"/>
+              </a:ext>
+              <a:ext uri="{96DAC541-7B7A-43D3-8B79-37D633B846F1}">
+                <asvg:svgBlip xmlns:asvg="http://schemas.microsoft.com/office/drawing/2016/SVG/main" r:embed="rId4"/>
+              </a:ext>
+            </a:extLst>
+          </a:blip>
+          <a:stretch>
+            <a:fillRect/>
+          </a:stretch>
+        </p:blipFill>
+        <p:spPr>
+          <a:xfrm>
+            <a:off x="2393245" y="4241799"/>
+            <a:ext cx="5963325" cy="1315685"/>
+          </a:xfrm>
+          <a:prstGeom prst="rect">
+            <a:avLst/>
+          </a:prstGeom>
+        </p:spPr>
+      </p:pic>
     </p:spTree>
     <p:extLst>
       <p:ext uri="{BB962C8B-B14F-4D97-AF65-F5344CB8AC3E}">
-        <p14:creationId xmlns:p14="http://schemas.microsoft.com/office/powerpoint/2010/main" val="286603767"/>
+        <p14:creationId xmlns:p14="http://schemas.microsoft.com/office/powerpoint/2010/main" val="396053711"/>
       </p:ext>
     </p:extLst>
   </p:cSld>
@@ -6176,7 +10206,7 @@
 </p:sld>
 </file>
 
-<file path=ppt/slides/slide8.xml><?xml version="1.0" encoding="utf-8"?>
+<file path=ppt/slides/slide9.xml><?xml version="1.0" encoding="utf-8"?>
 <p:sld xmlns:a="http://schemas.openxmlformats.org/drawingml/2006/main" xmlns:r="http://schemas.openxmlformats.org/officeDocument/2006/relationships" xmlns:p="http://schemas.openxmlformats.org/presentationml/2006/main">
   <p:cSld>
     <p:spTree>
@@ -6198,7 +10228,7 @@
           <p:cNvPr id="2" name="Title 1">
             <a:extLst>
               <a:ext uri="{FF2B5EF4-FFF2-40B4-BE49-F238E27FC236}">
-                <a16:creationId xmlns:a16="http://schemas.microsoft.com/office/drawing/2014/main" id="{59A6CF95-9614-40D4-91F9-C762BB356970}"/>
+                <a16:creationId xmlns:a16="http://schemas.microsoft.com/office/drawing/2014/main" id="{11C5C169-670D-445E-AB0B-D708E26A5499}"/>
               </a:ext>
             </a:extLst>
           </p:cNvPr>
@@ -6211,8 +10241,8 @@
         </p:nvSpPr>
         <p:spPr>
           <a:xfrm>
-            <a:off x="2060188" y="634318"/>
-            <a:ext cx="9144000" cy="858837"/>
+            <a:off x="417689" y="638749"/>
+            <a:ext cx="10826367" cy="849976"/>
           </a:xfrm>
         </p:spPr>
         <p:txBody>
@@ -6224,159 +10254,21 @@
             <a:pPr algn="r" rtl="1"/>
             <a:r>
               <a:rPr lang="he-IL" dirty="0"/>
-              <a:t>אימון המודלים ותוצאות</a:t>
-            </a:r>
-            <a:endParaRPr lang="en-US" dirty="0"/>
-          </a:p>
-        </p:txBody>
-      </p:sp>
-      <p:sp>
-        <p:nvSpPr>
-          <p:cNvPr id="3" name="Content Placeholder 2">
-            <a:extLst>
-              <a:ext uri="{FF2B5EF4-FFF2-40B4-BE49-F238E27FC236}">
-                <a16:creationId xmlns:a16="http://schemas.microsoft.com/office/drawing/2014/main" id="{AA4BF1FE-500A-4244-BE86-A923A2C84E4E}"/>
-              </a:ext>
-            </a:extLst>
-          </p:cNvPr>
-          <p:cNvSpPr>
-            <a:spLocks noGrp="1"/>
-          </p:cNvSpPr>
-          <p:nvPr>
-            <p:ph type="subTitle" idx="1"/>
-          </p:nvPr>
-        </p:nvSpPr>
-        <p:spPr>
-          <a:xfrm>
-            <a:off x="215900" y="1790700"/>
-            <a:ext cx="10988288" cy="4597400"/>
-          </a:xfrm>
-        </p:spPr>
-        <p:txBody>
-          <a:bodyPr>
-            <a:normAutofit lnSpcReduction="10000"/>
-          </a:bodyPr>
-          <a:lstStyle/>
-          <a:p>
-            <a:pPr marL="457200" lvl="1" indent="0" algn="r" rtl="1">
-              <a:buNone/>
-            </a:pPr>
-            <a:r>
-              <a:rPr lang="he-IL" sz="2400" dirty="0"/>
-              <a:t>בצענו את האימונים בכמה אופנים של המידע:</a:t>
-            </a:r>
-          </a:p>
-          <a:p>
-            <a:pPr marL="800100" lvl="1" indent="-342900" algn="r" rtl="1">
-              <a:buFont typeface="Arial" panose="020B0604020202020204" pitchFamily="34" charset="0"/>
-              <a:buChar char="•"/>
-            </a:pPr>
-            <a:r>
-              <a:rPr lang="he-IL" sz="2400" dirty="0"/>
-              <a:t>שינוי היחסים של אימון וחיזוי</a:t>
-            </a:r>
-          </a:p>
-          <a:p>
-            <a:pPr marL="800100" lvl="1" indent="-342900" algn="r" rtl="1">
-              <a:buFont typeface="Arial" panose="020B0604020202020204" pitchFamily="34" charset="0"/>
-              <a:buChar char="•"/>
-            </a:pPr>
-            <a:r>
-              <a:rPr lang="he-IL" sz="2400" dirty="0"/>
-              <a:t>שינוי אורך המקסימלי של ה-</a:t>
-            </a:r>
-            <a:r>
-              <a:rPr lang="en-US" sz="2400" dirty="0"/>
-              <a:t>Vector</a:t>
-            </a:r>
-            <a:r>
-              <a:rPr lang="he-IL" sz="2400" dirty="0"/>
-              <a:t> (מספר המילים הכי נפוצות)</a:t>
-            </a:r>
-          </a:p>
-          <a:p>
-            <a:pPr marL="800100" lvl="1" indent="-342900" algn="r" rtl="1">
-              <a:buFont typeface="Arial" panose="020B0604020202020204" pitchFamily="34" charset="0"/>
-              <a:buChar char="•"/>
-            </a:pPr>
-            <a:r>
-              <a:rPr lang="he-IL" sz="2400" dirty="0"/>
-              <a:t>שינוי מספר העצים במודל של </a:t>
-            </a:r>
-            <a:r>
-              <a:rPr lang="en-US" sz="2400" dirty="0"/>
+              <a:t>מודלים – </a:t>
+            </a:r>
+            <a:r>
+              <a:rPr lang="en-US" dirty="0"/>
               <a:t>Random Forest Classifier</a:t>
             </a:r>
-            <a:endParaRPr lang="he-IL" sz="2400" dirty="0"/>
-          </a:p>
-          <a:p>
-            <a:pPr lvl="1" algn="r" rtl="1"/>
-            <a:r>
-              <a:rPr lang="he-IL" sz="2400" dirty="0"/>
-              <a:t>לכן תיעוד הצלחנו להגיע לתוצאות הטובות ביותר עם המודל שנקרא </a:t>
-            </a:r>
-            <a:r>
-              <a:rPr lang="en-US" sz="2400" b="1" u="sng" dirty="0" err="1"/>
-              <a:t>RandomForestClassifier</a:t>
-            </a:r>
-            <a:r>
-              <a:rPr lang="he-IL" sz="2400" dirty="0"/>
-              <a:t> </a:t>
-            </a:r>
-          </a:p>
-          <a:p>
-            <a:pPr lvl="1" algn="r" rtl="1"/>
-            <a:r>
-              <a:rPr lang="en-US" sz="2400" dirty="0"/>
-              <a:t>accuracy for train :  0.9461845701072105</a:t>
-            </a:r>
-          </a:p>
-          <a:p>
-            <a:pPr lvl="1" algn="r" rtl="1"/>
-            <a:r>
-              <a:rPr lang="en-US" sz="2400" dirty="0"/>
-              <a:t>accuracy for test  :  0.6488095238095238</a:t>
-            </a:r>
-            <a:endParaRPr lang="he-IL" sz="2400" dirty="0"/>
-          </a:p>
-          <a:p>
-            <a:pPr lvl="1" algn="r" rtl="1"/>
-            <a:r>
-              <a:rPr lang="he-IL" sz="2400" dirty="0"/>
-              <a:t>מול התוצאות של המודל השני</a:t>
-            </a:r>
-            <a:endParaRPr lang="en-US" sz="2400" dirty="0"/>
-          </a:p>
-          <a:p>
-            <a:pPr lvl="1" algn="r" rtl="1"/>
-            <a:r>
-              <a:rPr lang="en-US" sz="2400" b="1" u="sng" dirty="0" err="1"/>
-              <a:t>GaussianNB</a:t>
-            </a:r>
-            <a:endParaRPr lang="he-IL" sz="2400" b="1" u="sng" dirty="0"/>
-          </a:p>
-          <a:p>
-            <a:pPr lvl="1" algn="r" rtl="1"/>
-            <a:r>
-              <a:rPr lang="en-US" sz="2400" dirty="0"/>
-              <a:t>accuracy for train :  0.6743746058440193</a:t>
-            </a:r>
-          </a:p>
-          <a:p>
-            <a:pPr lvl="1" algn="r" rtl="1"/>
-            <a:r>
-              <a:rPr lang="en-US" sz="2400" dirty="0"/>
-              <a:t>accuracy for test  :  0.6392857142857142</a:t>
-            </a:r>
-          </a:p>
-        </p:txBody>
-      </p:sp>
-      <p:sp>
-        <p:nvSpPr>
-          <p:cNvPr id="4" name="Isosceles Triangle 3">
-            <a:extLst>
-              <a:ext uri="{FF2B5EF4-FFF2-40B4-BE49-F238E27FC236}">
-                <a16:creationId xmlns:a16="http://schemas.microsoft.com/office/drawing/2014/main" id="{5528F9BC-DCF0-4F30-BF11-D378E2DB5D37}"/>
+          </a:p>
+        </p:txBody>
+      </p:sp>
+      <p:sp>
+        <p:nvSpPr>
+          <p:cNvPr id="25" name="Isosceles Triangle 24">
+            <a:extLst>
+              <a:ext uri="{FF2B5EF4-FFF2-40B4-BE49-F238E27FC236}">
+                <a16:creationId xmlns:a16="http://schemas.microsoft.com/office/drawing/2014/main" id="{691631EC-2689-4600-AA5F-66705E2B881B}"/>
               </a:ext>
             </a:extLst>
           </p:cNvPr>
@@ -6423,210 +10315,140 @@
           </a:p>
         </p:txBody>
       </p:sp>
+      <p:sp>
+        <p:nvSpPr>
+          <p:cNvPr id="26" name="Content Placeholder 2">
+            <a:extLst>
+              <a:ext uri="{FF2B5EF4-FFF2-40B4-BE49-F238E27FC236}">
+                <a16:creationId xmlns:a16="http://schemas.microsoft.com/office/drawing/2014/main" id="{8CD2477F-4E8F-4D33-9D36-C3A4C7DC558C}"/>
+              </a:ext>
+            </a:extLst>
+          </p:cNvPr>
+          <p:cNvSpPr>
+            <a:spLocks noGrp="1"/>
+          </p:cNvSpPr>
+          <p:nvPr>
+            <p:ph type="subTitle" idx="1"/>
+          </p:nvPr>
+        </p:nvSpPr>
+        <p:spPr>
+          <a:xfrm>
+            <a:off x="947944" y="1503397"/>
+            <a:ext cx="10668000" cy="4579032"/>
+          </a:xfrm>
+        </p:spPr>
+        <p:txBody>
+          <a:bodyPr>
+            <a:normAutofit/>
+          </a:bodyPr>
+          <a:lstStyle/>
+          <a:p>
+            <a:pPr algn="r" rtl="1"/>
+            <a:r>
+              <a:rPr lang="he-IL" sz="2400" b="1" u="sng" dirty="0"/>
+              <a:t>עץ החלטה:</a:t>
+            </a:r>
+            <a:r>
+              <a:rPr lang="he-IL" sz="2400" dirty="0"/>
+              <a:t> שואל שאלה בינראית (תשובה של </a:t>
+            </a:r>
+            <a:r>
+              <a:rPr lang="en-US" sz="2400" dirty="0"/>
+              <a:t>True or False</a:t>
+            </a:r>
+            <a:r>
+              <a:rPr lang="he-IL" sz="2400" dirty="0"/>
+              <a:t>) על כל </a:t>
+            </a:r>
+            <a:r>
+              <a:rPr lang="en-US" sz="2400" dirty="0"/>
+              <a:t>Feature</a:t>
+            </a:r>
+            <a:r>
+              <a:rPr lang="he-IL" sz="2400" dirty="0"/>
+              <a:t> כדי לקבל החלטה.</a:t>
+            </a:r>
+          </a:p>
+          <a:p>
+            <a:pPr algn="r" rtl="1"/>
+            <a:r>
+              <a:rPr lang="he-IL" dirty="0"/>
+              <a:t>העץ בנוי כך שכל צומת היא שאלה על </a:t>
+            </a:r>
+            <a:r>
+              <a:rPr lang="en-US" dirty="0"/>
+              <a:t>Feature</a:t>
+            </a:r>
+            <a:r>
+              <a:rPr lang="he-IL" dirty="0"/>
+              <a:t> ספיצי ועלה הוא החלטה (תיוג)</a:t>
+            </a:r>
+            <a:endParaRPr lang="he-IL" sz="2400" dirty="0"/>
+          </a:p>
+          <a:p>
+            <a:pPr algn="r" rtl="1"/>
+            <a:r>
+              <a:rPr lang="he-IL" dirty="0"/>
+              <a:t>הבחירה של </a:t>
+            </a:r>
+            <a:r>
+              <a:rPr lang="en-US" dirty="0"/>
+              <a:t>Feature</a:t>
+            </a:r>
+            <a:r>
+              <a:rPr lang="he-IL" dirty="0"/>
+              <a:t> נעשית כך שהתשובה שלה היא הכי וודאית, כלומר שיש הפרדה טובה בין ב-</a:t>
+            </a:r>
+            <a:r>
+              <a:rPr lang="en-US" dirty="0"/>
+              <a:t>Class</a:t>
+            </a:r>
+            <a:r>
+              <a:rPr lang="he-IL" dirty="0"/>
+              <a:t>ים.</a:t>
+            </a:r>
+          </a:p>
+          <a:p>
+            <a:pPr algn="r" rtl="1"/>
+            <a:r>
+              <a:rPr lang="en-US" b="1" u="sng" dirty="0"/>
+              <a:t>:Random Forest Classifier</a:t>
+            </a:r>
+            <a:endParaRPr lang="he-IL" sz="2400" b="1" u="sng" dirty="0"/>
+          </a:p>
+          <a:p>
+            <a:pPr algn="r" rtl="1"/>
+            <a:r>
+              <a:rPr lang="he-IL" dirty="0"/>
+              <a:t>זהו אוסף של עצי החלטה שכל אחד מהם פועל על תת קבוצה רנדומלית של </a:t>
+            </a:r>
+            <a:r>
+              <a:rPr lang="en-US" dirty="0"/>
+              <a:t>Feature</a:t>
+            </a:r>
+            <a:r>
+              <a:rPr lang="he-IL" dirty="0"/>
+              <a:t> כך שמספר ה</a:t>
+            </a:r>
+            <a:r>
+              <a:rPr lang="en-US" dirty="0"/>
+              <a:t>Features-</a:t>
+            </a:r>
+            <a:r>
+              <a:rPr lang="he-IL" dirty="0"/>
+              <a:t> זהה בכל עץ.</a:t>
+            </a:r>
+          </a:p>
+          <a:p>
+            <a:pPr algn="r" rtl="1"/>
+            <a:endParaRPr lang="he-IL" sz="2400" dirty="0"/>
+          </a:p>
+        </p:txBody>
+      </p:sp>
     </p:spTree>
     <p:extLst>
       <p:ext uri="{BB962C8B-B14F-4D97-AF65-F5344CB8AC3E}">
-        <p14:creationId xmlns:p14="http://schemas.microsoft.com/office/powerpoint/2010/main" val="1635083115"/>
-      </p:ext>
-    </p:extLst>
-  </p:cSld>
-  <p:clrMapOvr>
-    <a:masterClrMapping/>
-  </p:clrMapOvr>
-</p:sld>
-</file>
-
-<file path=ppt/slides/slide9.xml><?xml version="1.0" encoding="utf-8"?>
-<p:sld xmlns:a="http://schemas.openxmlformats.org/drawingml/2006/main" xmlns:r="http://schemas.openxmlformats.org/officeDocument/2006/relationships" xmlns:p="http://schemas.openxmlformats.org/presentationml/2006/main">
-  <p:cSld>
-    <p:spTree>
-      <p:nvGrpSpPr>
-        <p:cNvPr id="1" name=""/>
-        <p:cNvGrpSpPr/>
-        <p:nvPr/>
-      </p:nvGrpSpPr>
-      <p:grpSpPr>
-        <a:xfrm>
-          <a:off x="0" y="0"/>
-          <a:ext cx="0" cy="0"/>
-          <a:chOff x="0" y="0"/>
-          <a:chExt cx="0" cy="0"/>
-        </a:xfrm>
-      </p:grpSpPr>
-      <p:pic>
-        <p:nvPicPr>
-          <p:cNvPr id="8" name="Picture 7">
-            <a:extLst>
-              <a:ext uri="{FF2B5EF4-FFF2-40B4-BE49-F238E27FC236}">
-                <a16:creationId xmlns:a16="http://schemas.microsoft.com/office/drawing/2014/main" id="{2886E597-7495-4683-8D7A-6DDBDF90DF2D}"/>
-              </a:ext>
-            </a:extLst>
-          </p:cNvPr>
-          <p:cNvPicPr>
-            <a:picLocks noChangeAspect="1"/>
-          </p:cNvPicPr>
-          <p:nvPr/>
-        </p:nvPicPr>
-        <p:blipFill>
-          <a:blip r:embed="rId2">
-            <a:extLst>
-              <a:ext uri="{28A0092B-C50C-407E-A947-70E740481C1C}">
-                <a14:useLocalDpi xmlns:a14="http://schemas.microsoft.com/office/drawing/2010/main" val="0"/>
-              </a:ext>
-            </a:extLst>
-          </a:blip>
-          <a:stretch>
-            <a:fillRect/>
-          </a:stretch>
-        </p:blipFill>
-        <p:spPr>
-          <a:xfrm>
-            <a:off x="5346024" y="1142681"/>
-            <a:ext cx="6096851" cy="4572638"/>
-          </a:xfrm>
-          <a:prstGeom prst="rect">
-            <a:avLst/>
-          </a:prstGeom>
-        </p:spPr>
-      </p:pic>
-      <p:sp>
-        <p:nvSpPr>
-          <p:cNvPr id="2" name="Title 1">
-            <a:extLst>
-              <a:ext uri="{FF2B5EF4-FFF2-40B4-BE49-F238E27FC236}">
-                <a16:creationId xmlns:a16="http://schemas.microsoft.com/office/drawing/2014/main" id="{A4E5F78B-3C7F-40F7-9FB5-E9B5F341CC13}"/>
-              </a:ext>
-            </a:extLst>
-          </p:cNvPr>
-          <p:cNvSpPr>
-            <a:spLocks noGrp="1"/>
-          </p:cNvSpPr>
-          <p:nvPr>
-            <p:ph type="ctrTitle"/>
-          </p:nvPr>
-        </p:nvSpPr>
-        <p:spPr>
-          <a:xfrm>
-            <a:off x="1955800" y="602568"/>
-            <a:ext cx="9144000" cy="922337"/>
-          </a:xfrm>
-        </p:spPr>
-        <p:txBody>
-          <a:bodyPr/>
-          <a:lstStyle/>
-          <a:p>
-            <a:pPr algn="r" rtl="1"/>
-            <a:r>
-              <a:rPr lang="he-IL" dirty="0"/>
-              <a:t>תוצאות בצורה גרפית</a:t>
-            </a:r>
-            <a:endParaRPr lang="en-US" dirty="0"/>
-          </a:p>
-        </p:txBody>
-      </p:sp>
-      <p:sp>
-        <p:nvSpPr>
-          <p:cNvPr id="4" name="Isosceles Triangle 3">
-            <a:extLst>
-              <a:ext uri="{FF2B5EF4-FFF2-40B4-BE49-F238E27FC236}">
-                <a16:creationId xmlns:a16="http://schemas.microsoft.com/office/drawing/2014/main" id="{2BF0BEC7-7921-4EFE-AA13-5D834EE4538A}"/>
-              </a:ext>
-            </a:extLst>
-          </p:cNvPr>
-          <p:cNvSpPr/>
-          <p:nvPr/>
-        </p:nvSpPr>
-        <p:spPr>
-          <a:xfrm rot="16200000">
-            <a:off x="11165998" y="825050"/>
-            <a:ext cx="553755" cy="477375"/>
-          </a:xfrm>
-          <a:prstGeom prst="triangle">
-            <a:avLst/>
-          </a:prstGeom>
-          <a:solidFill>
-            <a:srgbClr val="002060"/>
-          </a:solidFill>
-          <a:ln>
-            <a:noFill/>
-          </a:ln>
-        </p:spPr>
-        <p:style>
-          <a:lnRef idx="2">
-            <a:schemeClr val="accent1">
-              <a:shade val="50000"/>
-            </a:schemeClr>
-          </a:lnRef>
-          <a:fillRef idx="1">
-            <a:schemeClr val="accent1"/>
-          </a:fillRef>
-          <a:effectRef idx="0">
-            <a:schemeClr val="accent1"/>
-          </a:effectRef>
-          <a:fontRef idx="minor">
-            <a:schemeClr val="lt1"/>
-          </a:fontRef>
-        </p:style>
-        <p:txBody>
-          <a:bodyPr rtlCol="0" anchor="ctr"/>
-          <a:lstStyle/>
-          <a:p>
-            <a:pPr algn="ctr"/>
-            <a:endParaRPr lang="en-US"/>
-          </a:p>
-        </p:txBody>
-      </p:sp>
-      <p:sp>
-        <p:nvSpPr>
-          <p:cNvPr id="6" name="Subtitle 5">
-            <a:extLst>
-              <a:ext uri="{FF2B5EF4-FFF2-40B4-BE49-F238E27FC236}">
-                <a16:creationId xmlns:a16="http://schemas.microsoft.com/office/drawing/2014/main" id="{989BF6EE-2087-4A05-B971-268375A12987}"/>
-              </a:ext>
-            </a:extLst>
-          </p:cNvPr>
-          <p:cNvSpPr>
-            <a:spLocks noGrp="1"/>
-          </p:cNvSpPr>
-          <p:nvPr>
-            <p:ph type="subTitle" idx="1"/>
-          </p:nvPr>
-        </p:nvSpPr>
-        <p:spPr>
-          <a:xfrm>
-            <a:off x="-101228" y="2601119"/>
-            <a:ext cx="5447252" cy="1655762"/>
-          </a:xfrm>
-        </p:spPr>
-        <p:txBody>
-          <a:bodyPr/>
-          <a:lstStyle/>
-          <a:p>
-            <a:r>
-              <a:rPr lang="en-US" dirty="0"/>
-              <a:t>Random Forest Classifier</a:t>
-            </a:r>
-          </a:p>
-          <a:p>
-            <a:r>
-              <a:rPr lang="en-US" dirty="0"/>
-              <a:t>  Count vector </a:t>
-            </a:r>
-            <a:r>
-              <a:rPr lang="en-US" b="1" dirty="0"/>
-              <a:t>with</a:t>
-            </a:r>
-            <a:r>
-              <a:rPr lang="en-US" dirty="0"/>
-              <a:t> English stop words</a:t>
-            </a:r>
-          </a:p>
-        </p:txBody>
-      </p:sp>
-    </p:spTree>
-    <p:extLst>
-      <p:ext uri="{BB962C8B-B14F-4D97-AF65-F5344CB8AC3E}">
-        <p14:creationId xmlns:p14="http://schemas.microsoft.com/office/powerpoint/2010/main" val="1285151815"/>
+        <p14:creationId xmlns:p14="http://schemas.microsoft.com/office/powerpoint/2010/main" val="2115436758"/>
       </p:ext>
     </p:extLst>
   </p:cSld>
@@ -6835,4 +10657,299 @@
     </a:ext>
   </a:extLst>
 </a:theme>
+</file>
+
+<file path=ppt/theme/theme2.xml><?xml version="1.0" encoding="utf-8"?>
+<a:theme xmlns:a="http://schemas.openxmlformats.org/drawingml/2006/main" name="Office Theme">
+  <a:themeElements>
+    <a:clrScheme name="Office">
+      <a:dk1>
+        <a:sysClr val="windowText" lastClr="000000"/>
+      </a:dk1>
+      <a:lt1>
+        <a:sysClr val="window" lastClr="FFFFFF"/>
+      </a:lt1>
+      <a:dk2>
+        <a:srgbClr val="44546A"/>
+      </a:dk2>
+      <a:lt2>
+        <a:srgbClr val="E7E6E6"/>
+      </a:lt2>
+      <a:accent1>
+        <a:srgbClr val="4472C4"/>
+      </a:accent1>
+      <a:accent2>
+        <a:srgbClr val="ED7D31"/>
+      </a:accent2>
+      <a:accent3>
+        <a:srgbClr val="A5A5A5"/>
+      </a:accent3>
+      <a:accent4>
+        <a:srgbClr val="FFC000"/>
+      </a:accent4>
+      <a:accent5>
+        <a:srgbClr val="5B9BD5"/>
+      </a:accent5>
+      <a:accent6>
+        <a:srgbClr val="70AD47"/>
+      </a:accent6>
+      <a:hlink>
+        <a:srgbClr val="0563C1"/>
+      </a:hlink>
+      <a:folHlink>
+        <a:srgbClr val="954F72"/>
+      </a:folHlink>
+    </a:clrScheme>
+    <a:fontScheme name="Office">
+      <a:majorFont>
+        <a:latin typeface="Calibri Light" panose="020F0302020204030204"/>
+        <a:ea typeface=""/>
+        <a:cs typeface=""/>
+        <a:font script="Jpan" typeface="游ゴシック Light"/>
+        <a:font script="Hang" typeface="맑은 고딕"/>
+        <a:font script="Hans" typeface="等线 Light"/>
+        <a:font script="Hant" typeface="新細明體"/>
+        <a:font script="Arab" typeface="Times New Roman"/>
+        <a:font script="Hebr" typeface="Times New Roman"/>
+        <a:font script="Thai" typeface="Angsana New"/>
+        <a:font script="Ethi" typeface="Nyala"/>
+        <a:font script="Beng" typeface="Vrinda"/>
+        <a:font script="Gujr" typeface="Shruti"/>
+        <a:font script="Khmr" typeface="MoolBoran"/>
+        <a:font script="Knda" typeface="Tunga"/>
+        <a:font script="Guru" typeface="Raavi"/>
+        <a:font script="Cans" typeface="Euphemia"/>
+        <a:font script="Cher" typeface="Plantagenet Cherokee"/>
+        <a:font script="Yiii" typeface="Microsoft Yi Baiti"/>
+        <a:font script="Tibt" typeface="Microsoft Himalaya"/>
+        <a:font script="Thaa" typeface="MV Boli"/>
+        <a:font script="Deva" typeface="Mangal"/>
+        <a:font script="Telu" typeface="Gautami"/>
+        <a:font script="Taml" typeface="Latha"/>
+        <a:font script="Syrc" typeface="Estrangelo Edessa"/>
+        <a:font script="Orya" typeface="Kalinga"/>
+        <a:font script="Mlym" typeface="Kartika"/>
+        <a:font script="Laoo" typeface="DokChampa"/>
+        <a:font script="Sinh" typeface="Iskoola Pota"/>
+        <a:font script="Mong" typeface="Mongolian Baiti"/>
+        <a:font script="Viet" typeface="Times New Roman"/>
+        <a:font script="Uigh" typeface="Microsoft Uighur"/>
+        <a:font script="Geor" typeface="Sylfaen"/>
+        <a:font script="Armn" typeface="Arial"/>
+        <a:font script="Bugi" typeface="Leelawadee UI"/>
+        <a:font script="Bopo" typeface="Microsoft JhengHei"/>
+        <a:font script="Java" typeface="Javanese Text"/>
+        <a:font script="Lisu" typeface="Segoe UI"/>
+        <a:font script="Mymr" typeface="Myanmar Text"/>
+        <a:font script="Nkoo" typeface="Ebrima"/>
+        <a:font script="Olck" typeface="Nirmala UI"/>
+        <a:font script="Osma" typeface="Ebrima"/>
+        <a:font script="Phag" typeface="Phagspa"/>
+        <a:font script="Syrn" typeface="Estrangelo Edessa"/>
+        <a:font script="Syrj" typeface="Estrangelo Edessa"/>
+        <a:font script="Syre" typeface="Estrangelo Edessa"/>
+        <a:font script="Sora" typeface="Nirmala UI"/>
+        <a:font script="Tale" typeface="Microsoft Tai Le"/>
+        <a:font script="Talu" typeface="Microsoft New Tai Lue"/>
+        <a:font script="Tfng" typeface="Ebrima"/>
+      </a:majorFont>
+      <a:minorFont>
+        <a:latin typeface="Calibri" panose="020F0502020204030204"/>
+        <a:ea typeface=""/>
+        <a:cs typeface=""/>
+        <a:font script="Jpan" typeface="游ゴシック"/>
+        <a:font script="Hang" typeface="맑은 고딕"/>
+        <a:font script="Hans" typeface="等线"/>
+        <a:font script="Hant" typeface="新細明體"/>
+        <a:font script="Arab" typeface="Arial"/>
+        <a:font script="Hebr" typeface="Arial"/>
+        <a:font script="Thai" typeface="Cordia New"/>
+        <a:font script="Ethi" typeface="Nyala"/>
+        <a:font script="Beng" typeface="Vrinda"/>
+        <a:font script="Gujr" typeface="Shruti"/>
+        <a:font script="Khmr" typeface="DaunPenh"/>
+        <a:font script="Knda" typeface="Tunga"/>
+        <a:font script="Guru" typeface="Raavi"/>
+        <a:font script="Cans" typeface="Euphemia"/>
+        <a:font script="Cher" typeface="Plantagenet Cherokee"/>
+        <a:font script="Yiii" typeface="Microsoft Yi Baiti"/>
+        <a:font script="Tibt" typeface="Microsoft Himalaya"/>
+        <a:font script="Thaa" typeface="MV Boli"/>
+        <a:font script="Deva" typeface="Mangal"/>
+        <a:font script="Telu" typeface="Gautami"/>
+        <a:font script="Taml" typeface="Latha"/>
+        <a:font script="Syrc" typeface="Estrangelo Edessa"/>
+        <a:font script="Orya" typeface="Kalinga"/>
+        <a:font script="Mlym" typeface="Kartika"/>
+        <a:font script="Laoo" typeface="DokChampa"/>
+        <a:font script="Sinh" typeface="Iskoola Pota"/>
+        <a:font script="Mong" typeface="Mongolian Baiti"/>
+        <a:font script="Viet" typeface="Arial"/>
+        <a:font script="Uigh" typeface="Microsoft Uighur"/>
+        <a:font script="Geor" typeface="Sylfaen"/>
+        <a:font script="Armn" typeface="Arial"/>
+        <a:font script="Bugi" typeface="Leelawadee UI"/>
+        <a:font script="Bopo" typeface="Microsoft JhengHei"/>
+        <a:font script="Java" typeface="Javanese Text"/>
+        <a:font script="Lisu" typeface="Segoe UI"/>
+        <a:font script="Mymr" typeface="Myanmar Text"/>
+        <a:font script="Nkoo" typeface="Ebrima"/>
+        <a:font script="Olck" typeface="Nirmala UI"/>
+        <a:font script="Osma" typeface="Ebrima"/>
+        <a:font script="Phag" typeface="Phagspa"/>
+        <a:font script="Syrn" typeface="Estrangelo Edessa"/>
+        <a:font script="Syrj" typeface="Estrangelo Edessa"/>
+        <a:font script="Syre" typeface="Estrangelo Edessa"/>
+        <a:font script="Sora" typeface="Nirmala UI"/>
+        <a:font script="Tale" typeface="Microsoft Tai Le"/>
+        <a:font script="Talu" typeface="Microsoft New Tai Lue"/>
+        <a:font script="Tfng" typeface="Ebrima"/>
+      </a:minorFont>
+    </a:fontScheme>
+    <a:fmtScheme name="Office">
+      <a:fillStyleLst>
+        <a:solidFill>
+          <a:schemeClr val="phClr"/>
+        </a:solidFill>
+        <a:gradFill rotWithShape="1">
+          <a:gsLst>
+            <a:gs pos="0">
+              <a:schemeClr val="phClr">
+                <a:lumMod val="110000"/>
+                <a:satMod val="105000"/>
+                <a:tint val="67000"/>
+              </a:schemeClr>
+            </a:gs>
+            <a:gs pos="50000">
+              <a:schemeClr val="phClr">
+                <a:lumMod val="105000"/>
+                <a:satMod val="103000"/>
+                <a:tint val="73000"/>
+              </a:schemeClr>
+            </a:gs>
+            <a:gs pos="100000">
+              <a:schemeClr val="phClr">
+                <a:lumMod val="105000"/>
+                <a:satMod val="109000"/>
+                <a:tint val="81000"/>
+              </a:schemeClr>
+            </a:gs>
+          </a:gsLst>
+          <a:lin ang="5400000" scaled="0"/>
+        </a:gradFill>
+        <a:gradFill rotWithShape="1">
+          <a:gsLst>
+            <a:gs pos="0">
+              <a:schemeClr val="phClr">
+                <a:satMod val="103000"/>
+                <a:lumMod val="102000"/>
+                <a:tint val="94000"/>
+              </a:schemeClr>
+            </a:gs>
+            <a:gs pos="50000">
+              <a:schemeClr val="phClr">
+                <a:satMod val="110000"/>
+                <a:lumMod val="100000"/>
+                <a:shade val="100000"/>
+              </a:schemeClr>
+            </a:gs>
+            <a:gs pos="100000">
+              <a:schemeClr val="phClr">
+                <a:lumMod val="99000"/>
+                <a:satMod val="120000"/>
+                <a:shade val="78000"/>
+              </a:schemeClr>
+            </a:gs>
+          </a:gsLst>
+          <a:lin ang="5400000" scaled="0"/>
+        </a:gradFill>
+      </a:fillStyleLst>
+      <a:lnStyleLst>
+        <a:ln w="6350" cap="flat" cmpd="sng" algn="ctr">
+          <a:solidFill>
+            <a:schemeClr val="phClr"/>
+          </a:solidFill>
+          <a:prstDash val="solid"/>
+          <a:miter lim="800000"/>
+        </a:ln>
+        <a:ln w="12700" cap="flat" cmpd="sng" algn="ctr">
+          <a:solidFill>
+            <a:schemeClr val="phClr"/>
+          </a:solidFill>
+          <a:prstDash val="solid"/>
+          <a:miter lim="800000"/>
+        </a:ln>
+        <a:ln w="19050" cap="flat" cmpd="sng" algn="ctr">
+          <a:solidFill>
+            <a:schemeClr val="phClr"/>
+          </a:solidFill>
+          <a:prstDash val="solid"/>
+          <a:miter lim="800000"/>
+        </a:ln>
+      </a:lnStyleLst>
+      <a:effectStyleLst>
+        <a:effectStyle>
+          <a:effectLst/>
+        </a:effectStyle>
+        <a:effectStyle>
+          <a:effectLst/>
+        </a:effectStyle>
+        <a:effectStyle>
+          <a:effectLst>
+            <a:outerShdw blurRad="57150" dist="19050" dir="5400000" algn="ctr" rotWithShape="0">
+              <a:srgbClr val="000000">
+                <a:alpha val="63000"/>
+              </a:srgbClr>
+            </a:outerShdw>
+          </a:effectLst>
+        </a:effectStyle>
+      </a:effectStyleLst>
+      <a:bgFillStyleLst>
+        <a:solidFill>
+          <a:schemeClr val="phClr"/>
+        </a:solidFill>
+        <a:solidFill>
+          <a:schemeClr val="phClr">
+            <a:tint val="95000"/>
+            <a:satMod val="170000"/>
+          </a:schemeClr>
+        </a:solidFill>
+        <a:gradFill rotWithShape="1">
+          <a:gsLst>
+            <a:gs pos="0">
+              <a:schemeClr val="phClr">
+                <a:tint val="93000"/>
+                <a:satMod val="150000"/>
+                <a:shade val="98000"/>
+                <a:lumMod val="102000"/>
+              </a:schemeClr>
+            </a:gs>
+            <a:gs pos="50000">
+              <a:schemeClr val="phClr">
+                <a:tint val="98000"/>
+                <a:satMod val="130000"/>
+                <a:shade val="90000"/>
+                <a:lumMod val="103000"/>
+              </a:schemeClr>
+            </a:gs>
+            <a:gs pos="100000">
+              <a:schemeClr val="phClr">
+                <a:shade val="63000"/>
+                <a:satMod val="120000"/>
+              </a:schemeClr>
+            </a:gs>
+          </a:gsLst>
+          <a:lin ang="5400000" scaled="0"/>
+        </a:gradFill>
+      </a:bgFillStyleLst>
+    </a:fmtScheme>
+  </a:themeElements>
+  <a:objectDefaults/>
+  <a:extraClrSchemeLst/>
+  <a:extLst>
+    <a:ext uri="{05A4C25C-085E-4340-85A3-A5531E510DB2}">
+      <thm15:themeFamily xmlns:thm15="http://schemas.microsoft.com/office/thememl/2012/main" name="Office Theme" id="{62F939B6-93AF-4DB8-9C6B-D6C7DFDC589F}" vid="{4A3C46E8-61CC-4603-A589-7422A47A8E4A}"/>
+    </a:ext>
+  </a:extLst>
+</a:theme>
 </file>